--- a/Presentation/MIPS Processor Project Presentation.pptx
+++ b/Presentation/MIPS Processor Project Presentation.pptx
@@ -19,8 +19,8 @@
 </file>
 
 <file path=ppt/slideLayouts/slideLayout1.xml><?xml version="1.0" encoding="utf-8"?>
-<p:sldLayout xmlns:a="http://schemas.openxmlformats.org/drawingml/2006/main" xmlns:p="http://schemas.openxmlformats.org/presentationml/2006/main" xmlns:r="http://schemas.openxmlformats.org/officeDocument/2006/relationships" xmlns:p14="http://schemas.microsoft.com/office/powerpoint/2010/main" xmlns:p15="http://schemas.microsoft.com/office/powerpoint/2012/main" xmlns:mc="http://schemas.openxmlformats.org/markup-compatibility/2006" type="title" preserve="1">
-  <p:cSld name="Title Slide">
+<p:sldLayout xmlns:a="http://schemas.openxmlformats.org/drawingml/2006/main" xmlns:p="http://schemas.openxmlformats.org/presentationml/2006/main" xmlns:r="http://schemas.openxmlformats.org/officeDocument/2006/relationships" xmlns:p14="http://schemas.microsoft.com/office/powerpoint/2010/main" xmlns:p15="http://schemas.microsoft.com/office/powerpoint/2012/main" xmlns:mc="http://schemas.openxmlformats.org/markup-compatibility/2006" type="blank" preserve="1">
+  <p:cSld name="Blank">
     <p:bg>
       <p:bgPr>
         <a:solidFill>
@@ -49,69 +49,13 @@
             <a:spLocks noGrp="1"/>
           </p:cNvSpPr>
           <p:nvPr>
-            <p:ph type="title"/>
-          </p:nvPr>
-        </p:nvSpPr>
-        <p:spPr>
-          <a:xfrm>
-            <a:off x="685800" y="1597680"/>
-            <a:ext cx="7772040" cy="1102320"/>
-          </a:xfrm>
-          <a:prstGeom prst="rect">
-            <a:avLst/>
-          </a:prstGeom>
-          <a:noFill/>
-          <a:ln w="0">
-            <a:noFill/>
-          </a:ln>
-        </p:spPr>
-        <p:txBody>
-          <a:bodyPr lIns="91440" rIns="91440" tIns="45720" bIns="45720" anchor="ctr">
-            <a:noAutofit/>
-          </a:bodyPr>
-          <a:p>
-            <a:pPr indent="0" algn="ctr" defTabSz="343080">
-              <a:lnSpc>
-                <a:spcPct val="100000"/>
-              </a:lnSpc>
-              <a:buNone/>
-            </a:pPr>
-            <a:r>
-              <a:rPr b="0" lang="en-US" sz="3300" strike="noStrike" u="none">
-                <a:solidFill>
-                  <a:schemeClr val="dk1"/>
-                </a:solidFill>
-                <a:effectLst/>
-                <a:uFillTx/>
-                <a:latin typeface="Calibri"/>
-              </a:rPr>
-              <a:t>Click to edit Master title style</a:t>
-            </a:r>
-            <a:endParaRPr b="0" lang="en-US" sz="3300" strike="noStrike" u="none">
-              <a:solidFill>
-                <a:schemeClr val="dk1"/>
-              </a:solidFill>
-              <a:effectLst/>
-              <a:uFillTx/>
-              <a:latin typeface="Calibri"/>
-            </a:endParaRPr>
-          </a:p>
-        </p:txBody>
-      </p:sp>
-      <p:sp>
-        <p:nvSpPr>
-          <p:cNvPr id="1" name="PlaceHolder 2"/>
-          <p:cNvSpPr>
-            <a:spLocks noGrp="1"/>
-          </p:cNvSpPr>
-          <p:nvPr>
             <p:ph type="dt" idx="1"/>
           </p:nvPr>
         </p:nvSpPr>
         <p:spPr>
           <a:xfrm>
             <a:off x="457200" y="4767120"/>
-            <a:ext cx="2133360" cy="273600"/>
+            <a:ext cx="2133000" cy="273240"/>
           </a:xfrm>
           <a:prstGeom prst="rect">
             <a:avLst/>
@@ -131,6 +75,9 @@
                 <a:spcPct val="100000"/>
               </a:lnSpc>
               <a:buNone/>
+              <a:tabLst>
+                <a:tab algn="l" pos="0"/>
+              </a:tabLst>
               <a:defRPr b="0" lang="en-US" sz="900" strike="noStrike" u="none">
                 <a:solidFill>
                   <a:schemeClr val="dk1">
@@ -149,6 +96,9 @@
                 <a:spcPct val="100000"/>
               </a:lnSpc>
               <a:buNone/>
+              <a:tabLst>
+                <a:tab algn="l" pos="0"/>
+              </a:tabLst>
             </a:pPr>
             <a:r>
               <a:rPr b="0" lang="en-US" sz="900" strike="noStrike" u="none">
@@ -176,7 +126,7 @@
       </p:sp>
       <p:sp>
         <p:nvSpPr>
-          <p:cNvPr id="2" name="PlaceHolder 3"/>
+          <p:cNvPr id="1" name="PlaceHolder 2"/>
           <p:cNvSpPr>
             <a:spLocks noGrp="1"/>
           </p:cNvSpPr>
@@ -187,7 +137,7 @@
         <p:spPr>
           <a:xfrm>
             <a:off x="3124080" y="4767120"/>
-            <a:ext cx="2895120" cy="273600"/>
+            <a:ext cx="2894760" cy="273240"/>
           </a:xfrm>
           <a:prstGeom prst="rect">
             <a:avLst/>
@@ -203,7 +153,13 @@
           </a:bodyPr>
           <a:lstStyle>
             <a:lvl1pPr indent="0" algn="ctr">
+              <a:lnSpc>
+                <a:spcPct val="100000"/>
+              </a:lnSpc>
               <a:buNone/>
+              <a:tabLst>
+                <a:tab algn="l" pos="0"/>
+              </a:tabLst>
               <a:defRPr b="0" lang="en-US" sz="1400" strike="noStrike" u="none">
                 <a:solidFill>
                   <a:srgbClr val="000000"/>
@@ -216,7 +172,13 @@
           </a:lstStyle>
           <a:p>
             <a:pPr indent="0" algn="ctr">
+              <a:lnSpc>
+                <a:spcPct val="100000"/>
+              </a:lnSpc>
               <a:buNone/>
+              <a:tabLst>
+                <a:tab algn="l" pos="0"/>
+              </a:tabLst>
             </a:pPr>
             <a:r>
               <a:rPr b="0" lang="en-US" sz="1400" strike="noStrike" u="none">
@@ -242,7 +204,7 @@
       </p:sp>
       <p:sp>
         <p:nvSpPr>
-          <p:cNvPr id="3" name="PlaceHolder 4"/>
+          <p:cNvPr id="2" name="PlaceHolder 3"/>
           <p:cNvSpPr>
             <a:spLocks noGrp="1"/>
           </p:cNvSpPr>
@@ -253,7 +215,7 @@
         <p:spPr>
           <a:xfrm>
             <a:off x="6553080" y="4767120"/>
-            <a:ext cx="2133360" cy="273600"/>
+            <a:ext cx="2133000" cy="273240"/>
           </a:xfrm>
           <a:prstGeom prst="rect">
             <a:avLst/>
@@ -273,6 +235,9 @@
                 <a:spcPct val="100000"/>
               </a:lnSpc>
               <a:buNone/>
+              <a:tabLst>
+                <a:tab algn="l" pos="0"/>
+              </a:tabLst>
               <a:defRPr b="0" lang="en-US" sz="900" strike="noStrike" u="none">
                 <a:solidFill>
                   <a:schemeClr val="dk1">
@@ -291,8 +256,11 @@
                 <a:spcPct val="100000"/>
               </a:lnSpc>
               <a:buNone/>
-            </a:pPr>
-            <a:fld id="{68B70705-822B-42D2-863A-D54D92430491}" type="slidenum">
+              <a:tabLst>
+                <a:tab algn="l" pos="0"/>
+              </a:tabLst>
+            </a:pPr>
+            <a:fld id="{18A060E5-5B12-47F2-B7E4-6EDF145C1151}" type="slidenum">
               <a:rPr b="0" lang="en-US" sz="900" strike="noStrike" u="none">
                 <a:solidFill>
                   <a:schemeClr val="dk1">
@@ -323,7 +291,7 @@
 
 <file path=ppt/slideLayouts/slideLayout10.xml><?xml version="1.0" encoding="utf-8"?>
 <p:sldLayout xmlns:a="http://schemas.openxmlformats.org/drawingml/2006/main" xmlns:p="http://schemas.openxmlformats.org/presentationml/2006/main" xmlns:r="http://schemas.openxmlformats.org/officeDocument/2006/relationships" xmlns:p14="http://schemas.microsoft.com/office/powerpoint/2010/main" xmlns:p15="http://schemas.microsoft.com/office/powerpoint/2012/main" xmlns:mc="http://schemas.openxmlformats.org/markup-compatibility/2006" type="blank" preserve="1">
-  <p:cSld name="Content with Caption">
+  <p:cSld name="Comparison">
     <p:bg>
       <p:bgPr>
         <a:solidFill>
@@ -357,8 +325,8 @@
         </p:nvSpPr>
         <p:spPr>
           <a:xfrm>
-            <a:off x="457200" y="204840"/>
-            <a:ext cx="3007800" cy="871200"/>
+            <a:off x="457200" y="205920"/>
+            <a:ext cx="8228880" cy="856440"/>
           </a:xfrm>
           <a:prstGeom prst="rect">
             <a:avLst/>
@@ -369,18 +337,21 @@
           </a:ln>
         </p:spPr>
         <p:txBody>
-          <a:bodyPr lIns="91440" rIns="91440" tIns="45720" bIns="45720" anchor="b">
+          <a:bodyPr lIns="91440" rIns="91440" tIns="45720" bIns="45720" anchor="ctr">
             <a:noAutofit/>
           </a:bodyPr>
           <a:p>
-            <a:pPr indent="0" defTabSz="343080">
+            <a:pPr indent="0" algn="ctr" defTabSz="343080">
               <a:lnSpc>
                 <a:spcPct val="100000"/>
               </a:lnSpc>
               <a:buNone/>
-            </a:pPr>
-            <a:r>
-              <a:rPr b="1" lang="en-US" sz="1500" strike="noStrike" u="none">
+              <a:tabLst>
+                <a:tab algn="l" pos="0"/>
+              </a:tabLst>
+            </a:pPr>
+            <a:r>
+              <a:rPr b="0" lang="en-US" sz="3300" strike="noStrike" u="none">
                 <a:solidFill>
                   <a:schemeClr val="dk1"/>
                 </a:solidFill>
@@ -390,13 +361,13 @@
               </a:rPr>
               <a:t>Click to edit Master title style</a:t>
             </a:r>
-            <a:endParaRPr b="0" lang="en-US" sz="1500" strike="noStrike" u="none">
-              <a:solidFill>
-                <a:schemeClr val="dk1"/>
-              </a:solidFill>
-              <a:effectLst/>
-              <a:uFillTx/>
-              <a:latin typeface="Calibri"/>
+            <a:endParaRPr b="0" lang="en-US" sz="3300" strike="noStrike" u="none">
+              <a:solidFill>
+                <a:srgbClr val="000000"/>
+              </a:solidFill>
+              <a:effectLst/>
+              <a:uFillTx/>
+              <a:latin typeface="Arial"/>
             </a:endParaRPr>
           </a:p>
         </p:txBody>
@@ -413,8 +384,8 @@
         </p:nvSpPr>
         <p:spPr>
           <a:xfrm>
-            <a:off x="3575160" y="204840"/>
-            <a:ext cx="5111280" cy="4389480"/>
+            <a:off x="457200" y="1151280"/>
+            <a:ext cx="4039560" cy="479160"/>
           </a:xfrm>
           <a:prstGeom prst="rect">
             <a:avLst/>
@@ -425,25 +396,24 @@
           </a:ln>
         </p:spPr>
         <p:txBody>
-          <a:bodyPr lIns="91440" rIns="91440" tIns="45720" bIns="45720" anchor="t">
+          <a:bodyPr lIns="91440" rIns="91440" tIns="45720" bIns="45720" anchor="b">
             <a:noAutofit/>
           </a:bodyPr>
           <a:p>
-            <a:pPr marL="343080" indent="-343080" defTabSz="343080">
-              <a:lnSpc>
-                <a:spcPct val="100000"/>
-              </a:lnSpc>
-              <a:spcBef>
-                <a:spcPts val="479"/>
-              </a:spcBef>
-              <a:buClr>
-                <a:srgbClr val="000000"/>
-              </a:buClr>
-              <a:buFont typeface="Arial"/>
-              <a:buChar char="•"/>
-            </a:pPr>
-            <a:r>
-              <a:rPr b="0" lang="en-US" sz="2400" strike="noStrike" u="none">
+            <a:pPr indent="0" defTabSz="343080">
+              <a:lnSpc>
+                <a:spcPct val="100000"/>
+              </a:lnSpc>
+              <a:spcBef>
+                <a:spcPts val="360"/>
+              </a:spcBef>
+              <a:buNone/>
+              <a:tabLst>
+                <a:tab algn="l" pos="0"/>
+              </a:tabLst>
+            </a:pPr>
+            <a:r>
+              <a:rPr b="1" lang="en-US" sz="1800" strike="noStrike" u="none">
                 <a:solidFill>
                   <a:schemeClr val="dk1"/>
                 </a:solidFill>
@@ -453,149 +423,13 @@
               </a:rPr>
               <a:t>Click to edit Master text styles</a:t>
             </a:r>
-            <a:endParaRPr b="0" lang="en-US" sz="2400" strike="noStrike" u="none">
-              <a:solidFill>
-                <a:schemeClr val="dk1"/>
-              </a:solidFill>
-              <a:effectLst/>
-              <a:uFillTx/>
-              <a:latin typeface="Calibri"/>
-            </a:endParaRPr>
-          </a:p>
-          <a:p>
-            <a:pPr lvl="1" marL="685800" indent="-343080" defTabSz="343080">
-              <a:lnSpc>
-                <a:spcPct val="100000"/>
-              </a:lnSpc>
-              <a:spcBef>
-                <a:spcPts val="420"/>
-              </a:spcBef>
-              <a:buClr>
-                <a:srgbClr val="000000"/>
-              </a:buClr>
-              <a:buFont typeface="Arial"/>
-              <a:buChar char="–"/>
-            </a:pPr>
-            <a:r>
-              <a:rPr b="0" lang="en-US" sz="2100" strike="noStrike" u="none">
-                <a:solidFill>
-                  <a:schemeClr val="dk1"/>
-                </a:solidFill>
-                <a:effectLst/>
-                <a:uFillTx/>
-                <a:latin typeface="Calibri"/>
-              </a:rPr>
-              <a:t>Second level</a:t>
-            </a:r>
-            <a:endParaRPr b="0" lang="en-US" sz="2100" strike="noStrike" u="none">
-              <a:solidFill>
-                <a:schemeClr val="dk1"/>
-              </a:solidFill>
-              <a:effectLst/>
-              <a:uFillTx/>
-              <a:latin typeface="Calibri"/>
-            </a:endParaRPr>
-          </a:p>
-          <a:p>
-            <a:pPr lvl="2" marL="1028880" indent="-343080" defTabSz="343080">
-              <a:lnSpc>
-                <a:spcPct val="100000"/>
-              </a:lnSpc>
-              <a:spcBef>
-                <a:spcPts val="360"/>
-              </a:spcBef>
-              <a:buClr>
-                <a:srgbClr val="000000"/>
-              </a:buClr>
-              <a:buFont typeface="Arial"/>
-              <a:buChar char="•"/>
-            </a:pPr>
-            <a:r>
-              <a:rPr b="0" lang="en-US" sz="1800" strike="noStrike" u="none">
-                <a:solidFill>
-                  <a:schemeClr val="dk1"/>
-                </a:solidFill>
-                <a:effectLst/>
-                <a:uFillTx/>
-                <a:latin typeface="Calibri"/>
-              </a:rPr>
-              <a:t>Third level</a:t>
-            </a:r>
             <a:endParaRPr b="0" lang="en-US" sz="1800" strike="noStrike" u="none">
               <a:solidFill>
-                <a:schemeClr val="dk1"/>
-              </a:solidFill>
-              <a:effectLst/>
-              <a:uFillTx/>
-              <a:latin typeface="Calibri"/>
-            </a:endParaRPr>
-          </a:p>
-          <a:p>
-            <a:pPr lvl="3" marL="1371600" indent="-343080" defTabSz="343080">
-              <a:lnSpc>
-                <a:spcPct val="100000"/>
-              </a:lnSpc>
-              <a:spcBef>
-                <a:spcPts val="300"/>
-              </a:spcBef>
-              <a:buClr>
-                <a:srgbClr val="000000"/>
-              </a:buClr>
-              <a:buFont typeface="Arial"/>
-              <a:buChar char="–"/>
-            </a:pPr>
-            <a:r>
-              <a:rPr b="0" lang="en-US" sz="1500" strike="noStrike" u="none">
-                <a:solidFill>
-                  <a:schemeClr val="dk1"/>
-                </a:solidFill>
-                <a:effectLst/>
-                <a:uFillTx/>
-                <a:latin typeface="Calibri"/>
-              </a:rPr>
-              <a:t>Fourth level</a:t>
-            </a:r>
-            <a:endParaRPr b="0" lang="en-US" sz="1500" strike="noStrike" u="none">
-              <a:solidFill>
-                <a:schemeClr val="dk1"/>
-              </a:solidFill>
-              <a:effectLst/>
-              <a:uFillTx/>
-              <a:latin typeface="Calibri"/>
-            </a:endParaRPr>
-          </a:p>
-          <a:p>
-            <a:pPr lvl="4" marL="1714680" indent="-343080" defTabSz="343080">
-              <a:lnSpc>
-                <a:spcPct val="100000"/>
-              </a:lnSpc>
-              <a:spcBef>
-                <a:spcPts val="300"/>
-              </a:spcBef>
-              <a:buClr>
-                <a:srgbClr val="000000"/>
-              </a:buClr>
-              <a:buFont typeface="Arial"/>
-              <a:buChar char="»"/>
-            </a:pPr>
-            <a:r>
-              <a:rPr b="0" lang="en-US" sz="1500" strike="noStrike" u="none">
-                <a:solidFill>
-                  <a:schemeClr val="dk1"/>
-                </a:solidFill>
-                <a:effectLst/>
-                <a:uFillTx/>
-                <a:latin typeface="Calibri"/>
-              </a:rPr>
-              <a:t>Fifth level</a:t>
-            </a:r>
-            <a:endParaRPr b="0" lang="en-US" sz="1500" strike="noStrike" u="none">
-              <a:solidFill>
-                <a:schemeClr val="dk1"/>
-              </a:solidFill>
-              <a:effectLst/>
-              <a:uFillTx/>
-              <a:latin typeface="Calibri"/>
+                <a:srgbClr val="000000"/>
+              </a:solidFill>
+              <a:effectLst/>
+              <a:uFillTx/>
+              <a:latin typeface="Arial"/>
             </a:endParaRPr>
           </a:p>
         </p:txBody>
@@ -612,8 +446,8 @@
         </p:nvSpPr>
         <p:spPr>
           <a:xfrm>
-            <a:off x="457200" y="1076400"/>
-            <a:ext cx="3007800" cy="3517920"/>
+            <a:off x="457200" y="1631160"/>
+            <a:ext cx="4039560" cy="2962800"/>
           </a:xfrm>
           <a:prstGeom prst="rect">
             <a:avLst/>
@@ -628,20 +462,21 @@
             <a:noAutofit/>
           </a:bodyPr>
           <a:p>
-            <a:pPr indent="0" defTabSz="343080">
-              <a:lnSpc>
-                <a:spcPct val="100000"/>
-              </a:lnSpc>
-              <a:spcBef>
-                <a:spcPts val="210"/>
-              </a:spcBef>
-              <a:buNone/>
-              <a:tabLst>
-                <a:tab algn="l" pos="0"/>
-              </a:tabLst>
-            </a:pPr>
-            <a:r>
-              <a:rPr b="0" lang="en-US" sz="1050" strike="noStrike" u="none">
+            <a:pPr marL="343080" indent="-343080" defTabSz="343080">
+              <a:lnSpc>
+                <a:spcPct val="100000"/>
+              </a:lnSpc>
+              <a:spcBef>
+                <a:spcPts val="360"/>
+              </a:spcBef>
+              <a:buClr>
+                <a:srgbClr val="000000"/>
+              </a:buClr>
+              <a:buFont typeface="Arial"/>
+              <a:buChar char="•"/>
+            </a:pPr>
+            <a:r>
+              <a:rPr b="0" lang="en-US" sz="1800" strike="noStrike" u="none">
                 <a:solidFill>
                   <a:schemeClr val="dk1"/>
                 </a:solidFill>
@@ -651,13 +486,149 @@
               </a:rPr>
               <a:t>Click to edit Master text styles</a:t>
             </a:r>
-            <a:endParaRPr b="0" lang="en-US" sz="1050" strike="noStrike" u="none">
-              <a:solidFill>
-                <a:schemeClr val="dk1"/>
-              </a:solidFill>
-              <a:effectLst/>
-              <a:uFillTx/>
-              <a:latin typeface="Calibri"/>
+            <a:endParaRPr b="0" lang="en-US" sz="1800" strike="noStrike" u="none">
+              <a:solidFill>
+                <a:srgbClr val="000000"/>
+              </a:solidFill>
+              <a:effectLst/>
+              <a:uFillTx/>
+              <a:latin typeface="Arial"/>
+            </a:endParaRPr>
+          </a:p>
+          <a:p>
+            <a:pPr lvl="1" marL="685800" indent="-343080" defTabSz="343080">
+              <a:lnSpc>
+                <a:spcPct val="100000"/>
+              </a:lnSpc>
+              <a:spcBef>
+                <a:spcPts val="300"/>
+              </a:spcBef>
+              <a:buClr>
+                <a:srgbClr val="000000"/>
+              </a:buClr>
+              <a:buFont typeface="Arial"/>
+              <a:buChar char="–"/>
+            </a:pPr>
+            <a:r>
+              <a:rPr b="0" lang="en-US" sz="1500" strike="noStrike" u="none">
+                <a:solidFill>
+                  <a:schemeClr val="dk1"/>
+                </a:solidFill>
+                <a:effectLst/>
+                <a:uFillTx/>
+                <a:latin typeface="Calibri"/>
+              </a:rPr>
+              <a:t>Second level</a:t>
+            </a:r>
+            <a:endParaRPr b="0" lang="en-US" sz="1500" strike="noStrike" u="none">
+              <a:solidFill>
+                <a:srgbClr val="000000"/>
+              </a:solidFill>
+              <a:effectLst/>
+              <a:uFillTx/>
+              <a:latin typeface="Arial"/>
+            </a:endParaRPr>
+          </a:p>
+          <a:p>
+            <a:pPr lvl="2" marL="1028880" indent="-343080" defTabSz="343080">
+              <a:lnSpc>
+                <a:spcPct val="100000"/>
+              </a:lnSpc>
+              <a:spcBef>
+                <a:spcPts val="269"/>
+              </a:spcBef>
+              <a:buClr>
+                <a:srgbClr val="000000"/>
+              </a:buClr>
+              <a:buFont typeface="Arial"/>
+              <a:buChar char="•"/>
+            </a:pPr>
+            <a:r>
+              <a:rPr b="0" lang="en-US" sz="1350" strike="noStrike" u="none">
+                <a:solidFill>
+                  <a:schemeClr val="dk1"/>
+                </a:solidFill>
+                <a:effectLst/>
+                <a:uFillTx/>
+                <a:latin typeface="Calibri"/>
+              </a:rPr>
+              <a:t>Third level</a:t>
+            </a:r>
+            <a:endParaRPr b="0" lang="en-US" sz="1350" strike="noStrike" u="none">
+              <a:solidFill>
+                <a:srgbClr val="000000"/>
+              </a:solidFill>
+              <a:effectLst/>
+              <a:uFillTx/>
+              <a:latin typeface="Arial"/>
+            </a:endParaRPr>
+          </a:p>
+          <a:p>
+            <a:pPr lvl="3" marL="1371600" indent="-343080" defTabSz="343080">
+              <a:lnSpc>
+                <a:spcPct val="100000"/>
+              </a:lnSpc>
+              <a:spcBef>
+                <a:spcPts val="241"/>
+              </a:spcBef>
+              <a:buClr>
+                <a:srgbClr val="000000"/>
+              </a:buClr>
+              <a:buFont typeface="Arial"/>
+              <a:buChar char="–"/>
+            </a:pPr>
+            <a:r>
+              <a:rPr b="0" lang="en-US" sz="1200" strike="noStrike" u="none">
+                <a:solidFill>
+                  <a:schemeClr val="dk1"/>
+                </a:solidFill>
+                <a:effectLst/>
+                <a:uFillTx/>
+                <a:latin typeface="Calibri"/>
+              </a:rPr>
+              <a:t>Fourth level</a:t>
+            </a:r>
+            <a:endParaRPr b="0" lang="en-US" sz="1200" strike="noStrike" u="none">
+              <a:solidFill>
+                <a:srgbClr val="000000"/>
+              </a:solidFill>
+              <a:effectLst/>
+              <a:uFillTx/>
+              <a:latin typeface="Arial"/>
+            </a:endParaRPr>
+          </a:p>
+          <a:p>
+            <a:pPr lvl="4" marL="1714680" indent="-343080" defTabSz="343080">
+              <a:lnSpc>
+                <a:spcPct val="100000"/>
+              </a:lnSpc>
+              <a:spcBef>
+                <a:spcPts val="241"/>
+              </a:spcBef>
+              <a:buClr>
+                <a:srgbClr val="000000"/>
+              </a:buClr>
+              <a:buFont typeface="Arial"/>
+              <a:buChar char="»"/>
+            </a:pPr>
+            <a:r>
+              <a:rPr b="0" lang="en-US" sz="1200" strike="noStrike" u="none">
+                <a:solidFill>
+                  <a:schemeClr val="dk1"/>
+                </a:solidFill>
+                <a:effectLst/>
+                <a:uFillTx/>
+                <a:latin typeface="Calibri"/>
+              </a:rPr>
+              <a:t>Fifth level</a:t>
+            </a:r>
+            <a:endParaRPr b="0" lang="en-US" sz="1200" strike="noStrike" u="none">
+              <a:solidFill>
+                <a:srgbClr val="000000"/>
+              </a:solidFill>
+              <a:effectLst/>
+              <a:uFillTx/>
+              <a:latin typeface="Arial"/>
             </a:endParaRPr>
           </a:p>
         </p:txBody>
@@ -665,6 +636,267 @@
       <p:sp>
         <p:nvSpPr>
           <p:cNvPr id="48" name="PlaceHolder 4"/>
+          <p:cNvSpPr>
+            <a:spLocks noGrp="1"/>
+          </p:cNvSpPr>
+          <p:nvPr>
+            <p:ph type="body"/>
+          </p:nvPr>
+        </p:nvSpPr>
+        <p:spPr>
+          <a:xfrm>
+            <a:off x="4645080" y="1151280"/>
+            <a:ext cx="4041000" cy="479160"/>
+          </a:xfrm>
+          <a:prstGeom prst="rect">
+            <a:avLst/>
+          </a:prstGeom>
+          <a:noFill/>
+          <a:ln w="0">
+            <a:noFill/>
+          </a:ln>
+        </p:spPr>
+        <p:txBody>
+          <a:bodyPr lIns="91440" rIns="91440" tIns="45720" bIns="45720" anchor="b">
+            <a:noAutofit/>
+          </a:bodyPr>
+          <a:p>
+            <a:pPr indent="0" defTabSz="343080">
+              <a:lnSpc>
+                <a:spcPct val="100000"/>
+              </a:lnSpc>
+              <a:spcBef>
+                <a:spcPts val="360"/>
+              </a:spcBef>
+              <a:buNone/>
+              <a:tabLst>
+                <a:tab algn="l" pos="0"/>
+              </a:tabLst>
+            </a:pPr>
+            <a:r>
+              <a:rPr b="1" lang="en-US" sz="1800" strike="noStrike" u="none">
+                <a:solidFill>
+                  <a:schemeClr val="dk1"/>
+                </a:solidFill>
+                <a:effectLst/>
+                <a:uFillTx/>
+                <a:latin typeface="Calibri"/>
+              </a:rPr>
+              <a:t>Click to edit Master text styles</a:t>
+            </a:r>
+            <a:endParaRPr b="0" lang="en-US" sz="1800" strike="noStrike" u="none">
+              <a:solidFill>
+                <a:srgbClr val="000000"/>
+              </a:solidFill>
+              <a:effectLst/>
+              <a:uFillTx/>
+              <a:latin typeface="Arial"/>
+            </a:endParaRPr>
+          </a:p>
+        </p:txBody>
+      </p:sp>
+      <p:sp>
+        <p:nvSpPr>
+          <p:cNvPr id="49" name="PlaceHolder 5"/>
+          <p:cNvSpPr>
+            <a:spLocks noGrp="1"/>
+          </p:cNvSpPr>
+          <p:nvPr>
+            <p:ph type="body"/>
+          </p:nvPr>
+        </p:nvSpPr>
+        <p:spPr>
+          <a:xfrm>
+            <a:off x="4645080" y="1631160"/>
+            <a:ext cx="4041000" cy="2962800"/>
+          </a:xfrm>
+          <a:prstGeom prst="rect">
+            <a:avLst/>
+          </a:prstGeom>
+          <a:noFill/>
+          <a:ln w="0">
+            <a:noFill/>
+          </a:ln>
+        </p:spPr>
+        <p:txBody>
+          <a:bodyPr lIns="91440" rIns="91440" tIns="45720" bIns="45720" anchor="t">
+            <a:noAutofit/>
+          </a:bodyPr>
+          <a:p>
+            <a:pPr marL="343080" indent="-343080" defTabSz="343080">
+              <a:lnSpc>
+                <a:spcPct val="100000"/>
+              </a:lnSpc>
+              <a:spcBef>
+                <a:spcPts val="360"/>
+              </a:spcBef>
+              <a:buClr>
+                <a:srgbClr val="000000"/>
+              </a:buClr>
+              <a:buFont typeface="Arial"/>
+              <a:buChar char="•"/>
+            </a:pPr>
+            <a:r>
+              <a:rPr b="0" lang="en-US" sz="1800" strike="noStrike" u="none">
+                <a:solidFill>
+                  <a:schemeClr val="dk1"/>
+                </a:solidFill>
+                <a:effectLst/>
+                <a:uFillTx/>
+                <a:latin typeface="Calibri"/>
+              </a:rPr>
+              <a:t>Click to edit Master text styles</a:t>
+            </a:r>
+            <a:endParaRPr b="0" lang="en-US" sz="1800" strike="noStrike" u="none">
+              <a:solidFill>
+                <a:srgbClr val="000000"/>
+              </a:solidFill>
+              <a:effectLst/>
+              <a:uFillTx/>
+              <a:latin typeface="Arial"/>
+            </a:endParaRPr>
+          </a:p>
+          <a:p>
+            <a:pPr lvl="1" marL="685800" indent="-343080" defTabSz="343080">
+              <a:lnSpc>
+                <a:spcPct val="100000"/>
+              </a:lnSpc>
+              <a:spcBef>
+                <a:spcPts val="300"/>
+              </a:spcBef>
+              <a:buClr>
+                <a:srgbClr val="000000"/>
+              </a:buClr>
+              <a:buFont typeface="Arial"/>
+              <a:buChar char="–"/>
+            </a:pPr>
+            <a:r>
+              <a:rPr b="0" lang="en-US" sz="1500" strike="noStrike" u="none">
+                <a:solidFill>
+                  <a:schemeClr val="dk1"/>
+                </a:solidFill>
+                <a:effectLst/>
+                <a:uFillTx/>
+                <a:latin typeface="Calibri"/>
+              </a:rPr>
+              <a:t>Second level</a:t>
+            </a:r>
+            <a:endParaRPr b="0" lang="en-US" sz="1500" strike="noStrike" u="none">
+              <a:solidFill>
+                <a:srgbClr val="000000"/>
+              </a:solidFill>
+              <a:effectLst/>
+              <a:uFillTx/>
+              <a:latin typeface="Arial"/>
+            </a:endParaRPr>
+          </a:p>
+          <a:p>
+            <a:pPr lvl="2" marL="1028880" indent="-343080" defTabSz="343080">
+              <a:lnSpc>
+                <a:spcPct val="100000"/>
+              </a:lnSpc>
+              <a:spcBef>
+                <a:spcPts val="269"/>
+              </a:spcBef>
+              <a:buClr>
+                <a:srgbClr val="000000"/>
+              </a:buClr>
+              <a:buFont typeface="Arial"/>
+              <a:buChar char="•"/>
+            </a:pPr>
+            <a:r>
+              <a:rPr b="0" lang="en-US" sz="1350" strike="noStrike" u="none">
+                <a:solidFill>
+                  <a:schemeClr val="dk1"/>
+                </a:solidFill>
+                <a:effectLst/>
+                <a:uFillTx/>
+                <a:latin typeface="Calibri"/>
+              </a:rPr>
+              <a:t>Third level</a:t>
+            </a:r>
+            <a:endParaRPr b="0" lang="en-US" sz="1350" strike="noStrike" u="none">
+              <a:solidFill>
+                <a:srgbClr val="000000"/>
+              </a:solidFill>
+              <a:effectLst/>
+              <a:uFillTx/>
+              <a:latin typeface="Arial"/>
+            </a:endParaRPr>
+          </a:p>
+          <a:p>
+            <a:pPr lvl="3" marL="1371600" indent="-343080" defTabSz="343080">
+              <a:lnSpc>
+                <a:spcPct val="100000"/>
+              </a:lnSpc>
+              <a:spcBef>
+                <a:spcPts val="241"/>
+              </a:spcBef>
+              <a:buClr>
+                <a:srgbClr val="000000"/>
+              </a:buClr>
+              <a:buFont typeface="Arial"/>
+              <a:buChar char="–"/>
+            </a:pPr>
+            <a:r>
+              <a:rPr b="0" lang="en-US" sz="1200" strike="noStrike" u="none">
+                <a:solidFill>
+                  <a:schemeClr val="dk1"/>
+                </a:solidFill>
+                <a:effectLst/>
+                <a:uFillTx/>
+                <a:latin typeface="Calibri"/>
+              </a:rPr>
+              <a:t>Fourth level</a:t>
+            </a:r>
+            <a:endParaRPr b="0" lang="en-US" sz="1200" strike="noStrike" u="none">
+              <a:solidFill>
+                <a:srgbClr val="000000"/>
+              </a:solidFill>
+              <a:effectLst/>
+              <a:uFillTx/>
+              <a:latin typeface="Arial"/>
+            </a:endParaRPr>
+          </a:p>
+          <a:p>
+            <a:pPr lvl="4" marL="1714680" indent="-343080" defTabSz="343080">
+              <a:lnSpc>
+                <a:spcPct val="100000"/>
+              </a:lnSpc>
+              <a:spcBef>
+                <a:spcPts val="241"/>
+              </a:spcBef>
+              <a:buClr>
+                <a:srgbClr val="000000"/>
+              </a:buClr>
+              <a:buFont typeface="Arial"/>
+              <a:buChar char="»"/>
+            </a:pPr>
+            <a:r>
+              <a:rPr b="0" lang="en-US" sz="1200" strike="noStrike" u="none">
+                <a:solidFill>
+                  <a:schemeClr val="dk1"/>
+                </a:solidFill>
+                <a:effectLst/>
+                <a:uFillTx/>
+                <a:latin typeface="Calibri"/>
+              </a:rPr>
+              <a:t>Fifth level</a:t>
+            </a:r>
+            <a:endParaRPr b="0" lang="en-US" sz="1200" strike="noStrike" u="none">
+              <a:solidFill>
+                <a:srgbClr val="000000"/>
+              </a:solidFill>
+              <a:effectLst/>
+              <a:uFillTx/>
+              <a:latin typeface="Arial"/>
+            </a:endParaRPr>
+          </a:p>
+        </p:txBody>
+      </p:sp>
+      <p:sp>
+        <p:nvSpPr>
+          <p:cNvPr id="50" name="PlaceHolder 6"/>
           <p:cNvSpPr>
             <a:spLocks noGrp="1"/>
           </p:cNvSpPr>
@@ -675,7 +907,7 @@
         <p:spPr>
           <a:xfrm>
             <a:off x="457200" y="4767120"/>
-            <a:ext cx="2133360" cy="273600"/>
+            <a:ext cx="2133000" cy="273240"/>
           </a:xfrm>
           <a:prstGeom prst="rect">
             <a:avLst/>
@@ -695,6 +927,9 @@
                 <a:spcPct val="100000"/>
               </a:lnSpc>
               <a:buNone/>
+              <a:tabLst>
+                <a:tab algn="l" pos="0"/>
+              </a:tabLst>
               <a:defRPr b="0" lang="en-US" sz="900" strike="noStrike" u="none">
                 <a:solidFill>
                   <a:schemeClr val="dk1">
@@ -713,6 +948,9 @@
                 <a:spcPct val="100000"/>
               </a:lnSpc>
               <a:buNone/>
+              <a:tabLst>
+                <a:tab algn="l" pos="0"/>
+              </a:tabLst>
             </a:pPr>
             <a:r>
               <a:rPr b="0" lang="en-US" sz="900" strike="noStrike" u="none">
@@ -740,7 +978,7 @@
       </p:sp>
       <p:sp>
         <p:nvSpPr>
-          <p:cNvPr id="49" name="PlaceHolder 5"/>
+          <p:cNvPr id="51" name="PlaceHolder 7"/>
           <p:cNvSpPr>
             <a:spLocks noGrp="1"/>
           </p:cNvSpPr>
@@ -751,7 +989,7 @@
         <p:spPr>
           <a:xfrm>
             <a:off x="3124080" y="4767120"/>
-            <a:ext cx="2895120" cy="273600"/>
+            <a:ext cx="2894760" cy="273240"/>
           </a:xfrm>
           <a:prstGeom prst="rect">
             <a:avLst/>
@@ -767,7 +1005,13 @@
           </a:bodyPr>
           <a:lstStyle>
             <a:lvl1pPr indent="0" algn="ctr">
+              <a:lnSpc>
+                <a:spcPct val="100000"/>
+              </a:lnSpc>
               <a:buNone/>
+              <a:tabLst>
+                <a:tab algn="l" pos="0"/>
+              </a:tabLst>
               <a:defRPr b="0" lang="en-US" sz="1400" strike="noStrike" u="none">
                 <a:solidFill>
                   <a:srgbClr val="000000"/>
@@ -780,7 +1024,13 @@
           </a:lstStyle>
           <a:p>
             <a:pPr indent="0" algn="ctr">
+              <a:lnSpc>
+                <a:spcPct val="100000"/>
+              </a:lnSpc>
               <a:buNone/>
+              <a:tabLst>
+                <a:tab algn="l" pos="0"/>
+              </a:tabLst>
             </a:pPr>
             <a:r>
               <a:rPr b="0" lang="en-US" sz="1400" strike="noStrike" u="none">
@@ -806,7 +1056,7 @@
       </p:sp>
       <p:sp>
         <p:nvSpPr>
-          <p:cNvPr id="50" name="PlaceHolder 6"/>
+          <p:cNvPr id="52" name="PlaceHolder 8"/>
           <p:cNvSpPr>
             <a:spLocks noGrp="1"/>
           </p:cNvSpPr>
@@ -817,7 +1067,7 @@
         <p:spPr>
           <a:xfrm>
             <a:off x="6553080" y="4767120"/>
-            <a:ext cx="2133360" cy="273600"/>
+            <a:ext cx="2133000" cy="273240"/>
           </a:xfrm>
           <a:prstGeom prst="rect">
             <a:avLst/>
@@ -837,6 +1087,9 @@
                 <a:spcPct val="100000"/>
               </a:lnSpc>
               <a:buNone/>
+              <a:tabLst>
+                <a:tab algn="l" pos="0"/>
+              </a:tabLst>
               <a:defRPr b="0" lang="en-US" sz="900" strike="noStrike" u="none">
                 <a:solidFill>
                   <a:schemeClr val="dk1">
@@ -855,8 +1108,11 @@
                 <a:spcPct val="100000"/>
               </a:lnSpc>
               <a:buNone/>
-            </a:pPr>
-            <a:fld id="{71D6007F-D67A-4533-A261-A0A6734EB39E}" type="slidenum">
+              <a:tabLst>
+                <a:tab algn="l" pos="0"/>
+              </a:tabLst>
+            </a:pPr>
+            <a:fld id="{543ED65D-5CCC-4AEF-85F0-C23AB97F6668}" type="slidenum">
               <a:rPr b="0" lang="en-US" sz="900" strike="noStrike" u="none">
                 <a:solidFill>
                   <a:schemeClr val="dk1">
@@ -886,8 +1142,8 @@
 </file>
 
 <file path=ppt/slideLayouts/slideLayout11.xml><?xml version="1.0" encoding="utf-8"?>
-<p:sldLayout xmlns:a="http://schemas.openxmlformats.org/drawingml/2006/main" xmlns:p="http://schemas.openxmlformats.org/presentationml/2006/main" xmlns:r="http://schemas.openxmlformats.org/officeDocument/2006/relationships" xmlns:p14="http://schemas.microsoft.com/office/powerpoint/2010/main" xmlns:p15="http://schemas.microsoft.com/office/powerpoint/2012/main" xmlns:mc="http://schemas.openxmlformats.org/markup-compatibility/2006" type="blank" preserve="1">
-  <p:cSld name="Picture with Caption">
+<p:sldLayout xmlns:a="http://schemas.openxmlformats.org/drawingml/2006/main" xmlns:p="http://schemas.openxmlformats.org/presentationml/2006/main" xmlns:r="http://schemas.openxmlformats.org/officeDocument/2006/relationships" xmlns:p14="http://schemas.microsoft.com/office/powerpoint/2010/main" xmlns:p15="http://schemas.microsoft.com/office/powerpoint/2012/main" xmlns:mc="http://schemas.openxmlformats.org/markup-compatibility/2006" type="titleOnly" preserve="1">
+  <p:cSld name="Title Only">
     <p:bg>
       <p:bgPr>
         <a:solidFill>
@@ -911,7 +1167,7 @@
       </p:grpSpPr>
       <p:sp>
         <p:nvSpPr>
-          <p:cNvPr id="51" name="PlaceHolder 1"/>
+          <p:cNvPr id="53" name="PlaceHolder 1"/>
           <p:cNvSpPr>
             <a:spLocks noGrp="1"/>
           </p:cNvSpPr>
@@ -921,8 +1177,8 @@
         </p:nvSpPr>
         <p:spPr>
           <a:xfrm>
-            <a:off x="1792440" y="3600360"/>
-            <a:ext cx="5486040" cy="424800"/>
+            <a:off x="457200" y="205920"/>
+            <a:ext cx="8228880" cy="856440"/>
           </a:xfrm>
           <a:prstGeom prst="rect">
             <a:avLst/>
@@ -933,18 +1189,21 @@
           </a:ln>
         </p:spPr>
         <p:txBody>
-          <a:bodyPr lIns="91440" rIns="91440" tIns="45720" bIns="45720" anchor="b">
+          <a:bodyPr lIns="91440" rIns="91440" tIns="45720" bIns="45720" anchor="ctr">
             <a:noAutofit/>
           </a:bodyPr>
           <a:p>
-            <a:pPr indent="0" defTabSz="343080">
+            <a:pPr indent="0" algn="ctr" defTabSz="343080">
               <a:lnSpc>
                 <a:spcPct val="100000"/>
               </a:lnSpc>
               <a:buNone/>
-            </a:pPr>
-            <a:r>
-              <a:rPr b="1" lang="en-US" sz="1500" strike="noStrike" u="none">
+              <a:tabLst>
+                <a:tab algn="l" pos="0"/>
+              </a:tabLst>
+            </a:pPr>
+            <a:r>
+              <a:rPr b="0" lang="en-US" sz="3300" strike="noStrike" u="none">
                 <a:solidFill>
                   <a:schemeClr val="dk1"/>
                 </a:solidFill>
@@ -954,335 +1213,20 @@
               </a:rPr>
               <a:t>Click to edit Master title style</a:t>
             </a:r>
-            <a:endParaRPr b="0" lang="en-US" sz="1500" strike="noStrike" u="none">
-              <a:solidFill>
-                <a:schemeClr val="dk1"/>
-              </a:solidFill>
-              <a:effectLst/>
-              <a:uFillTx/>
-              <a:latin typeface="Calibri"/>
+            <a:endParaRPr b="0" lang="en-US" sz="3300" strike="noStrike" u="none">
+              <a:solidFill>
+                <a:srgbClr val="000000"/>
+              </a:solidFill>
+              <a:effectLst/>
+              <a:uFillTx/>
+              <a:latin typeface="Arial"/>
             </a:endParaRPr>
           </a:p>
         </p:txBody>
       </p:sp>
       <p:sp>
         <p:nvSpPr>
-          <p:cNvPr id="52" name="PlaceHolder 2"/>
-          <p:cNvSpPr>
-            <a:spLocks noGrp="1"/>
-          </p:cNvSpPr>
-          <p:nvPr>
-            <p:ph type="body"/>
-          </p:nvPr>
-        </p:nvSpPr>
-        <p:spPr>
-          <a:xfrm>
-            <a:off x="1792440" y="459720"/>
-            <a:ext cx="5486040" cy="3085920"/>
-          </a:xfrm>
-          <a:prstGeom prst="rect">
-            <a:avLst/>
-          </a:prstGeom>
-          <a:noFill/>
-          <a:ln w="0">
-            <a:noFill/>
-          </a:ln>
-        </p:spPr>
-        <p:txBody>
-          <a:bodyPr lIns="90000" rIns="90000" tIns="45000" bIns="45000" anchor="t">
-            <a:noAutofit/>
-          </a:bodyPr>
-          <a:p>
-            <a:pPr marL="432000" indent="-324000">
-              <a:spcBef>
-                <a:spcPts val="1417"/>
-              </a:spcBef>
-              <a:buClr>
-                <a:srgbClr val="000000"/>
-              </a:buClr>
-              <a:buSzPct val="45000"/>
-              <a:buFont typeface="Wingdings" charset="2"/>
-              <a:buChar char=""/>
-            </a:pPr>
-            <a:r>
-              <a:rPr b="0" lang="en-US" sz="2400" strike="noStrike" u="none">
-                <a:solidFill>
-                  <a:schemeClr val="dk1"/>
-                </a:solidFill>
-                <a:effectLst/>
-                <a:uFillTx/>
-                <a:latin typeface="Calibri"/>
-              </a:rPr>
-              <a:t>Click to edit the outline text format</a:t>
-            </a:r>
-            <a:endParaRPr b="0" lang="en-US" sz="2400" strike="noStrike" u="none">
-              <a:solidFill>
-                <a:schemeClr val="dk1"/>
-              </a:solidFill>
-              <a:effectLst/>
-              <a:uFillTx/>
-              <a:latin typeface="Calibri"/>
-            </a:endParaRPr>
-          </a:p>
-          <a:p>
-            <a:pPr lvl="1" marL="864000" indent="-324000">
-              <a:spcBef>
-                <a:spcPts val="1134"/>
-              </a:spcBef>
-              <a:buClr>
-                <a:srgbClr val="000000"/>
-              </a:buClr>
-              <a:buSzPct val="75000"/>
-              <a:buFont typeface="Symbol" charset="2"/>
-              <a:buChar char=""/>
-            </a:pPr>
-            <a:r>
-              <a:rPr b="0" lang="en-US" sz="2400" strike="noStrike" u="none">
-                <a:solidFill>
-                  <a:schemeClr val="dk1"/>
-                </a:solidFill>
-                <a:effectLst/>
-                <a:uFillTx/>
-                <a:latin typeface="Calibri"/>
-              </a:rPr>
-              <a:t>Second Outline Level</a:t>
-            </a:r>
-            <a:endParaRPr b="0" lang="en-US" sz="2400" strike="noStrike" u="none">
-              <a:solidFill>
-                <a:schemeClr val="dk1"/>
-              </a:solidFill>
-              <a:effectLst/>
-              <a:uFillTx/>
-              <a:latin typeface="Calibri"/>
-            </a:endParaRPr>
-          </a:p>
-          <a:p>
-            <a:pPr lvl="2" marL="1296000" indent="-288000">
-              <a:spcBef>
-                <a:spcPts val="850"/>
-              </a:spcBef>
-              <a:buClr>
-                <a:srgbClr val="000000"/>
-              </a:buClr>
-              <a:buSzPct val="45000"/>
-              <a:buFont typeface="Wingdings" charset="2"/>
-              <a:buChar char=""/>
-            </a:pPr>
-            <a:r>
-              <a:rPr b="0" lang="en-US" sz="2400" strike="noStrike" u="none">
-                <a:solidFill>
-                  <a:schemeClr val="dk1"/>
-                </a:solidFill>
-                <a:effectLst/>
-                <a:uFillTx/>
-                <a:latin typeface="Calibri"/>
-              </a:rPr>
-              <a:t>Third Outline Level</a:t>
-            </a:r>
-            <a:endParaRPr b="0" lang="en-US" sz="2400" strike="noStrike" u="none">
-              <a:solidFill>
-                <a:schemeClr val="dk1"/>
-              </a:solidFill>
-              <a:effectLst/>
-              <a:uFillTx/>
-              <a:latin typeface="Calibri"/>
-            </a:endParaRPr>
-          </a:p>
-          <a:p>
-            <a:pPr lvl="3" marL="1728000" indent="-216000">
-              <a:spcBef>
-                <a:spcPts val="567"/>
-              </a:spcBef>
-              <a:buClr>
-                <a:srgbClr val="000000"/>
-              </a:buClr>
-              <a:buSzPct val="75000"/>
-              <a:buFont typeface="Symbol" charset="2"/>
-              <a:buChar char=""/>
-            </a:pPr>
-            <a:r>
-              <a:rPr b="0" lang="en-US" sz="2400" strike="noStrike" u="none">
-                <a:solidFill>
-                  <a:schemeClr val="dk1"/>
-                </a:solidFill>
-                <a:effectLst/>
-                <a:uFillTx/>
-                <a:latin typeface="Calibri"/>
-              </a:rPr>
-              <a:t>Fourth Outline Level</a:t>
-            </a:r>
-            <a:endParaRPr b="0" lang="en-US" sz="2400" strike="noStrike" u="none">
-              <a:solidFill>
-                <a:schemeClr val="dk1"/>
-              </a:solidFill>
-              <a:effectLst/>
-              <a:uFillTx/>
-              <a:latin typeface="Calibri"/>
-            </a:endParaRPr>
-          </a:p>
-          <a:p>
-            <a:pPr lvl="4" marL="2160000" indent="-216000">
-              <a:spcBef>
-                <a:spcPts val="283"/>
-              </a:spcBef>
-              <a:buClr>
-                <a:srgbClr val="000000"/>
-              </a:buClr>
-              <a:buSzPct val="45000"/>
-              <a:buFont typeface="Wingdings" charset="2"/>
-              <a:buChar char=""/>
-            </a:pPr>
-            <a:r>
-              <a:rPr b="0" lang="en-US" sz="2400" strike="noStrike" u="none">
-                <a:solidFill>
-                  <a:schemeClr val="dk1"/>
-                </a:solidFill>
-                <a:effectLst/>
-                <a:uFillTx/>
-                <a:latin typeface="Calibri"/>
-              </a:rPr>
-              <a:t>Fifth Outline Level</a:t>
-            </a:r>
-            <a:endParaRPr b="0" lang="en-US" sz="2400" strike="noStrike" u="none">
-              <a:solidFill>
-                <a:schemeClr val="dk1"/>
-              </a:solidFill>
-              <a:effectLst/>
-              <a:uFillTx/>
-              <a:latin typeface="Calibri"/>
-            </a:endParaRPr>
-          </a:p>
-          <a:p>
-            <a:pPr lvl="5" marL="2592000" indent="-216000">
-              <a:spcBef>
-                <a:spcPts val="283"/>
-              </a:spcBef>
-              <a:buClr>
-                <a:srgbClr val="000000"/>
-              </a:buClr>
-              <a:buSzPct val="45000"/>
-              <a:buFont typeface="Wingdings" charset="2"/>
-              <a:buChar char=""/>
-            </a:pPr>
-            <a:r>
-              <a:rPr b="0" lang="en-US" sz="2400" strike="noStrike" u="none">
-                <a:solidFill>
-                  <a:schemeClr val="dk1"/>
-                </a:solidFill>
-                <a:effectLst/>
-                <a:uFillTx/>
-                <a:latin typeface="Calibri"/>
-              </a:rPr>
-              <a:t>Sixth Outline Level</a:t>
-            </a:r>
-            <a:endParaRPr b="0" lang="en-US" sz="2400" strike="noStrike" u="none">
-              <a:solidFill>
-                <a:schemeClr val="dk1"/>
-              </a:solidFill>
-              <a:effectLst/>
-              <a:uFillTx/>
-              <a:latin typeface="Calibri"/>
-            </a:endParaRPr>
-          </a:p>
-          <a:p>
-            <a:pPr lvl="6" marL="3024000" indent="-216000">
-              <a:spcBef>
-                <a:spcPts val="283"/>
-              </a:spcBef>
-              <a:buClr>
-                <a:srgbClr val="000000"/>
-              </a:buClr>
-              <a:buSzPct val="45000"/>
-              <a:buFont typeface="Wingdings" charset="2"/>
-              <a:buChar char=""/>
-            </a:pPr>
-            <a:r>
-              <a:rPr b="0" lang="en-US" sz="2400" strike="noStrike" u="none">
-                <a:solidFill>
-                  <a:schemeClr val="dk1"/>
-                </a:solidFill>
-                <a:effectLst/>
-                <a:uFillTx/>
-                <a:latin typeface="Calibri"/>
-              </a:rPr>
-              <a:t>Seventh Outline Level</a:t>
-            </a:r>
-            <a:endParaRPr b="0" lang="en-US" sz="2400" strike="noStrike" u="none">
-              <a:solidFill>
-                <a:schemeClr val="dk1"/>
-              </a:solidFill>
-              <a:effectLst/>
-              <a:uFillTx/>
-              <a:latin typeface="Calibri"/>
-            </a:endParaRPr>
-          </a:p>
-        </p:txBody>
-      </p:sp>
-      <p:sp>
-        <p:nvSpPr>
-          <p:cNvPr id="53" name="PlaceHolder 3"/>
-          <p:cNvSpPr>
-            <a:spLocks noGrp="1"/>
-          </p:cNvSpPr>
-          <p:nvPr>
-            <p:ph type="body"/>
-          </p:nvPr>
-        </p:nvSpPr>
-        <p:spPr>
-          <a:xfrm>
-            <a:off x="1792440" y="4025520"/>
-            <a:ext cx="5486040" cy="603360"/>
-          </a:xfrm>
-          <a:prstGeom prst="rect">
-            <a:avLst/>
-          </a:prstGeom>
-          <a:noFill/>
-          <a:ln w="0">
-            <a:noFill/>
-          </a:ln>
-        </p:spPr>
-        <p:txBody>
-          <a:bodyPr lIns="91440" rIns="91440" tIns="45720" bIns="45720" anchor="t">
-            <a:noAutofit/>
-          </a:bodyPr>
-          <a:p>
-            <a:pPr indent="0" defTabSz="343080">
-              <a:lnSpc>
-                <a:spcPct val="100000"/>
-              </a:lnSpc>
-              <a:spcBef>
-                <a:spcPts val="210"/>
-              </a:spcBef>
-              <a:buNone/>
-              <a:tabLst>
-                <a:tab algn="l" pos="0"/>
-              </a:tabLst>
-            </a:pPr>
-            <a:r>
-              <a:rPr b="0" lang="en-US" sz="1050" strike="noStrike" u="none">
-                <a:solidFill>
-                  <a:schemeClr val="dk1"/>
-                </a:solidFill>
-                <a:effectLst/>
-                <a:uFillTx/>
-                <a:latin typeface="Calibri"/>
-              </a:rPr>
-              <a:t>Click to edit Master text styles</a:t>
-            </a:r>
-            <a:endParaRPr b="0" lang="en-US" sz="1050" strike="noStrike" u="none">
-              <a:solidFill>
-                <a:schemeClr val="dk1"/>
-              </a:solidFill>
-              <a:effectLst/>
-              <a:uFillTx/>
-              <a:latin typeface="Calibri"/>
-            </a:endParaRPr>
-          </a:p>
-        </p:txBody>
-      </p:sp>
-      <p:sp>
-        <p:nvSpPr>
-          <p:cNvPr id="54" name="PlaceHolder 4"/>
+          <p:cNvPr id="54" name="PlaceHolder 2"/>
           <p:cNvSpPr>
             <a:spLocks noGrp="1"/>
           </p:cNvSpPr>
@@ -1293,7 +1237,7 @@
         <p:spPr>
           <a:xfrm>
             <a:off x="457200" y="4767120"/>
-            <a:ext cx="2133360" cy="273600"/>
+            <a:ext cx="2133000" cy="273240"/>
           </a:xfrm>
           <a:prstGeom prst="rect">
             <a:avLst/>
@@ -1313,6 +1257,9 @@
                 <a:spcPct val="100000"/>
               </a:lnSpc>
               <a:buNone/>
+              <a:tabLst>
+                <a:tab algn="l" pos="0"/>
+              </a:tabLst>
               <a:defRPr b="0" lang="en-US" sz="900" strike="noStrike" u="none">
                 <a:solidFill>
                   <a:schemeClr val="dk1">
@@ -1331,6 +1278,9 @@
                 <a:spcPct val="100000"/>
               </a:lnSpc>
               <a:buNone/>
+              <a:tabLst>
+                <a:tab algn="l" pos="0"/>
+              </a:tabLst>
             </a:pPr>
             <a:r>
               <a:rPr b="0" lang="en-US" sz="900" strike="noStrike" u="none">
@@ -1358,7 +1308,7 @@
       </p:sp>
       <p:sp>
         <p:nvSpPr>
-          <p:cNvPr id="55" name="PlaceHolder 5"/>
+          <p:cNvPr id="55" name="PlaceHolder 3"/>
           <p:cNvSpPr>
             <a:spLocks noGrp="1"/>
           </p:cNvSpPr>
@@ -1369,7 +1319,7 @@
         <p:spPr>
           <a:xfrm>
             <a:off x="3124080" y="4767120"/>
-            <a:ext cx="2895120" cy="273600"/>
+            <a:ext cx="2894760" cy="273240"/>
           </a:xfrm>
           <a:prstGeom prst="rect">
             <a:avLst/>
@@ -1385,7 +1335,13 @@
           </a:bodyPr>
           <a:lstStyle>
             <a:lvl1pPr indent="0" algn="ctr">
+              <a:lnSpc>
+                <a:spcPct val="100000"/>
+              </a:lnSpc>
               <a:buNone/>
+              <a:tabLst>
+                <a:tab algn="l" pos="0"/>
+              </a:tabLst>
               <a:defRPr b="0" lang="en-US" sz="1400" strike="noStrike" u="none">
                 <a:solidFill>
                   <a:srgbClr val="000000"/>
@@ -1398,7 +1354,13 @@
           </a:lstStyle>
           <a:p>
             <a:pPr indent="0" algn="ctr">
+              <a:lnSpc>
+                <a:spcPct val="100000"/>
+              </a:lnSpc>
               <a:buNone/>
+              <a:tabLst>
+                <a:tab algn="l" pos="0"/>
+              </a:tabLst>
             </a:pPr>
             <a:r>
               <a:rPr b="0" lang="en-US" sz="1400" strike="noStrike" u="none">
@@ -1424,7 +1386,7 @@
       </p:sp>
       <p:sp>
         <p:nvSpPr>
-          <p:cNvPr id="56" name="PlaceHolder 6"/>
+          <p:cNvPr id="56" name="PlaceHolder 4"/>
           <p:cNvSpPr>
             <a:spLocks noGrp="1"/>
           </p:cNvSpPr>
@@ -1435,7 +1397,7 @@
         <p:spPr>
           <a:xfrm>
             <a:off x="6553080" y="4767120"/>
-            <a:ext cx="2133360" cy="273600"/>
+            <a:ext cx="2133000" cy="273240"/>
           </a:xfrm>
           <a:prstGeom prst="rect">
             <a:avLst/>
@@ -1455,6 +1417,9 @@
                 <a:spcPct val="100000"/>
               </a:lnSpc>
               <a:buNone/>
+              <a:tabLst>
+                <a:tab algn="l" pos="0"/>
+              </a:tabLst>
               <a:defRPr b="0" lang="en-US" sz="900" strike="noStrike" u="none">
                 <a:solidFill>
                   <a:schemeClr val="dk1">
@@ -1473,8 +1438,11 @@
                 <a:spcPct val="100000"/>
               </a:lnSpc>
               <a:buNone/>
-            </a:pPr>
-            <a:fld id="{D399F5AD-1A16-4B7E-9D35-16F651359B9A}" type="slidenum">
+              <a:tabLst>
+                <a:tab algn="l" pos="0"/>
+              </a:tabLst>
+            </a:pPr>
+            <a:fld id="{070D29C1-89AF-4E4B-A897-198FF113F7EA}" type="slidenum">
               <a:rPr b="0" lang="en-US" sz="900" strike="noStrike" u="none">
                 <a:solidFill>
                   <a:schemeClr val="dk1">
@@ -1504,8 +1472,8 @@
 </file>
 
 <file path=ppt/slideLayouts/slideLayout2.xml><?xml version="1.0" encoding="utf-8"?>
-<p:sldLayout xmlns:a="http://schemas.openxmlformats.org/drawingml/2006/main" xmlns:p="http://schemas.openxmlformats.org/presentationml/2006/main" xmlns:r="http://schemas.openxmlformats.org/officeDocument/2006/relationships" xmlns:p14="http://schemas.microsoft.com/office/powerpoint/2010/main" xmlns:p15="http://schemas.microsoft.com/office/powerpoint/2012/main" xmlns:mc="http://schemas.openxmlformats.org/markup-compatibility/2006" type="vertTx" preserve="1">
-  <p:cSld name="Title and Vertical Text">
+<p:sldLayout xmlns:a="http://schemas.openxmlformats.org/drawingml/2006/main" xmlns:p="http://schemas.openxmlformats.org/presentationml/2006/main" xmlns:r="http://schemas.openxmlformats.org/officeDocument/2006/relationships" xmlns:p14="http://schemas.microsoft.com/office/powerpoint/2010/main" xmlns:p15="http://schemas.microsoft.com/office/powerpoint/2012/main" xmlns:mc="http://schemas.openxmlformats.org/markup-compatibility/2006" type="blank" preserve="1">
+  <p:cSld name="Content with Caption">
     <p:bg>
       <p:bgPr>
         <a:solidFill>
@@ -1529,7 +1497,7 @@
       </p:grpSpPr>
       <p:sp>
         <p:nvSpPr>
-          <p:cNvPr id="4" name="PlaceHolder 1"/>
+          <p:cNvPr id="3" name="PlaceHolder 1"/>
           <p:cNvSpPr>
             <a:spLocks noGrp="1"/>
           </p:cNvSpPr>
@@ -1539,8 +1507,8 @@
         </p:nvSpPr>
         <p:spPr>
           <a:xfrm>
-            <a:off x="457200" y="205920"/>
-            <a:ext cx="8229240" cy="856800"/>
+            <a:off x="457200" y="204840"/>
+            <a:ext cx="3007440" cy="870840"/>
           </a:xfrm>
           <a:prstGeom prst="rect">
             <a:avLst/>
@@ -1551,18 +1519,21 @@
           </a:ln>
         </p:spPr>
         <p:txBody>
-          <a:bodyPr lIns="91440" rIns="91440" tIns="45720" bIns="45720" anchor="ctr">
+          <a:bodyPr lIns="91440" rIns="91440" tIns="45720" bIns="45720" anchor="b">
             <a:noAutofit/>
           </a:bodyPr>
           <a:p>
-            <a:pPr indent="0" algn="ctr" defTabSz="343080">
+            <a:pPr indent="0" defTabSz="343080">
               <a:lnSpc>
                 <a:spcPct val="100000"/>
               </a:lnSpc>
               <a:buNone/>
-            </a:pPr>
-            <a:r>
-              <a:rPr b="0" lang="en-US" sz="3300" strike="noStrike" u="none">
+              <a:tabLst>
+                <a:tab algn="l" pos="0"/>
+              </a:tabLst>
+            </a:pPr>
+            <a:r>
+              <a:rPr b="1" lang="en-US" sz="1500" strike="noStrike" u="none">
                 <a:solidFill>
                   <a:schemeClr val="dk1"/>
                 </a:solidFill>
@@ -1572,20 +1543,20 @@
               </a:rPr>
               <a:t>Click to edit Master title style</a:t>
             </a:r>
-            <a:endParaRPr b="0" lang="en-US" sz="3300" strike="noStrike" u="none">
-              <a:solidFill>
-                <a:schemeClr val="dk1"/>
-              </a:solidFill>
-              <a:effectLst/>
-              <a:uFillTx/>
-              <a:latin typeface="Calibri"/>
+            <a:endParaRPr b="0" lang="en-US" sz="1500" strike="noStrike" u="none">
+              <a:solidFill>
+                <a:srgbClr val="000000"/>
+              </a:solidFill>
+              <a:effectLst/>
+              <a:uFillTx/>
+              <a:latin typeface="Arial"/>
             </a:endParaRPr>
           </a:p>
         </p:txBody>
       </p:sp>
       <p:sp>
         <p:nvSpPr>
-          <p:cNvPr id="5" name="PlaceHolder 2"/>
+          <p:cNvPr id="4" name="PlaceHolder 2"/>
           <p:cNvSpPr>
             <a:spLocks noGrp="1"/>
           </p:cNvSpPr>
@@ -1595,8 +1566,8 @@
         </p:nvSpPr>
         <p:spPr>
           <a:xfrm>
-            <a:off x="457200" y="1200240"/>
-            <a:ext cx="8229240" cy="3394080"/>
+            <a:off x="3575160" y="204840"/>
+            <a:ext cx="5110920" cy="4389120"/>
           </a:xfrm>
           <a:prstGeom prst="rect">
             <a:avLst/>
@@ -1607,7 +1578,7 @@
           </a:ln>
         </p:spPr>
         <p:txBody>
-          <a:bodyPr lIns="91440" rIns="91440" tIns="45720" bIns="45720" anchor="t" vert="eaVert">
+          <a:bodyPr lIns="91440" rIns="91440" tIns="45720" bIns="45720" anchor="t">
             <a:noAutofit/>
           </a:bodyPr>
           <a:p>
@@ -1637,11 +1608,11 @@
             </a:r>
             <a:endParaRPr b="0" lang="en-US" sz="2400" strike="noStrike" u="none">
               <a:solidFill>
-                <a:schemeClr val="dk1"/>
-              </a:solidFill>
-              <a:effectLst/>
-              <a:uFillTx/>
-              <a:latin typeface="Calibri"/>
+                <a:srgbClr val="000000"/>
+              </a:solidFill>
+              <a:effectLst/>
+              <a:uFillTx/>
+              <a:latin typeface="Arial"/>
             </a:endParaRPr>
           </a:p>
           <a:p>
@@ -1671,11 +1642,11 @@
             </a:r>
             <a:endParaRPr b="0" lang="en-US" sz="2100" strike="noStrike" u="none">
               <a:solidFill>
-                <a:schemeClr val="dk1"/>
-              </a:solidFill>
-              <a:effectLst/>
-              <a:uFillTx/>
-              <a:latin typeface="Calibri"/>
+                <a:srgbClr val="000000"/>
+              </a:solidFill>
+              <a:effectLst/>
+              <a:uFillTx/>
+              <a:latin typeface="Arial"/>
             </a:endParaRPr>
           </a:p>
           <a:p>
@@ -1705,11 +1676,11 @@
             </a:r>
             <a:endParaRPr b="0" lang="en-US" sz="1800" strike="noStrike" u="none">
               <a:solidFill>
-                <a:schemeClr val="dk1"/>
-              </a:solidFill>
-              <a:effectLst/>
-              <a:uFillTx/>
-              <a:latin typeface="Calibri"/>
+                <a:srgbClr val="000000"/>
+              </a:solidFill>
+              <a:effectLst/>
+              <a:uFillTx/>
+              <a:latin typeface="Arial"/>
             </a:endParaRPr>
           </a:p>
           <a:p>
@@ -1739,11 +1710,11 @@
             </a:r>
             <a:endParaRPr b="0" lang="en-US" sz="1500" strike="noStrike" u="none">
               <a:solidFill>
-                <a:schemeClr val="dk1"/>
-              </a:solidFill>
-              <a:effectLst/>
-              <a:uFillTx/>
-              <a:latin typeface="Calibri"/>
+                <a:srgbClr val="000000"/>
+              </a:solidFill>
+              <a:effectLst/>
+              <a:uFillTx/>
+              <a:latin typeface="Arial"/>
             </a:endParaRPr>
           </a:p>
           <a:p>
@@ -1773,18 +1744,80 @@
             </a:r>
             <a:endParaRPr b="0" lang="en-US" sz="1500" strike="noStrike" u="none">
               <a:solidFill>
-                <a:schemeClr val="dk1"/>
-              </a:solidFill>
-              <a:effectLst/>
-              <a:uFillTx/>
-              <a:latin typeface="Calibri"/>
+                <a:srgbClr val="000000"/>
+              </a:solidFill>
+              <a:effectLst/>
+              <a:uFillTx/>
+              <a:latin typeface="Arial"/>
             </a:endParaRPr>
           </a:p>
         </p:txBody>
       </p:sp>
       <p:sp>
         <p:nvSpPr>
-          <p:cNvPr id="6" name="PlaceHolder 3"/>
+          <p:cNvPr id="5" name="PlaceHolder 3"/>
+          <p:cNvSpPr>
+            <a:spLocks noGrp="1"/>
+          </p:cNvSpPr>
+          <p:nvPr>
+            <p:ph type="body"/>
+          </p:nvPr>
+        </p:nvSpPr>
+        <p:spPr>
+          <a:xfrm>
+            <a:off x="457200" y="1076400"/>
+            <a:ext cx="3007440" cy="3517560"/>
+          </a:xfrm>
+          <a:prstGeom prst="rect">
+            <a:avLst/>
+          </a:prstGeom>
+          <a:noFill/>
+          <a:ln w="0">
+            <a:noFill/>
+          </a:ln>
+        </p:spPr>
+        <p:txBody>
+          <a:bodyPr lIns="91440" rIns="91440" tIns="45720" bIns="45720" anchor="t">
+            <a:noAutofit/>
+          </a:bodyPr>
+          <a:p>
+            <a:pPr indent="0" defTabSz="343080">
+              <a:lnSpc>
+                <a:spcPct val="100000"/>
+              </a:lnSpc>
+              <a:spcBef>
+                <a:spcPts val="210"/>
+              </a:spcBef>
+              <a:buNone/>
+              <a:tabLst>
+                <a:tab algn="l" pos="0"/>
+              </a:tabLst>
+            </a:pPr>
+            <a:r>
+              <a:rPr b="0" lang="en-US" sz="1050" strike="noStrike" u="none">
+                <a:solidFill>
+                  <a:schemeClr val="dk1"/>
+                </a:solidFill>
+                <a:effectLst/>
+                <a:uFillTx/>
+                <a:latin typeface="Calibri"/>
+              </a:rPr>
+              <a:t>Click to edit Master text styles</a:t>
+            </a:r>
+            <a:endParaRPr b="0" lang="en-US" sz="1050" strike="noStrike" u="none">
+              <a:solidFill>
+                <a:srgbClr val="000000"/>
+              </a:solidFill>
+              <a:effectLst/>
+              <a:uFillTx/>
+              <a:latin typeface="Arial"/>
+            </a:endParaRPr>
+          </a:p>
+        </p:txBody>
+      </p:sp>
+      <p:sp>
+        <p:nvSpPr>
+          <p:cNvPr id="6" name="PlaceHolder 4"/>
           <p:cNvSpPr>
             <a:spLocks noGrp="1"/>
           </p:cNvSpPr>
@@ -1795,7 +1828,7 @@
         <p:spPr>
           <a:xfrm>
             <a:off x="457200" y="4767120"/>
-            <a:ext cx="2133360" cy="273600"/>
+            <a:ext cx="2133000" cy="273240"/>
           </a:xfrm>
           <a:prstGeom prst="rect">
             <a:avLst/>
@@ -1815,6 +1848,9 @@
                 <a:spcPct val="100000"/>
               </a:lnSpc>
               <a:buNone/>
+              <a:tabLst>
+                <a:tab algn="l" pos="0"/>
+              </a:tabLst>
               <a:defRPr b="0" lang="en-US" sz="900" strike="noStrike" u="none">
                 <a:solidFill>
                   <a:schemeClr val="dk1">
@@ -1833,6 +1869,9 @@
                 <a:spcPct val="100000"/>
               </a:lnSpc>
               <a:buNone/>
+              <a:tabLst>
+                <a:tab algn="l" pos="0"/>
+              </a:tabLst>
             </a:pPr>
             <a:r>
               <a:rPr b="0" lang="en-US" sz="900" strike="noStrike" u="none">
@@ -1860,7 +1899,7 @@
       </p:sp>
       <p:sp>
         <p:nvSpPr>
-          <p:cNvPr id="7" name="PlaceHolder 4"/>
+          <p:cNvPr id="7" name="PlaceHolder 5"/>
           <p:cNvSpPr>
             <a:spLocks noGrp="1"/>
           </p:cNvSpPr>
@@ -1871,7 +1910,7 @@
         <p:spPr>
           <a:xfrm>
             <a:off x="3124080" y="4767120"/>
-            <a:ext cx="2895120" cy="273600"/>
+            <a:ext cx="2894760" cy="273240"/>
           </a:xfrm>
           <a:prstGeom prst="rect">
             <a:avLst/>
@@ -1887,7 +1926,13 @@
           </a:bodyPr>
           <a:lstStyle>
             <a:lvl1pPr indent="0" algn="ctr">
+              <a:lnSpc>
+                <a:spcPct val="100000"/>
+              </a:lnSpc>
               <a:buNone/>
+              <a:tabLst>
+                <a:tab algn="l" pos="0"/>
+              </a:tabLst>
               <a:defRPr b="0" lang="en-US" sz="1400" strike="noStrike" u="none">
                 <a:solidFill>
                   <a:srgbClr val="000000"/>
@@ -1900,7 +1945,13 @@
           </a:lstStyle>
           <a:p>
             <a:pPr indent="0" algn="ctr">
+              <a:lnSpc>
+                <a:spcPct val="100000"/>
+              </a:lnSpc>
               <a:buNone/>
+              <a:tabLst>
+                <a:tab algn="l" pos="0"/>
+              </a:tabLst>
             </a:pPr>
             <a:r>
               <a:rPr b="0" lang="en-US" sz="1400" strike="noStrike" u="none">
@@ -1926,7 +1977,7 @@
       </p:sp>
       <p:sp>
         <p:nvSpPr>
-          <p:cNvPr id="8" name="PlaceHolder 5"/>
+          <p:cNvPr id="8" name="PlaceHolder 6"/>
           <p:cNvSpPr>
             <a:spLocks noGrp="1"/>
           </p:cNvSpPr>
@@ -1937,7 +1988,7 @@
         <p:spPr>
           <a:xfrm>
             <a:off x="6553080" y="4767120"/>
-            <a:ext cx="2133360" cy="273600"/>
+            <a:ext cx="2133000" cy="273240"/>
           </a:xfrm>
           <a:prstGeom prst="rect">
             <a:avLst/>
@@ -1957,6 +2008,9 @@
                 <a:spcPct val="100000"/>
               </a:lnSpc>
               <a:buNone/>
+              <a:tabLst>
+                <a:tab algn="l" pos="0"/>
+              </a:tabLst>
               <a:defRPr b="0" lang="en-US" sz="900" strike="noStrike" u="none">
                 <a:solidFill>
                   <a:schemeClr val="dk1">
@@ -1975,8 +2029,11 @@
                 <a:spcPct val="100000"/>
               </a:lnSpc>
               <a:buNone/>
-            </a:pPr>
-            <a:fld id="{192C209F-D885-42FB-B043-A5A045173286}" type="slidenum">
+              <a:tabLst>
+                <a:tab algn="l" pos="0"/>
+              </a:tabLst>
+            </a:pPr>
+            <a:fld id="{5207BD09-C444-4839-9699-E6E5019E9BDC}" type="slidenum">
               <a:rPr b="0" lang="en-US" sz="900" strike="noStrike" u="none">
                 <a:solidFill>
                   <a:schemeClr val="dk1">
@@ -2006,8 +2063,8 @@
 </file>
 
 <file path=ppt/slideLayouts/slideLayout3.xml><?xml version="1.0" encoding="utf-8"?>
-<p:sldLayout xmlns:a="http://schemas.openxmlformats.org/drawingml/2006/main" xmlns:p="http://schemas.openxmlformats.org/presentationml/2006/main" xmlns:r="http://schemas.openxmlformats.org/officeDocument/2006/relationships" xmlns:p14="http://schemas.microsoft.com/office/powerpoint/2010/main" xmlns:p15="http://schemas.microsoft.com/office/powerpoint/2012/main" xmlns:mc="http://schemas.openxmlformats.org/markup-compatibility/2006" type="vertTitleAndTx" preserve="1">
-  <p:cSld name="Vertical Title and Text">
+<p:sldLayout xmlns:a="http://schemas.openxmlformats.org/drawingml/2006/main" xmlns:p="http://schemas.openxmlformats.org/presentationml/2006/main" xmlns:r="http://schemas.openxmlformats.org/officeDocument/2006/relationships" xmlns:p14="http://schemas.microsoft.com/office/powerpoint/2010/main" xmlns:p15="http://schemas.microsoft.com/office/powerpoint/2012/main" xmlns:mc="http://schemas.openxmlformats.org/markup-compatibility/2006" type="blank" preserve="1">
+  <p:cSld name="Picture with Caption">
     <p:bg>
       <p:bgPr>
         <a:solidFill>
@@ -2041,8 +2098,8 @@
         </p:nvSpPr>
         <p:spPr>
           <a:xfrm>
-            <a:off x="6629400" y="205920"/>
-            <a:ext cx="2057040" cy="4388400"/>
+            <a:off x="1792440" y="3600360"/>
+            <a:ext cx="5485680" cy="424440"/>
           </a:xfrm>
           <a:prstGeom prst="rect">
             <a:avLst/>
@@ -2053,18 +2110,21 @@
           </a:ln>
         </p:spPr>
         <p:txBody>
-          <a:bodyPr lIns="91440" rIns="91440" tIns="45720" bIns="45720" anchor="ctr" vert="eaVert">
+          <a:bodyPr lIns="91440" rIns="91440" tIns="45720" bIns="45720" anchor="b">
             <a:noAutofit/>
           </a:bodyPr>
           <a:p>
-            <a:pPr indent="0" algn="ctr" defTabSz="343080">
+            <a:pPr indent="0" defTabSz="343080">
               <a:lnSpc>
                 <a:spcPct val="100000"/>
               </a:lnSpc>
               <a:buNone/>
-            </a:pPr>
-            <a:r>
-              <a:rPr b="0" lang="en-US" sz="3300" strike="noStrike" u="none">
+              <a:tabLst>
+                <a:tab algn="l" pos="0"/>
+              </a:tabLst>
+            </a:pPr>
+            <a:r>
+              <a:rPr b="1" lang="en-US" sz="1500" strike="noStrike" u="none">
                 <a:solidFill>
                   <a:schemeClr val="dk1"/>
                 </a:solidFill>
@@ -2074,13 +2134,13 @@
               </a:rPr>
               <a:t>Click to edit Master title style</a:t>
             </a:r>
-            <a:endParaRPr b="0" lang="en-US" sz="3300" strike="noStrike" u="none">
-              <a:solidFill>
-                <a:schemeClr val="dk1"/>
-              </a:solidFill>
-              <a:effectLst/>
-              <a:uFillTx/>
-              <a:latin typeface="Calibri"/>
+            <a:endParaRPr b="0" lang="en-US" sz="1500" strike="noStrike" u="none">
+              <a:solidFill>
+                <a:srgbClr val="000000"/>
+              </a:solidFill>
+              <a:effectLst/>
+              <a:uFillTx/>
+              <a:latin typeface="Arial"/>
             </a:endParaRPr>
           </a:p>
         </p:txBody>
@@ -2097,8 +2157,8 @@
         </p:nvSpPr>
         <p:spPr>
           <a:xfrm>
-            <a:off x="457200" y="205920"/>
-            <a:ext cx="6019560" cy="4388400"/>
+            <a:off x="1792440" y="459720"/>
+            <a:ext cx="5485680" cy="3085560"/>
           </a:xfrm>
           <a:prstGeom prst="rect">
             <a:avLst/>
@@ -2109,22 +2169,23 @@
           </a:ln>
         </p:spPr>
         <p:txBody>
-          <a:bodyPr lIns="91440" rIns="91440" tIns="45720" bIns="45720" anchor="t" vert="eaVert">
+          <a:bodyPr lIns="90000" rIns="90000" tIns="45000" bIns="45000" anchor="t">
             <a:noAutofit/>
           </a:bodyPr>
           <a:p>
-            <a:pPr marL="343080" indent="-343080" defTabSz="343080">
-              <a:lnSpc>
-                <a:spcPct val="100000"/>
-              </a:lnSpc>
-              <a:spcBef>
-                <a:spcPts val="479"/>
+            <a:pPr marL="432000" indent="-324000">
+              <a:lnSpc>
+                <a:spcPct val="100000"/>
+              </a:lnSpc>
+              <a:spcBef>
+                <a:spcPts val="1417"/>
               </a:spcBef>
               <a:buClr>
                 <a:srgbClr val="000000"/>
               </a:buClr>
-              <a:buFont typeface="Arial"/>
-              <a:buChar char="•"/>
+              <a:buSzPct val="45000"/>
+              <a:buFont typeface="Wingdings" charset="2"/>
+              <a:buChar char=""/>
             </a:pPr>
             <a:r>
               <a:rPr b="0" lang="en-US" sz="2400" strike="noStrike" u="none">
@@ -2135,151 +2196,225 @@
                 <a:uFillTx/>
                 <a:latin typeface="Calibri"/>
               </a:rPr>
-              <a:t>Click to edit Master text styles</a:t>
+              <a:t>Click to edit the outline text format</a:t>
             </a:r>
             <a:endParaRPr b="0" lang="en-US" sz="2400" strike="noStrike" u="none">
               <a:solidFill>
-                <a:schemeClr val="dk1"/>
-              </a:solidFill>
-              <a:effectLst/>
-              <a:uFillTx/>
-              <a:latin typeface="Calibri"/>
-            </a:endParaRPr>
-          </a:p>
-          <a:p>
-            <a:pPr lvl="1" marL="685800" indent="-343080" defTabSz="343080">
-              <a:lnSpc>
-                <a:spcPct val="100000"/>
-              </a:lnSpc>
-              <a:spcBef>
-                <a:spcPts val="420"/>
+                <a:srgbClr val="000000"/>
+              </a:solidFill>
+              <a:effectLst/>
+              <a:uFillTx/>
+              <a:latin typeface="Arial"/>
+            </a:endParaRPr>
+          </a:p>
+          <a:p>
+            <a:pPr lvl="1" marL="864000" indent="-324000">
+              <a:lnSpc>
+                <a:spcPct val="100000"/>
+              </a:lnSpc>
+              <a:spcBef>
+                <a:spcPts val="1134"/>
               </a:spcBef>
               <a:buClr>
                 <a:srgbClr val="000000"/>
               </a:buClr>
-              <a:buFont typeface="Arial"/>
-              <a:buChar char="–"/>
-            </a:pPr>
-            <a:r>
-              <a:rPr b="0" lang="en-US" sz="2100" strike="noStrike" u="none">
-                <a:solidFill>
-                  <a:schemeClr val="dk1"/>
-                </a:solidFill>
-                <a:effectLst/>
-                <a:uFillTx/>
-                <a:latin typeface="Calibri"/>
-              </a:rPr>
-              <a:t>Second level</a:t>
-            </a:r>
-            <a:endParaRPr b="0" lang="en-US" sz="2100" strike="noStrike" u="none">
-              <a:solidFill>
-                <a:schemeClr val="dk1"/>
-              </a:solidFill>
-              <a:effectLst/>
-              <a:uFillTx/>
-              <a:latin typeface="Calibri"/>
-            </a:endParaRPr>
-          </a:p>
-          <a:p>
-            <a:pPr lvl="2" marL="1028880" indent="-343080" defTabSz="343080">
-              <a:lnSpc>
-                <a:spcPct val="100000"/>
-              </a:lnSpc>
-              <a:spcBef>
-                <a:spcPts val="360"/>
+              <a:buSzPct val="75000"/>
+              <a:buFont typeface="Symbol" charset="2"/>
+              <a:buChar char=""/>
+            </a:pPr>
+            <a:r>
+              <a:rPr b="0" lang="en-US" sz="2400" strike="noStrike" u="none">
+                <a:solidFill>
+                  <a:schemeClr val="dk1"/>
+                </a:solidFill>
+                <a:effectLst/>
+                <a:uFillTx/>
+                <a:latin typeface="Calibri"/>
+              </a:rPr>
+              <a:t>Second Outline Level</a:t>
+            </a:r>
+            <a:endParaRPr b="0" lang="en-US" sz="2400" strike="noStrike" u="none">
+              <a:solidFill>
+                <a:srgbClr val="000000"/>
+              </a:solidFill>
+              <a:effectLst/>
+              <a:uFillTx/>
+              <a:latin typeface="Arial"/>
+            </a:endParaRPr>
+          </a:p>
+          <a:p>
+            <a:pPr lvl="2" marL="1296000" indent="-288000">
+              <a:lnSpc>
+                <a:spcPct val="100000"/>
+              </a:lnSpc>
+              <a:spcBef>
+                <a:spcPts val="850"/>
               </a:spcBef>
               <a:buClr>
                 <a:srgbClr val="000000"/>
               </a:buClr>
-              <a:buFont typeface="Arial"/>
-              <a:buChar char="•"/>
-            </a:pPr>
-            <a:r>
-              <a:rPr b="0" lang="en-US" sz="1800" strike="noStrike" u="none">
-                <a:solidFill>
-                  <a:schemeClr val="dk1"/>
-                </a:solidFill>
-                <a:effectLst/>
-                <a:uFillTx/>
-                <a:latin typeface="Calibri"/>
-              </a:rPr>
-              <a:t>Third level</a:t>
-            </a:r>
-            <a:endParaRPr b="0" lang="en-US" sz="1800" strike="noStrike" u="none">
-              <a:solidFill>
-                <a:schemeClr val="dk1"/>
-              </a:solidFill>
-              <a:effectLst/>
-              <a:uFillTx/>
-              <a:latin typeface="Calibri"/>
-            </a:endParaRPr>
-          </a:p>
-          <a:p>
-            <a:pPr lvl="3" marL="1371600" indent="-343080" defTabSz="343080">
-              <a:lnSpc>
-                <a:spcPct val="100000"/>
-              </a:lnSpc>
-              <a:spcBef>
-                <a:spcPts val="300"/>
+              <a:buSzPct val="45000"/>
+              <a:buFont typeface="Wingdings" charset="2"/>
+              <a:buChar char=""/>
+            </a:pPr>
+            <a:r>
+              <a:rPr b="0" lang="en-US" sz="2400" strike="noStrike" u="none">
+                <a:solidFill>
+                  <a:schemeClr val="dk1"/>
+                </a:solidFill>
+                <a:effectLst/>
+                <a:uFillTx/>
+                <a:latin typeface="Calibri"/>
+              </a:rPr>
+              <a:t>Third Outline Level</a:t>
+            </a:r>
+            <a:endParaRPr b="0" lang="en-US" sz="2400" strike="noStrike" u="none">
+              <a:solidFill>
+                <a:srgbClr val="000000"/>
+              </a:solidFill>
+              <a:effectLst/>
+              <a:uFillTx/>
+              <a:latin typeface="Arial"/>
+            </a:endParaRPr>
+          </a:p>
+          <a:p>
+            <a:pPr lvl="3" marL="1728000" indent="-216000">
+              <a:lnSpc>
+                <a:spcPct val="100000"/>
+              </a:lnSpc>
+              <a:spcBef>
+                <a:spcPts val="567"/>
               </a:spcBef>
               <a:buClr>
                 <a:srgbClr val="000000"/>
               </a:buClr>
-              <a:buFont typeface="Arial"/>
-              <a:buChar char="–"/>
-            </a:pPr>
-            <a:r>
-              <a:rPr b="0" lang="en-US" sz="1500" strike="noStrike" u="none">
-                <a:solidFill>
-                  <a:schemeClr val="dk1"/>
-                </a:solidFill>
-                <a:effectLst/>
-                <a:uFillTx/>
-                <a:latin typeface="Calibri"/>
-              </a:rPr>
-              <a:t>Fourth level</a:t>
-            </a:r>
-            <a:endParaRPr b="0" lang="en-US" sz="1500" strike="noStrike" u="none">
-              <a:solidFill>
-                <a:schemeClr val="dk1"/>
-              </a:solidFill>
-              <a:effectLst/>
-              <a:uFillTx/>
-              <a:latin typeface="Calibri"/>
-            </a:endParaRPr>
-          </a:p>
-          <a:p>
-            <a:pPr lvl="4" marL="1714680" indent="-343080" defTabSz="343080">
-              <a:lnSpc>
-                <a:spcPct val="100000"/>
-              </a:lnSpc>
-              <a:spcBef>
-                <a:spcPts val="300"/>
+              <a:buSzPct val="75000"/>
+              <a:buFont typeface="Symbol" charset="2"/>
+              <a:buChar char=""/>
+            </a:pPr>
+            <a:r>
+              <a:rPr b="0" lang="en-US" sz="2400" strike="noStrike" u="none">
+                <a:solidFill>
+                  <a:schemeClr val="dk1"/>
+                </a:solidFill>
+                <a:effectLst/>
+                <a:uFillTx/>
+                <a:latin typeface="Calibri"/>
+              </a:rPr>
+              <a:t>Fourth Outline Level</a:t>
+            </a:r>
+            <a:endParaRPr b="0" lang="en-US" sz="2400" strike="noStrike" u="none">
+              <a:solidFill>
+                <a:srgbClr val="000000"/>
+              </a:solidFill>
+              <a:effectLst/>
+              <a:uFillTx/>
+              <a:latin typeface="Arial"/>
+            </a:endParaRPr>
+          </a:p>
+          <a:p>
+            <a:pPr lvl="4" marL="2160000" indent="-216000">
+              <a:lnSpc>
+                <a:spcPct val="100000"/>
+              </a:lnSpc>
+              <a:spcBef>
+                <a:spcPts val="283"/>
               </a:spcBef>
               <a:buClr>
                 <a:srgbClr val="000000"/>
               </a:buClr>
-              <a:buFont typeface="Arial"/>
-              <a:buChar char="»"/>
-            </a:pPr>
-            <a:r>
-              <a:rPr b="0" lang="en-US" sz="1500" strike="noStrike" u="none">
-                <a:solidFill>
-                  <a:schemeClr val="dk1"/>
-                </a:solidFill>
-                <a:effectLst/>
-                <a:uFillTx/>
-                <a:latin typeface="Calibri"/>
-              </a:rPr>
-              <a:t>Fifth level</a:t>
-            </a:r>
-            <a:endParaRPr b="0" lang="en-US" sz="1500" strike="noStrike" u="none">
-              <a:solidFill>
-                <a:schemeClr val="dk1"/>
-              </a:solidFill>
-              <a:effectLst/>
-              <a:uFillTx/>
-              <a:latin typeface="Calibri"/>
+              <a:buSzPct val="45000"/>
+              <a:buFont typeface="Wingdings" charset="2"/>
+              <a:buChar char=""/>
+            </a:pPr>
+            <a:r>
+              <a:rPr b="0" lang="en-US" sz="2400" strike="noStrike" u="none">
+                <a:solidFill>
+                  <a:schemeClr val="dk1"/>
+                </a:solidFill>
+                <a:effectLst/>
+                <a:uFillTx/>
+                <a:latin typeface="Calibri"/>
+              </a:rPr>
+              <a:t>Fifth Outline Level</a:t>
+            </a:r>
+            <a:endParaRPr b="0" lang="en-US" sz="2400" strike="noStrike" u="none">
+              <a:solidFill>
+                <a:srgbClr val="000000"/>
+              </a:solidFill>
+              <a:effectLst/>
+              <a:uFillTx/>
+              <a:latin typeface="Arial"/>
+            </a:endParaRPr>
+          </a:p>
+          <a:p>
+            <a:pPr lvl="5" marL="2592000" indent="-216000">
+              <a:lnSpc>
+                <a:spcPct val="100000"/>
+              </a:lnSpc>
+              <a:spcBef>
+                <a:spcPts val="283"/>
+              </a:spcBef>
+              <a:buClr>
+                <a:srgbClr val="000000"/>
+              </a:buClr>
+              <a:buSzPct val="45000"/>
+              <a:buFont typeface="Wingdings" charset="2"/>
+              <a:buChar char=""/>
+            </a:pPr>
+            <a:r>
+              <a:rPr b="0" lang="en-US" sz="2400" strike="noStrike" u="none">
+                <a:solidFill>
+                  <a:schemeClr val="dk1"/>
+                </a:solidFill>
+                <a:effectLst/>
+                <a:uFillTx/>
+                <a:latin typeface="Calibri"/>
+              </a:rPr>
+              <a:t>Sixth Outline Level</a:t>
+            </a:r>
+            <a:endParaRPr b="0" lang="en-US" sz="2400" strike="noStrike" u="none">
+              <a:solidFill>
+                <a:srgbClr val="000000"/>
+              </a:solidFill>
+              <a:effectLst/>
+              <a:uFillTx/>
+              <a:latin typeface="Arial"/>
+            </a:endParaRPr>
+          </a:p>
+          <a:p>
+            <a:pPr lvl="6" marL="3024000" indent="-216000">
+              <a:lnSpc>
+                <a:spcPct val="100000"/>
+              </a:lnSpc>
+              <a:spcBef>
+                <a:spcPts val="283"/>
+              </a:spcBef>
+              <a:buClr>
+                <a:srgbClr val="000000"/>
+              </a:buClr>
+              <a:buSzPct val="45000"/>
+              <a:buFont typeface="Wingdings" charset="2"/>
+              <a:buChar char=""/>
+            </a:pPr>
+            <a:r>
+              <a:rPr b="0" lang="en-US" sz="2400" strike="noStrike" u="none">
+                <a:solidFill>
+                  <a:schemeClr val="dk1"/>
+                </a:solidFill>
+                <a:effectLst/>
+                <a:uFillTx/>
+                <a:latin typeface="Calibri"/>
+              </a:rPr>
+              <a:t>Seventh Outline Level</a:t>
+            </a:r>
+            <a:endParaRPr b="0" lang="en-US" sz="2400" strike="noStrike" u="none">
+              <a:solidFill>
+                <a:srgbClr val="000000"/>
+              </a:solidFill>
+              <a:effectLst/>
+              <a:uFillTx/>
+              <a:latin typeface="Arial"/>
             </a:endParaRPr>
           </a:p>
         </p:txBody>
@@ -2287,6 +2422,68 @@
       <p:sp>
         <p:nvSpPr>
           <p:cNvPr id="11" name="PlaceHolder 3"/>
+          <p:cNvSpPr>
+            <a:spLocks noGrp="1"/>
+          </p:cNvSpPr>
+          <p:nvPr>
+            <p:ph type="body"/>
+          </p:nvPr>
+        </p:nvSpPr>
+        <p:spPr>
+          <a:xfrm>
+            <a:off x="1792440" y="4025520"/>
+            <a:ext cx="5485680" cy="603000"/>
+          </a:xfrm>
+          <a:prstGeom prst="rect">
+            <a:avLst/>
+          </a:prstGeom>
+          <a:noFill/>
+          <a:ln w="0">
+            <a:noFill/>
+          </a:ln>
+        </p:spPr>
+        <p:txBody>
+          <a:bodyPr lIns="91440" rIns="91440" tIns="45720" bIns="45720" anchor="t">
+            <a:noAutofit/>
+          </a:bodyPr>
+          <a:p>
+            <a:pPr indent="0" defTabSz="343080">
+              <a:lnSpc>
+                <a:spcPct val="100000"/>
+              </a:lnSpc>
+              <a:spcBef>
+                <a:spcPts val="210"/>
+              </a:spcBef>
+              <a:buNone/>
+              <a:tabLst>
+                <a:tab algn="l" pos="0"/>
+              </a:tabLst>
+            </a:pPr>
+            <a:r>
+              <a:rPr b="0" lang="en-US" sz="1050" strike="noStrike" u="none">
+                <a:solidFill>
+                  <a:schemeClr val="dk1"/>
+                </a:solidFill>
+                <a:effectLst/>
+                <a:uFillTx/>
+                <a:latin typeface="Calibri"/>
+              </a:rPr>
+              <a:t>Click to edit Master text styles</a:t>
+            </a:r>
+            <a:endParaRPr b="0" lang="en-US" sz="1050" strike="noStrike" u="none">
+              <a:solidFill>
+                <a:srgbClr val="000000"/>
+              </a:solidFill>
+              <a:effectLst/>
+              <a:uFillTx/>
+              <a:latin typeface="Arial"/>
+            </a:endParaRPr>
+          </a:p>
+        </p:txBody>
+      </p:sp>
+      <p:sp>
+        <p:nvSpPr>
+          <p:cNvPr id="12" name="PlaceHolder 4"/>
           <p:cNvSpPr>
             <a:spLocks noGrp="1"/>
           </p:cNvSpPr>
@@ -2297,7 +2494,7 @@
         <p:spPr>
           <a:xfrm>
             <a:off x="457200" y="4767120"/>
-            <a:ext cx="2133360" cy="273600"/>
+            <a:ext cx="2133000" cy="273240"/>
           </a:xfrm>
           <a:prstGeom prst="rect">
             <a:avLst/>
@@ -2317,6 +2514,9 @@
                 <a:spcPct val="100000"/>
               </a:lnSpc>
               <a:buNone/>
+              <a:tabLst>
+                <a:tab algn="l" pos="0"/>
+              </a:tabLst>
               <a:defRPr b="0" lang="en-US" sz="900" strike="noStrike" u="none">
                 <a:solidFill>
                   <a:schemeClr val="dk1">
@@ -2335,6 +2535,9 @@
                 <a:spcPct val="100000"/>
               </a:lnSpc>
               <a:buNone/>
+              <a:tabLst>
+                <a:tab algn="l" pos="0"/>
+              </a:tabLst>
             </a:pPr>
             <a:r>
               <a:rPr b="0" lang="en-US" sz="900" strike="noStrike" u="none">
@@ -2362,7 +2565,7 @@
       </p:sp>
       <p:sp>
         <p:nvSpPr>
-          <p:cNvPr id="12" name="PlaceHolder 4"/>
+          <p:cNvPr id="13" name="PlaceHolder 5"/>
           <p:cNvSpPr>
             <a:spLocks noGrp="1"/>
           </p:cNvSpPr>
@@ -2373,7 +2576,7 @@
         <p:spPr>
           <a:xfrm>
             <a:off x="3124080" y="4767120"/>
-            <a:ext cx="2895120" cy="273600"/>
+            <a:ext cx="2894760" cy="273240"/>
           </a:xfrm>
           <a:prstGeom prst="rect">
             <a:avLst/>
@@ -2389,7 +2592,13 @@
           </a:bodyPr>
           <a:lstStyle>
             <a:lvl1pPr indent="0" algn="ctr">
+              <a:lnSpc>
+                <a:spcPct val="100000"/>
+              </a:lnSpc>
               <a:buNone/>
+              <a:tabLst>
+                <a:tab algn="l" pos="0"/>
+              </a:tabLst>
               <a:defRPr b="0" lang="en-US" sz="1400" strike="noStrike" u="none">
                 <a:solidFill>
                   <a:srgbClr val="000000"/>
@@ -2402,7 +2611,13 @@
           </a:lstStyle>
           <a:p>
             <a:pPr indent="0" algn="ctr">
+              <a:lnSpc>
+                <a:spcPct val="100000"/>
+              </a:lnSpc>
               <a:buNone/>
+              <a:tabLst>
+                <a:tab algn="l" pos="0"/>
+              </a:tabLst>
             </a:pPr>
             <a:r>
               <a:rPr b="0" lang="en-US" sz="1400" strike="noStrike" u="none">
@@ -2428,7 +2643,7 @@
       </p:sp>
       <p:sp>
         <p:nvSpPr>
-          <p:cNvPr id="13" name="PlaceHolder 5"/>
+          <p:cNvPr id="14" name="PlaceHolder 6"/>
           <p:cNvSpPr>
             <a:spLocks noGrp="1"/>
           </p:cNvSpPr>
@@ -2439,7 +2654,7 @@
         <p:spPr>
           <a:xfrm>
             <a:off x="6553080" y="4767120"/>
-            <a:ext cx="2133360" cy="273600"/>
+            <a:ext cx="2133000" cy="273240"/>
           </a:xfrm>
           <a:prstGeom prst="rect">
             <a:avLst/>
@@ -2459,6 +2674,9 @@
                 <a:spcPct val="100000"/>
               </a:lnSpc>
               <a:buNone/>
+              <a:tabLst>
+                <a:tab algn="l" pos="0"/>
+              </a:tabLst>
               <a:defRPr b="0" lang="en-US" sz="900" strike="noStrike" u="none">
                 <a:solidFill>
                   <a:schemeClr val="dk1">
@@ -2477,8 +2695,11 @@
                 <a:spcPct val="100000"/>
               </a:lnSpc>
               <a:buNone/>
-            </a:pPr>
-            <a:fld id="{4B145085-771F-450F-9247-6A97A376D771}" type="slidenum">
+              <a:tabLst>
+                <a:tab algn="l" pos="0"/>
+              </a:tabLst>
+            </a:pPr>
+            <a:fld id="{00E06CCA-D8CE-4998-ADBE-21E4FA33B4BD}" type="slidenum">
               <a:rPr b="0" lang="en-US" sz="900" strike="noStrike" u="none">
                 <a:solidFill>
                   <a:schemeClr val="dk1">
@@ -2508,8 +2729,8 @@
 </file>
 
 <file path=ppt/slideLayouts/slideLayout4.xml><?xml version="1.0" encoding="utf-8"?>
-<p:sldLayout xmlns:a="http://schemas.openxmlformats.org/drawingml/2006/main" xmlns:p="http://schemas.openxmlformats.org/presentationml/2006/main" xmlns:r="http://schemas.openxmlformats.org/officeDocument/2006/relationships" xmlns:p14="http://schemas.microsoft.com/office/powerpoint/2010/main" xmlns:p15="http://schemas.microsoft.com/office/powerpoint/2012/main" xmlns:mc="http://schemas.openxmlformats.org/markup-compatibility/2006" type="obj" preserve="1">
-  <p:cSld name="Title and Content">
+<p:sldLayout xmlns:a="http://schemas.openxmlformats.org/drawingml/2006/main" xmlns:p="http://schemas.openxmlformats.org/presentationml/2006/main" xmlns:r="http://schemas.openxmlformats.org/officeDocument/2006/relationships" xmlns:p14="http://schemas.microsoft.com/office/powerpoint/2010/main" xmlns:p15="http://schemas.microsoft.com/office/powerpoint/2012/main" xmlns:mc="http://schemas.openxmlformats.org/markup-compatibility/2006" type="title" preserve="1">
+  <p:cSld name="Title Slide">
     <p:bg>
       <p:bgPr>
         <a:solidFill>
@@ -2533,7 +2754,7 @@
       </p:grpSpPr>
       <p:sp>
         <p:nvSpPr>
-          <p:cNvPr id="14" name="PlaceHolder 1"/>
+          <p:cNvPr id="15" name="PlaceHolder 1"/>
           <p:cNvSpPr>
             <a:spLocks noGrp="1"/>
           </p:cNvSpPr>
@@ -2543,8 +2764,8 @@
         </p:nvSpPr>
         <p:spPr>
           <a:xfrm>
-            <a:off x="457200" y="205920"/>
-            <a:ext cx="8229240" cy="856800"/>
+            <a:off x="685800" y="1597680"/>
+            <a:ext cx="7771680" cy="1101960"/>
           </a:xfrm>
           <a:prstGeom prst="rect">
             <a:avLst/>
@@ -2564,6 +2785,9 @@
                 <a:spcPct val="100000"/>
               </a:lnSpc>
               <a:buNone/>
+              <a:tabLst>
+                <a:tab algn="l" pos="0"/>
+              </a:tabLst>
             </a:pPr>
             <a:r>
               <a:rPr b="0" lang="en-US" sz="3300" strike="noStrike" u="none">
@@ -2578,217 +2802,18 @@
             </a:r>
             <a:endParaRPr b="0" lang="en-US" sz="3300" strike="noStrike" u="none">
               <a:solidFill>
-                <a:schemeClr val="dk1"/>
-              </a:solidFill>
-              <a:effectLst/>
-              <a:uFillTx/>
-              <a:latin typeface="Calibri"/>
+                <a:srgbClr val="000000"/>
+              </a:solidFill>
+              <a:effectLst/>
+              <a:uFillTx/>
+              <a:latin typeface="Arial"/>
             </a:endParaRPr>
           </a:p>
         </p:txBody>
       </p:sp>
       <p:sp>
         <p:nvSpPr>
-          <p:cNvPr id="15" name="PlaceHolder 2"/>
-          <p:cNvSpPr>
-            <a:spLocks noGrp="1"/>
-          </p:cNvSpPr>
-          <p:nvPr>
-            <p:ph type="body"/>
-          </p:nvPr>
-        </p:nvSpPr>
-        <p:spPr>
-          <a:xfrm>
-            <a:off x="457200" y="1200240"/>
-            <a:ext cx="8229240" cy="3394080"/>
-          </a:xfrm>
-          <a:prstGeom prst="rect">
-            <a:avLst/>
-          </a:prstGeom>
-          <a:noFill/>
-          <a:ln w="0">
-            <a:noFill/>
-          </a:ln>
-        </p:spPr>
-        <p:txBody>
-          <a:bodyPr lIns="91440" rIns="91440" tIns="45720" bIns="45720" anchor="t">
-            <a:noAutofit/>
-          </a:bodyPr>
-          <a:p>
-            <a:pPr marL="343080" indent="-343080" defTabSz="343080">
-              <a:lnSpc>
-                <a:spcPct val="100000"/>
-              </a:lnSpc>
-              <a:spcBef>
-                <a:spcPts val="479"/>
-              </a:spcBef>
-              <a:buClr>
-                <a:srgbClr val="000000"/>
-              </a:buClr>
-              <a:buFont typeface="Arial"/>
-              <a:buChar char="•"/>
-            </a:pPr>
-            <a:r>
-              <a:rPr b="0" lang="en-US" sz="2400" strike="noStrike" u="none">
-                <a:solidFill>
-                  <a:schemeClr val="dk1"/>
-                </a:solidFill>
-                <a:effectLst/>
-                <a:uFillTx/>
-                <a:latin typeface="Calibri"/>
-              </a:rPr>
-              <a:t>Click to edit Master text styles</a:t>
-            </a:r>
-            <a:endParaRPr b="0" lang="en-US" sz="2400" strike="noStrike" u="none">
-              <a:solidFill>
-                <a:schemeClr val="dk1"/>
-              </a:solidFill>
-              <a:effectLst/>
-              <a:uFillTx/>
-              <a:latin typeface="Calibri"/>
-            </a:endParaRPr>
-          </a:p>
-          <a:p>
-            <a:pPr lvl="1" marL="685800" indent="-343080" defTabSz="343080">
-              <a:lnSpc>
-                <a:spcPct val="100000"/>
-              </a:lnSpc>
-              <a:spcBef>
-                <a:spcPts val="420"/>
-              </a:spcBef>
-              <a:buClr>
-                <a:srgbClr val="000000"/>
-              </a:buClr>
-              <a:buFont typeface="Arial"/>
-              <a:buChar char="–"/>
-            </a:pPr>
-            <a:r>
-              <a:rPr b="0" lang="en-US" sz="2100" strike="noStrike" u="none">
-                <a:solidFill>
-                  <a:schemeClr val="dk1"/>
-                </a:solidFill>
-                <a:effectLst/>
-                <a:uFillTx/>
-                <a:latin typeface="Calibri"/>
-              </a:rPr>
-              <a:t>Second level</a:t>
-            </a:r>
-            <a:endParaRPr b="0" lang="en-US" sz="2100" strike="noStrike" u="none">
-              <a:solidFill>
-                <a:schemeClr val="dk1"/>
-              </a:solidFill>
-              <a:effectLst/>
-              <a:uFillTx/>
-              <a:latin typeface="Calibri"/>
-            </a:endParaRPr>
-          </a:p>
-          <a:p>
-            <a:pPr lvl="2" marL="1028880" indent="-343080" defTabSz="343080">
-              <a:lnSpc>
-                <a:spcPct val="100000"/>
-              </a:lnSpc>
-              <a:spcBef>
-                <a:spcPts val="360"/>
-              </a:spcBef>
-              <a:buClr>
-                <a:srgbClr val="000000"/>
-              </a:buClr>
-              <a:buFont typeface="Arial"/>
-              <a:buChar char="•"/>
-            </a:pPr>
-            <a:r>
-              <a:rPr b="0" lang="en-US" sz="1800" strike="noStrike" u="none">
-                <a:solidFill>
-                  <a:schemeClr val="dk1"/>
-                </a:solidFill>
-                <a:effectLst/>
-                <a:uFillTx/>
-                <a:latin typeface="Calibri"/>
-              </a:rPr>
-              <a:t>Third level</a:t>
-            </a:r>
-            <a:endParaRPr b="0" lang="en-US" sz="1800" strike="noStrike" u="none">
-              <a:solidFill>
-                <a:schemeClr val="dk1"/>
-              </a:solidFill>
-              <a:effectLst/>
-              <a:uFillTx/>
-              <a:latin typeface="Calibri"/>
-            </a:endParaRPr>
-          </a:p>
-          <a:p>
-            <a:pPr lvl="3" marL="1371600" indent="-343080" defTabSz="343080">
-              <a:lnSpc>
-                <a:spcPct val="100000"/>
-              </a:lnSpc>
-              <a:spcBef>
-                <a:spcPts val="300"/>
-              </a:spcBef>
-              <a:buClr>
-                <a:srgbClr val="000000"/>
-              </a:buClr>
-              <a:buFont typeface="Arial"/>
-              <a:buChar char="–"/>
-            </a:pPr>
-            <a:r>
-              <a:rPr b="0" lang="en-US" sz="1500" strike="noStrike" u="none">
-                <a:solidFill>
-                  <a:schemeClr val="dk1"/>
-                </a:solidFill>
-                <a:effectLst/>
-                <a:uFillTx/>
-                <a:latin typeface="Calibri"/>
-              </a:rPr>
-              <a:t>Fourth level</a:t>
-            </a:r>
-            <a:endParaRPr b="0" lang="en-US" sz="1500" strike="noStrike" u="none">
-              <a:solidFill>
-                <a:schemeClr val="dk1"/>
-              </a:solidFill>
-              <a:effectLst/>
-              <a:uFillTx/>
-              <a:latin typeface="Calibri"/>
-            </a:endParaRPr>
-          </a:p>
-          <a:p>
-            <a:pPr lvl="4" marL="1714680" indent="-343080" defTabSz="343080">
-              <a:lnSpc>
-                <a:spcPct val="100000"/>
-              </a:lnSpc>
-              <a:spcBef>
-                <a:spcPts val="300"/>
-              </a:spcBef>
-              <a:buClr>
-                <a:srgbClr val="000000"/>
-              </a:buClr>
-              <a:buFont typeface="Arial"/>
-              <a:buChar char="»"/>
-            </a:pPr>
-            <a:r>
-              <a:rPr b="0" lang="en-US" sz="1500" strike="noStrike" u="none">
-                <a:solidFill>
-                  <a:schemeClr val="dk1"/>
-                </a:solidFill>
-                <a:effectLst/>
-                <a:uFillTx/>
-                <a:latin typeface="Calibri"/>
-              </a:rPr>
-              <a:t>Fifth level</a:t>
-            </a:r>
-            <a:endParaRPr b="0" lang="en-US" sz="1500" strike="noStrike" u="none">
-              <a:solidFill>
-                <a:schemeClr val="dk1"/>
-              </a:solidFill>
-              <a:effectLst/>
-              <a:uFillTx/>
-              <a:latin typeface="Calibri"/>
-            </a:endParaRPr>
-          </a:p>
-        </p:txBody>
-      </p:sp>
-      <p:sp>
-        <p:nvSpPr>
-          <p:cNvPr id="16" name="PlaceHolder 3"/>
+          <p:cNvPr id="16" name="PlaceHolder 2"/>
           <p:cNvSpPr>
             <a:spLocks noGrp="1"/>
           </p:cNvSpPr>
@@ -2799,7 +2824,7 @@
         <p:spPr>
           <a:xfrm>
             <a:off x="457200" y="4767120"/>
-            <a:ext cx="2133360" cy="273600"/>
+            <a:ext cx="2133000" cy="273240"/>
           </a:xfrm>
           <a:prstGeom prst="rect">
             <a:avLst/>
@@ -2819,6 +2844,9 @@
                 <a:spcPct val="100000"/>
               </a:lnSpc>
               <a:buNone/>
+              <a:tabLst>
+                <a:tab algn="l" pos="0"/>
+              </a:tabLst>
               <a:defRPr b="0" lang="en-US" sz="900" strike="noStrike" u="none">
                 <a:solidFill>
                   <a:schemeClr val="dk1">
@@ -2837,6 +2865,9 @@
                 <a:spcPct val="100000"/>
               </a:lnSpc>
               <a:buNone/>
+              <a:tabLst>
+                <a:tab algn="l" pos="0"/>
+              </a:tabLst>
             </a:pPr>
             <a:r>
               <a:rPr b="0" lang="en-US" sz="900" strike="noStrike" u="none">
@@ -2864,7 +2895,7 @@
       </p:sp>
       <p:sp>
         <p:nvSpPr>
-          <p:cNvPr id="17" name="PlaceHolder 4"/>
+          <p:cNvPr id="17" name="PlaceHolder 3"/>
           <p:cNvSpPr>
             <a:spLocks noGrp="1"/>
           </p:cNvSpPr>
@@ -2875,7 +2906,7 @@
         <p:spPr>
           <a:xfrm>
             <a:off x="3124080" y="4767120"/>
-            <a:ext cx="2895120" cy="273600"/>
+            <a:ext cx="2894760" cy="273240"/>
           </a:xfrm>
           <a:prstGeom prst="rect">
             <a:avLst/>
@@ -2891,7 +2922,13 @@
           </a:bodyPr>
           <a:lstStyle>
             <a:lvl1pPr indent="0" algn="ctr">
+              <a:lnSpc>
+                <a:spcPct val="100000"/>
+              </a:lnSpc>
               <a:buNone/>
+              <a:tabLst>
+                <a:tab algn="l" pos="0"/>
+              </a:tabLst>
               <a:defRPr b="0" lang="en-US" sz="1400" strike="noStrike" u="none">
                 <a:solidFill>
                   <a:srgbClr val="000000"/>
@@ -2904,7 +2941,13 @@
           </a:lstStyle>
           <a:p>
             <a:pPr indent="0" algn="ctr">
+              <a:lnSpc>
+                <a:spcPct val="100000"/>
+              </a:lnSpc>
               <a:buNone/>
+              <a:tabLst>
+                <a:tab algn="l" pos="0"/>
+              </a:tabLst>
             </a:pPr>
             <a:r>
               <a:rPr b="0" lang="en-US" sz="1400" strike="noStrike" u="none">
@@ -2930,7 +2973,7 @@
       </p:sp>
       <p:sp>
         <p:nvSpPr>
-          <p:cNvPr id="18" name="PlaceHolder 5"/>
+          <p:cNvPr id="18" name="PlaceHolder 4"/>
           <p:cNvSpPr>
             <a:spLocks noGrp="1"/>
           </p:cNvSpPr>
@@ -2941,7 +2984,7 @@
         <p:spPr>
           <a:xfrm>
             <a:off x="6553080" y="4767120"/>
-            <a:ext cx="2133360" cy="273600"/>
+            <a:ext cx="2133000" cy="273240"/>
           </a:xfrm>
           <a:prstGeom prst="rect">
             <a:avLst/>
@@ -2961,6 +3004,9 @@
                 <a:spcPct val="100000"/>
               </a:lnSpc>
               <a:buNone/>
+              <a:tabLst>
+                <a:tab algn="l" pos="0"/>
+              </a:tabLst>
               <a:defRPr b="0" lang="en-US" sz="900" strike="noStrike" u="none">
                 <a:solidFill>
                   <a:schemeClr val="dk1">
@@ -2979,8 +3025,11 @@
                 <a:spcPct val="100000"/>
               </a:lnSpc>
               <a:buNone/>
-            </a:pPr>
-            <a:fld id="{4E2CAF01-4B3E-4CE1-BAC9-83A4F47012BD}" type="slidenum">
+              <a:tabLst>
+                <a:tab algn="l" pos="0"/>
+              </a:tabLst>
+            </a:pPr>
+            <a:fld id="{B9A0DE3E-7ADC-4954-8CAB-BA258F312C08}" type="slidenum">
               <a:rPr b="0" lang="en-US" sz="900" strike="noStrike" u="none">
                 <a:solidFill>
                   <a:schemeClr val="dk1">
@@ -3010,8 +3059,8 @@
 </file>
 
 <file path=ppt/slideLayouts/slideLayout5.xml><?xml version="1.0" encoding="utf-8"?>
-<p:sldLayout xmlns:a="http://schemas.openxmlformats.org/drawingml/2006/main" xmlns:p="http://schemas.openxmlformats.org/presentationml/2006/main" xmlns:r="http://schemas.openxmlformats.org/officeDocument/2006/relationships" xmlns:p14="http://schemas.microsoft.com/office/powerpoint/2010/main" xmlns:p15="http://schemas.microsoft.com/office/powerpoint/2012/main" xmlns:mc="http://schemas.openxmlformats.org/markup-compatibility/2006" type="blank" preserve="1">
-  <p:cSld name="Section Header">
+<p:sldLayout xmlns:a="http://schemas.openxmlformats.org/drawingml/2006/main" xmlns:p="http://schemas.openxmlformats.org/presentationml/2006/main" xmlns:r="http://schemas.openxmlformats.org/officeDocument/2006/relationships" xmlns:p14="http://schemas.microsoft.com/office/powerpoint/2010/main" xmlns:p15="http://schemas.microsoft.com/office/powerpoint/2012/main" xmlns:mc="http://schemas.openxmlformats.org/markup-compatibility/2006" type="vertTx" preserve="1">
+  <p:cSld name="Title and Vertical Text">
     <p:bg>
       <p:bgPr>
         <a:solidFill>
@@ -3045,8 +3094,8 @@
         </p:nvSpPr>
         <p:spPr>
           <a:xfrm>
-            <a:off x="722160" y="3305160"/>
-            <a:ext cx="7772040" cy="1021320"/>
+            <a:off x="457200" y="205920"/>
+            <a:ext cx="8228880" cy="856440"/>
           </a:xfrm>
           <a:prstGeom prst="rect">
             <a:avLst/>
@@ -3057,18 +3106,21 @@
           </a:ln>
         </p:spPr>
         <p:txBody>
-          <a:bodyPr lIns="91440" rIns="91440" tIns="45720" bIns="45720" anchor="t">
+          <a:bodyPr lIns="91440" rIns="91440" tIns="45720" bIns="45720" anchor="ctr">
             <a:noAutofit/>
           </a:bodyPr>
           <a:p>
-            <a:pPr indent="0" defTabSz="343080">
+            <a:pPr indent="0" algn="ctr" defTabSz="343080">
               <a:lnSpc>
                 <a:spcPct val="100000"/>
               </a:lnSpc>
               <a:buNone/>
-            </a:pPr>
-            <a:r>
-              <a:rPr b="1" lang="en-US" sz="3000" strike="noStrike" u="none" cap="all">
+              <a:tabLst>
+                <a:tab algn="l" pos="0"/>
+              </a:tabLst>
+            </a:pPr>
+            <a:r>
+              <a:rPr b="0" lang="en-US" sz="3300" strike="noStrike" u="none">
                 <a:solidFill>
                   <a:schemeClr val="dk1"/>
                 </a:solidFill>
@@ -3078,13 +3130,13 @@
               </a:rPr>
               <a:t>Click to edit Master title style</a:t>
             </a:r>
-            <a:endParaRPr b="0" lang="en-US" sz="3000" strike="noStrike" u="none">
-              <a:solidFill>
-                <a:schemeClr val="dk1"/>
-              </a:solidFill>
-              <a:effectLst/>
-              <a:uFillTx/>
-              <a:latin typeface="Calibri"/>
+            <a:endParaRPr b="0" lang="en-US" sz="3300" strike="noStrike" u="none">
+              <a:solidFill>
+                <a:srgbClr val="000000"/>
+              </a:solidFill>
+              <a:effectLst/>
+              <a:uFillTx/>
+              <a:latin typeface="Arial"/>
             </a:endParaRPr>
           </a:p>
         </p:txBody>
@@ -3101,8 +3153,8 @@
         </p:nvSpPr>
         <p:spPr>
           <a:xfrm>
-            <a:off x="722160" y="2180160"/>
-            <a:ext cx="7772040" cy="1124640"/>
+            <a:off x="457200" y="1200240"/>
+            <a:ext cx="8228880" cy="3393720"/>
           </a:xfrm>
           <a:prstGeom prst="rect">
             <a:avLst/>
@@ -3113,42 +3165,177 @@
           </a:ln>
         </p:spPr>
         <p:txBody>
-          <a:bodyPr lIns="91440" rIns="91440" tIns="45720" bIns="45720" anchor="b">
+          <a:bodyPr lIns="91440" rIns="91440" tIns="45720" bIns="45720" anchor="t" vert="eaVert">
             <a:noAutofit/>
           </a:bodyPr>
           <a:p>
-            <a:pPr indent="0" defTabSz="343080">
+            <a:pPr marL="343080" indent="-343080" defTabSz="343080">
+              <a:lnSpc>
+                <a:spcPct val="100000"/>
+              </a:lnSpc>
+              <a:spcBef>
+                <a:spcPts val="479"/>
+              </a:spcBef>
+              <a:buClr>
+                <a:srgbClr val="000000"/>
+              </a:buClr>
+              <a:buFont typeface="Arial"/>
+              <a:buChar char="•"/>
+            </a:pPr>
+            <a:r>
+              <a:rPr b="0" lang="en-US" sz="2400" strike="noStrike" u="none">
+                <a:solidFill>
+                  <a:schemeClr val="dk1"/>
+                </a:solidFill>
+                <a:effectLst/>
+                <a:uFillTx/>
+                <a:latin typeface="Calibri"/>
+              </a:rPr>
+              <a:t>Click to edit Master text styles</a:t>
+            </a:r>
+            <a:endParaRPr b="0" lang="en-US" sz="2400" strike="noStrike" u="none">
+              <a:solidFill>
+                <a:srgbClr val="000000"/>
+              </a:solidFill>
+              <a:effectLst/>
+              <a:uFillTx/>
+              <a:latin typeface="Arial"/>
+            </a:endParaRPr>
+          </a:p>
+          <a:p>
+            <a:pPr lvl="1" marL="685800" indent="-343080" defTabSz="343080">
+              <a:lnSpc>
+                <a:spcPct val="100000"/>
+              </a:lnSpc>
+              <a:spcBef>
+                <a:spcPts val="420"/>
+              </a:spcBef>
+              <a:buClr>
+                <a:srgbClr val="000000"/>
+              </a:buClr>
+              <a:buFont typeface="Arial"/>
+              <a:buChar char="–"/>
+            </a:pPr>
+            <a:r>
+              <a:rPr b="0" lang="en-US" sz="2100" strike="noStrike" u="none">
+                <a:solidFill>
+                  <a:schemeClr val="dk1"/>
+                </a:solidFill>
+                <a:effectLst/>
+                <a:uFillTx/>
+                <a:latin typeface="Calibri"/>
+              </a:rPr>
+              <a:t>Second level</a:t>
+            </a:r>
+            <a:endParaRPr b="0" lang="en-US" sz="2100" strike="noStrike" u="none">
+              <a:solidFill>
+                <a:srgbClr val="000000"/>
+              </a:solidFill>
+              <a:effectLst/>
+              <a:uFillTx/>
+              <a:latin typeface="Arial"/>
+            </a:endParaRPr>
+          </a:p>
+          <a:p>
+            <a:pPr lvl="2" marL="1028880" indent="-343080" defTabSz="343080">
+              <a:lnSpc>
+                <a:spcPct val="100000"/>
+              </a:lnSpc>
+              <a:spcBef>
+                <a:spcPts val="360"/>
+              </a:spcBef>
+              <a:buClr>
+                <a:srgbClr val="000000"/>
+              </a:buClr>
+              <a:buFont typeface="Arial"/>
+              <a:buChar char="•"/>
+            </a:pPr>
+            <a:r>
+              <a:rPr b="0" lang="en-US" sz="1800" strike="noStrike" u="none">
+                <a:solidFill>
+                  <a:schemeClr val="dk1"/>
+                </a:solidFill>
+                <a:effectLst/>
+                <a:uFillTx/>
+                <a:latin typeface="Calibri"/>
+              </a:rPr>
+              <a:t>Third level</a:t>
+            </a:r>
+            <a:endParaRPr b="0" lang="en-US" sz="1800" strike="noStrike" u="none">
+              <a:solidFill>
+                <a:srgbClr val="000000"/>
+              </a:solidFill>
+              <a:effectLst/>
+              <a:uFillTx/>
+              <a:latin typeface="Arial"/>
+            </a:endParaRPr>
+          </a:p>
+          <a:p>
+            <a:pPr lvl="3" marL="1371600" indent="-343080" defTabSz="343080">
               <a:lnSpc>
                 <a:spcPct val="100000"/>
               </a:lnSpc>
               <a:spcBef>
                 <a:spcPts val="300"/>
               </a:spcBef>
-              <a:buNone/>
-              <a:tabLst>
-                <a:tab algn="l" pos="0"/>
-              </a:tabLst>
+              <a:buClr>
+                <a:srgbClr val="000000"/>
+              </a:buClr>
+              <a:buFont typeface="Arial"/>
+              <a:buChar char="–"/>
             </a:pPr>
             <a:r>
               <a:rPr b="0" lang="en-US" sz="1500" strike="noStrike" u="none">
                 <a:solidFill>
-                  <a:schemeClr val="dk1">
-                    <a:tint val="75000"/>
-                  </a:schemeClr>
-                </a:solidFill>
-                <a:effectLst/>
-                <a:uFillTx/>
-                <a:latin typeface="Calibri"/>
-              </a:rPr>
-              <a:t>Click to edit Master text styles</a:t>
+                  <a:schemeClr val="dk1"/>
+                </a:solidFill>
+                <a:effectLst/>
+                <a:uFillTx/>
+                <a:latin typeface="Calibri"/>
+              </a:rPr>
+              <a:t>Fourth level</a:t>
             </a:r>
             <a:endParaRPr b="0" lang="en-US" sz="1500" strike="noStrike" u="none">
               <a:solidFill>
-                <a:schemeClr val="dk1"/>
-              </a:solidFill>
-              <a:effectLst/>
-              <a:uFillTx/>
-              <a:latin typeface="Calibri"/>
+                <a:srgbClr val="000000"/>
+              </a:solidFill>
+              <a:effectLst/>
+              <a:uFillTx/>
+              <a:latin typeface="Arial"/>
+            </a:endParaRPr>
+          </a:p>
+          <a:p>
+            <a:pPr lvl="4" marL="1714680" indent="-343080" defTabSz="343080">
+              <a:lnSpc>
+                <a:spcPct val="100000"/>
+              </a:lnSpc>
+              <a:spcBef>
+                <a:spcPts val="300"/>
+              </a:spcBef>
+              <a:buClr>
+                <a:srgbClr val="000000"/>
+              </a:buClr>
+              <a:buFont typeface="Arial"/>
+              <a:buChar char="»"/>
+            </a:pPr>
+            <a:r>
+              <a:rPr b="0" lang="en-US" sz="1500" strike="noStrike" u="none">
+                <a:solidFill>
+                  <a:schemeClr val="dk1"/>
+                </a:solidFill>
+                <a:effectLst/>
+                <a:uFillTx/>
+                <a:latin typeface="Calibri"/>
+              </a:rPr>
+              <a:t>Fifth level</a:t>
+            </a:r>
+            <a:endParaRPr b="0" lang="en-US" sz="1500" strike="noStrike" u="none">
+              <a:solidFill>
+                <a:srgbClr val="000000"/>
+              </a:solidFill>
+              <a:effectLst/>
+              <a:uFillTx/>
+              <a:latin typeface="Arial"/>
             </a:endParaRPr>
           </a:p>
         </p:txBody>
@@ -3166,7 +3353,7 @@
         <p:spPr>
           <a:xfrm>
             <a:off x="457200" y="4767120"/>
-            <a:ext cx="2133360" cy="273600"/>
+            <a:ext cx="2133000" cy="273240"/>
           </a:xfrm>
           <a:prstGeom prst="rect">
             <a:avLst/>
@@ -3186,6 +3373,9 @@
                 <a:spcPct val="100000"/>
               </a:lnSpc>
               <a:buNone/>
+              <a:tabLst>
+                <a:tab algn="l" pos="0"/>
+              </a:tabLst>
               <a:defRPr b="0" lang="en-US" sz="900" strike="noStrike" u="none">
                 <a:solidFill>
                   <a:schemeClr val="dk1">
@@ -3204,6 +3394,9 @@
                 <a:spcPct val="100000"/>
               </a:lnSpc>
               <a:buNone/>
+              <a:tabLst>
+                <a:tab algn="l" pos="0"/>
+              </a:tabLst>
             </a:pPr>
             <a:r>
               <a:rPr b="0" lang="en-US" sz="900" strike="noStrike" u="none">
@@ -3242,7 +3435,7 @@
         <p:spPr>
           <a:xfrm>
             <a:off x="3124080" y="4767120"/>
-            <a:ext cx="2895120" cy="273600"/>
+            <a:ext cx="2894760" cy="273240"/>
           </a:xfrm>
           <a:prstGeom prst="rect">
             <a:avLst/>
@@ -3258,7 +3451,13 @@
           </a:bodyPr>
           <a:lstStyle>
             <a:lvl1pPr indent="0" algn="ctr">
+              <a:lnSpc>
+                <a:spcPct val="100000"/>
+              </a:lnSpc>
               <a:buNone/>
+              <a:tabLst>
+                <a:tab algn="l" pos="0"/>
+              </a:tabLst>
               <a:defRPr b="0" lang="en-US" sz="1400" strike="noStrike" u="none">
                 <a:solidFill>
                   <a:srgbClr val="000000"/>
@@ -3271,7 +3470,13 @@
           </a:lstStyle>
           <a:p>
             <a:pPr indent="0" algn="ctr">
+              <a:lnSpc>
+                <a:spcPct val="100000"/>
+              </a:lnSpc>
               <a:buNone/>
+              <a:tabLst>
+                <a:tab algn="l" pos="0"/>
+              </a:tabLst>
             </a:pPr>
             <a:r>
               <a:rPr b="0" lang="en-US" sz="1400" strike="noStrike" u="none">
@@ -3308,7 +3513,7 @@
         <p:spPr>
           <a:xfrm>
             <a:off x="6553080" y="4767120"/>
-            <a:ext cx="2133360" cy="273600"/>
+            <a:ext cx="2133000" cy="273240"/>
           </a:xfrm>
           <a:prstGeom prst="rect">
             <a:avLst/>
@@ -3328,6 +3533,9 @@
                 <a:spcPct val="100000"/>
               </a:lnSpc>
               <a:buNone/>
+              <a:tabLst>
+                <a:tab algn="l" pos="0"/>
+              </a:tabLst>
               <a:defRPr b="0" lang="en-US" sz="900" strike="noStrike" u="none">
                 <a:solidFill>
                   <a:schemeClr val="dk1">
@@ -3346,8 +3554,11 @@
                 <a:spcPct val="100000"/>
               </a:lnSpc>
               <a:buNone/>
-            </a:pPr>
-            <a:fld id="{20303C6C-D465-4DF0-B150-2F5B611A0DA6}" type="slidenum">
+              <a:tabLst>
+                <a:tab algn="l" pos="0"/>
+              </a:tabLst>
+            </a:pPr>
+            <a:fld id="{C8A90C5F-ED68-4B2C-A58B-3EC85D3EBCB8}" type="slidenum">
               <a:rPr b="0" lang="en-US" sz="900" strike="noStrike" u="none">
                 <a:solidFill>
                   <a:schemeClr val="dk1">
@@ -3377,8 +3588,8 @@
 </file>
 
 <file path=ppt/slideLayouts/slideLayout6.xml><?xml version="1.0" encoding="utf-8"?>
-<p:sldLayout xmlns:a="http://schemas.openxmlformats.org/drawingml/2006/main" xmlns:p="http://schemas.openxmlformats.org/presentationml/2006/main" xmlns:r="http://schemas.openxmlformats.org/officeDocument/2006/relationships" xmlns:p14="http://schemas.microsoft.com/office/powerpoint/2010/main" xmlns:p15="http://schemas.microsoft.com/office/powerpoint/2012/main" xmlns:mc="http://schemas.openxmlformats.org/markup-compatibility/2006" type="twoObj" preserve="1">
-  <p:cSld name="Two Content">
+<p:sldLayout xmlns:a="http://schemas.openxmlformats.org/drawingml/2006/main" xmlns:p="http://schemas.openxmlformats.org/presentationml/2006/main" xmlns:r="http://schemas.openxmlformats.org/officeDocument/2006/relationships" xmlns:p14="http://schemas.microsoft.com/office/powerpoint/2010/main" xmlns:p15="http://schemas.microsoft.com/office/powerpoint/2012/main" xmlns:mc="http://schemas.openxmlformats.org/markup-compatibility/2006" type="vertTitleAndTx" preserve="1">
+  <p:cSld name="Vertical Title and Text">
     <p:bg>
       <p:bgPr>
         <a:solidFill>
@@ -3412,8 +3623,8 @@
         </p:nvSpPr>
         <p:spPr>
           <a:xfrm>
-            <a:off x="457200" y="205920"/>
-            <a:ext cx="8229240" cy="856800"/>
+            <a:off x="6629400" y="205920"/>
+            <a:ext cx="2056680" cy="4388040"/>
           </a:xfrm>
           <a:prstGeom prst="rect">
             <a:avLst/>
@@ -3424,7 +3635,7 @@
           </a:ln>
         </p:spPr>
         <p:txBody>
-          <a:bodyPr lIns="91440" rIns="91440" tIns="45720" bIns="45720" anchor="ctr">
+          <a:bodyPr lIns="91440" rIns="91440" tIns="45720" bIns="45720" anchor="ctr" vert="eaVert">
             <a:noAutofit/>
           </a:bodyPr>
           <a:p>
@@ -3433,6 +3644,9 @@
                 <a:spcPct val="100000"/>
               </a:lnSpc>
               <a:buNone/>
+              <a:tabLst>
+                <a:tab algn="l" pos="0"/>
+              </a:tabLst>
             </a:pPr>
             <a:r>
               <a:rPr b="0" lang="en-US" sz="3300" strike="noStrike" u="none">
@@ -3447,11 +3661,11 @@
             </a:r>
             <a:endParaRPr b="0" lang="en-US" sz="3300" strike="noStrike" u="none">
               <a:solidFill>
-                <a:schemeClr val="dk1"/>
-              </a:solidFill>
-              <a:effectLst/>
-              <a:uFillTx/>
-              <a:latin typeface="Calibri"/>
+                <a:srgbClr val="000000"/>
+              </a:solidFill>
+              <a:effectLst/>
+              <a:uFillTx/>
+              <a:latin typeface="Arial"/>
             </a:endParaRPr>
           </a:p>
         </p:txBody>
@@ -3468,8 +3682,8 @@
         </p:nvSpPr>
         <p:spPr>
           <a:xfrm>
-            <a:off x="457200" y="1200240"/>
-            <a:ext cx="4038120" cy="3394080"/>
+            <a:off x="457200" y="205920"/>
+            <a:ext cx="6019200" cy="4388040"/>
           </a:xfrm>
           <a:prstGeom prst="rect">
             <a:avLst/>
@@ -3480,7 +3694,7 @@
           </a:ln>
         </p:spPr>
         <p:txBody>
-          <a:bodyPr lIns="91440" rIns="91440" tIns="45720" bIns="45720" anchor="t">
+          <a:bodyPr lIns="91440" rIns="91440" tIns="45720" bIns="45720" anchor="t" vert="eaVert">
             <a:noAutofit/>
           </a:bodyPr>
           <a:p>
@@ -3489,7 +3703,7 @@
                 <a:spcPct val="100000"/>
               </a:lnSpc>
               <a:spcBef>
-                <a:spcPts val="420"/>
+                <a:spcPts val="479"/>
               </a:spcBef>
               <a:buClr>
                 <a:srgbClr val="000000"/>
@@ -3498,7 +3712,7 @@
               <a:buChar char="•"/>
             </a:pPr>
             <a:r>
-              <a:rPr b="0" lang="en-US" sz="2100" strike="noStrike" u="none">
+              <a:rPr b="0" lang="en-US" sz="2400" strike="noStrike" u="none">
                 <a:solidFill>
                   <a:schemeClr val="dk1"/>
                 </a:solidFill>
@@ -3508,13 +3722,13 @@
               </a:rPr>
               <a:t>Click to edit Master text styles</a:t>
             </a:r>
-            <a:endParaRPr b="0" lang="en-US" sz="2100" strike="noStrike" u="none">
-              <a:solidFill>
-                <a:schemeClr val="dk1"/>
-              </a:solidFill>
-              <a:effectLst/>
-              <a:uFillTx/>
-              <a:latin typeface="Calibri"/>
+            <a:endParaRPr b="0" lang="en-US" sz="2400" strike="noStrike" u="none">
+              <a:solidFill>
+                <a:srgbClr val="000000"/>
+              </a:solidFill>
+              <a:effectLst/>
+              <a:uFillTx/>
+              <a:latin typeface="Arial"/>
             </a:endParaRPr>
           </a:p>
           <a:p>
@@ -3523,7 +3737,7 @@
                 <a:spcPct val="100000"/>
               </a:lnSpc>
               <a:spcBef>
-                <a:spcPts val="360"/>
+                <a:spcPts val="420"/>
               </a:spcBef>
               <a:buClr>
                 <a:srgbClr val="000000"/>
@@ -3532,7 +3746,7 @@
               <a:buChar char="–"/>
             </a:pPr>
             <a:r>
-              <a:rPr b="0" lang="en-US" sz="1800" strike="noStrike" u="none">
+              <a:rPr b="0" lang="en-US" sz="2100" strike="noStrike" u="none">
                 <a:solidFill>
                   <a:schemeClr val="dk1"/>
                 </a:solidFill>
@@ -3542,13 +3756,13 @@
               </a:rPr>
               <a:t>Second level</a:t>
             </a:r>
-            <a:endParaRPr b="0" lang="en-US" sz="1800" strike="noStrike" u="none">
-              <a:solidFill>
-                <a:schemeClr val="dk1"/>
-              </a:solidFill>
-              <a:effectLst/>
-              <a:uFillTx/>
-              <a:latin typeface="Calibri"/>
+            <a:endParaRPr b="0" lang="en-US" sz="2100" strike="noStrike" u="none">
+              <a:solidFill>
+                <a:srgbClr val="000000"/>
+              </a:solidFill>
+              <a:effectLst/>
+              <a:uFillTx/>
+              <a:latin typeface="Arial"/>
             </a:endParaRPr>
           </a:p>
           <a:p>
@@ -3557,7 +3771,7 @@
                 <a:spcPct val="100000"/>
               </a:lnSpc>
               <a:spcBef>
-                <a:spcPts val="300"/>
+                <a:spcPts val="360"/>
               </a:spcBef>
               <a:buClr>
                 <a:srgbClr val="000000"/>
@@ -3566,7 +3780,7 @@
               <a:buChar char="•"/>
             </a:pPr>
             <a:r>
-              <a:rPr b="0" lang="en-US" sz="1500" strike="noStrike" u="none">
+              <a:rPr b="0" lang="en-US" sz="1800" strike="noStrike" u="none">
                 <a:solidFill>
                   <a:schemeClr val="dk1"/>
                 </a:solidFill>
@@ -3576,13 +3790,13 @@
               </a:rPr>
               <a:t>Third level</a:t>
             </a:r>
-            <a:endParaRPr b="0" lang="en-US" sz="1500" strike="noStrike" u="none">
-              <a:solidFill>
-                <a:schemeClr val="dk1"/>
-              </a:solidFill>
-              <a:effectLst/>
-              <a:uFillTx/>
-              <a:latin typeface="Calibri"/>
+            <a:endParaRPr b="0" lang="en-US" sz="1800" strike="noStrike" u="none">
+              <a:solidFill>
+                <a:srgbClr val="000000"/>
+              </a:solidFill>
+              <a:effectLst/>
+              <a:uFillTx/>
+              <a:latin typeface="Arial"/>
             </a:endParaRPr>
           </a:p>
           <a:p>
@@ -3591,7 +3805,7 @@
                 <a:spcPct val="100000"/>
               </a:lnSpc>
               <a:spcBef>
-                <a:spcPts val="269"/>
+                <a:spcPts val="300"/>
               </a:spcBef>
               <a:buClr>
                 <a:srgbClr val="000000"/>
@@ -3600,7 +3814,7 @@
               <a:buChar char="–"/>
             </a:pPr>
             <a:r>
-              <a:rPr b="0" lang="en-US" sz="1350" strike="noStrike" u="none">
+              <a:rPr b="0" lang="en-US" sz="1500" strike="noStrike" u="none">
                 <a:solidFill>
                   <a:schemeClr val="dk1"/>
                 </a:solidFill>
@@ -3610,13 +3824,13 @@
               </a:rPr>
               <a:t>Fourth level</a:t>
             </a:r>
-            <a:endParaRPr b="0" lang="en-US" sz="1350" strike="noStrike" u="none">
-              <a:solidFill>
-                <a:schemeClr val="dk1"/>
-              </a:solidFill>
-              <a:effectLst/>
-              <a:uFillTx/>
-              <a:latin typeface="Calibri"/>
+            <a:endParaRPr b="0" lang="en-US" sz="1500" strike="noStrike" u="none">
+              <a:solidFill>
+                <a:srgbClr val="000000"/>
+              </a:solidFill>
+              <a:effectLst/>
+              <a:uFillTx/>
+              <a:latin typeface="Arial"/>
             </a:endParaRPr>
           </a:p>
           <a:p>
@@ -3625,7 +3839,7 @@
                 <a:spcPct val="100000"/>
               </a:lnSpc>
               <a:spcBef>
-                <a:spcPts val="269"/>
+                <a:spcPts val="300"/>
               </a:spcBef>
               <a:buClr>
                 <a:srgbClr val="000000"/>
@@ -3634,7 +3848,7 @@
               <a:buChar char="»"/>
             </a:pPr>
             <a:r>
-              <a:rPr b="0" lang="en-US" sz="1350" strike="noStrike" u="none">
+              <a:rPr b="0" lang="en-US" sz="1500" strike="noStrike" u="none">
                 <a:solidFill>
                   <a:schemeClr val="dk1"/>
                 </a:solidFill>
@@ -3644,13 +3858,13 @@
               </a:rPr>
               <a:t>Fifth level</a:t>
             </a:r>
-            <a:endParaRPr b="0" lang="en-US" sz="1350" strike="noStrike" u="none">
-              <a:solidFill>
-                <a:schemeClr val="dk1"/>
-              </a:solidFill>
-              <a:effectLst/>
-              <a:uFillTx/>
-              <a:latin typeface="Calibri"/>
+            <a:endParaRPr b="0" lang="en-US" sz="1500" strike="noStrike" u="none">
+              <a:solidFill>
+                <a:srgbClr val="000000"/>
+              </a:solidFill>
+              <a:effectLst/>
+              <a:uFillTx/>
+              <a:latin typeface="Arial"/>
             </a:endParaRPr>
           </a:p>
         </p:txBody>
@@ -3658,205 +3872,6 @@
       <p:sp>
         <p:nvSpPr>
           <p:cNvPr id="26" name="PlaceHolder 3"/>
-          <p:cNvSpPr>
-            <a:spLocks noGrp="1"/>
-          </p:cNvSpPr>
-          <p:nvPr>
-            <p:ph type="body"/>
-          </p:nvPr>
-        </p:nvSpPr>
-        <p:spPr>
-          <a:xfrm>
-            <a:off x="4648320" y="1200240"/>
-            <a:ext cx="4038120" cy="3394080"/>
-          </a:xfrm>
-          <a:prstGeom prst="rect">
-            <a:avLst/>
-          </a:prstGeom>
-          <a:noFill/>
-          <a:ln w="0">
-            <a:noFill/>
-          </a:ln>
-        </p:spPr>
-        <p:txBody>
-          <a:bodyPr lIns="91440" rIns="91440" tIns="45720" bIns="45720" anchor="t">
-            <a:noAutofit/>
-          </a:bodyPr>
-          <a:p>
-            <a:pPr marL="343080" indent="-343080" defTabSz="343080">
-              <a:lnSpc>
-                <a:spcPct val="100000"/>
-              </a:lnSpc>
-              <a:spcBef>
-                <a:spcPts val="420"/>
-              </a:spcBef>
-              <a:buClr>
-                <a:srgbClr val="000000"/>
-              </a:buClr>
-              <a:buFont typeface="Arial"/>
-              <a:buChar char="•"/>
-            </a:pPr>
-            <a:r>
-              <a:rPr b="0" lang="en-US" sz="2100" strike="noStrike" u="none">
-                <a:solidFill>
-                  <a:schemeClr val="dk1"/>
-                </a:solidFill>
-                <a:effectLst/>
-                <a:uFillTx/>
-                <a:latin typeface="Calibri"/>
-              </a:rPr>
-              <a:t>Click to edit Master text styles</a:t>
-            </a:r>
-            <a:endParaRPr b="0" lang="en-US" sz="2100" strike="noStrike" u="none">
-              <a:solidFill>
-                <a:schemeClr val="dk1"/>
-              </a:solidFill>
-              <a:effectLst/>
-              <a:uFillTx/>
-              <a:latin typeface="Calibri"/>
-            </a:endParaRPr>
-          </a:p>
-          <a:p>
-            <a:pPr lvl="1" marL="685800" indent="-343080" defTabSz="343080">
-              <a:lnSpc>
-                <a:spcPct val="100000"/>
-              </a:lnSpc>
-              <a:spcBef>
-                <a:spcPts val="360"/>
-              </a:spcBef>
-              <a:buClr>
-                <a:srgbClr val="000000"/>
-              </a:buClr>
-              <a:buFont typeface="Arial"/>
-              <a:buChar char="–"/>
-            </a:pPr>
-            <a:r>
-              <a:rPr b="0" lang="en-US" sz="1800" strike="noStrike" u="none">
-                <a:solidFill>
-                  <a:schemeClr val="dk1"/>
-                </a:solidFill>
-                <a:effectLst/>
-                <a:uFillTx/>
-                <a:latin typeface="Calibri"/>
-              </a:rPr>
-              <a:t>Second level</a:t>
-            </a:r>
-            <a:endParaRPr b="0" lang="en-US" sz="1800" strike="noStrike" u="none">
-              <a:solidFill>
-                <a:schemeClr val="dk1"/>
-              </a:solidFill>
-              <a:effectLst/>
-              <a:uFillTx/>
-              <a:latin typeface="Calibri"/>
-            </a:endParaRPr>
-          </a:p>
-          <a:p>
-            <a:pPr lvl="2" marL="1028880" indent="-343080" defTabSz="343080">
-              <a:lnSpc>
-                <a:spcPct val="100000"/>
-              </a:lnSpc>
-              <a:spcBef>
-                <a:spcPts val="300"/>
-              </a:spcBef>
-              <a:buClr>
-                <a:srgbClr val="000000"/>
-              </a:buClr>
-              <a:buFont typeface="Arial"/>
-              <a:buChar char="•"/>
-            </a:pPr>
-            <a:r>
-              <a:rPr b="0" lang="en-US" sz="1500" strike="noStrike" u="none">
-                <a:solidFill>
-                  <a:schemeClr val="dk1"/>
-                </a:solidFill>
-                <a:effectLst/>
-                <a:uFillTx/>
-                <a:latin typeface="Calibri"/>
-              </a:rPr>
-              <a:t>Third level</a:t>
-            </a:r>
-            <a:endParaRPr b="0" lang="en-US" sz="1500" strike="noStrike" u="none">
-              <a:solidFill>
-                <a:schemeClr val="dk1"/>
-              </a:solidFill>
-              <a:effectLst/>
-              <a:uFillTx/>
-              <a:latin typeface="Calibri"/>
-            </a:endParaRPr>
-          </a:p>
-          <a:p>
-            <a:pPr lvl="3" marL="1371600" indent="-343080" defTabSz="343080">
-              <a:lnSpc>
-                <a:spcPct val="100000"/>
-              </a:lnSpc>
-              <a:spcBef>
-                <a:spcPts val="269"/>
-              </a:spcBef>
-              <a:buClr>
-                <a:srgbClr val="000000"/>
-              </a:buClr>
-              <a:buFont typeface="Arial"/>
-              <a:buChar char="–"/>
-            </a:pPr>
-            <a:r>
-              <a:rPr b="0" lang="en-US" sz="1350" strike="noStrike" u="none">
-                <a:solidFill>
-                  <a:schemeClr val="dk1"/>
-                </a:solidFill>
-                <a:effectLst/>
-                <a:uFillTx/>
-                <a:latin typeface="Calibri"/>
-              </a:rPr>
-              <a:t>Fourth level</a:t>
-            </a:r>
-            <a:endParaRPr b="0" lang="en-US" sz="1350" strike="noStrike" u="none">
-              <a:solidFill>
-                <a:schemeClr val="dk1"/>
-              </a:solidFill>
-              <a:effectLst/>
-              <a:uFillTx/>
-              <a:latin typeface="Calibri"/>
-            </a:endParaRPr>
-          </a:p>
-          <a:p>
-            <a:pPr lvl="4" marL="1714680" indent="-343080" defTabSz="343080">
-              <a:lnSpc>
-                <a:spcPct val="100000"/>
-              </a:lnSpc>
-              <a:spcBef>
-                <a:spcPts val="269"/>
-              </a:spcBef>
-              <a:buClr>
-                <a:srgbClr val="000000"/>
-              </a:buClr>
-              <a:buFont typeface="Arial"/>
-              <a:buChar char="»"/>
-            </a:pPr>
-            <a:r>
-              <a:rPr b="0" lang="en-US" sz="1350" strike="noStrike" u="none">
-                <a:solidFill>
-                  <a:schemeClr val="dk1"/>
-                </a:solidFill>
-                <a:effectLst/>
-                <a:uFillTx/>
-                <a:latin typeface="Calibri"/>
-              </a:rPr>
-              <a:t>Fifth level</a:t>
-            </a:r>
-            <a:endParaRPr b="0" lang="en-US" sz="1350" strike="noStrike" u="none">
-              <a:solidFill>
-                <a:schemeClr val="dk1"/>
-              </a:solidFill>
-              <a:effectLst/>
-              <a:uFillTx/>
-              <a:latin typeface="Calibri"/>
-            </a:endParaRPr>
-          </a:p>
-        </p:txBody>
-      </p:sp>
-      <p:sp>
-        <p:nvSpPr>
-          <p:cNvPr id="27" name="PlaceHolder 4"/>
           <p:cNvSpPr>
             <a:spLocks noGrp="1"/>
           </p:cNvSpPr>
@@ -3867,7 +3882,7 @@
         <p:spPr>
           <a:xfrm>
             <a:off x="457200" y="4767120"/>
-            <a:ext cx="2133360" cy="273600"/>
+            <a:ext cx="2133000" cy="273240"/>
           </a:xfrm>
           <a:prstGeom prst="rect">
             <a:avLst/>
@@ -3887,6 +3902,9 @@
                 <a:spcPct val="100000"/>
               </a:lnSpc>
               <a:buNone/>
+              <a:tabLst>
+                <a:tab algn="l" pos="0"/>
+              </a:tabLst>
               <a:defRPr b="0" lang="en-US" sz="900" strike="noStrike" u="none">
                 <a:solidFill>
                   <a:schemeClr val="dk1">
@@ -3905,6 +3923,9 @@
                 <a:spcPct val="100000"/>
               </a:lnSpc>
               <a:buNone/>
+              <a:tabLst>
+                <a:tab algn="l" pos="0"/>
+              </a:tabLst>
             </a:pPr>
             <a:r>
               <a:rPr b="0" lang="en-US" sz="900" strike="noStrike" u="none">
@@ -3932,7 +3953,7 @@
       </p:sp>
       <p:sp>
         <p:nvSpPr>
-          <p:cNvPr id="28" name="PlaceHolder 5"/>
+          <p:cNvPr id="27" name="PlaceHolder 4"/>
           <p:cNvSpPr>
             <a:spLocks noGrp="1"/>
           </p:cNvSpPr>
@@ -3943,7 +3964,7 @@
         <p:spPr>
           <a:xfrm>
             <a:off x="3124080" y="4767120"/>
-            <a:ext cx="2895120" cy="273600"/>
+            <a:ext cx="2894760" cy="273240"/>
           </a:xfrm>
           <a:prstGeom prst="rect">
             <a:avLst/>
@@ -3959,7 +3980,13 @@
           </a:bodyPr>
           <a:lstStyle>
             <a:lvl1pPr indent="0" algn="ctr">
+              <a:lnSpc>
+                <a:spcPct val="100000"/>
+              </a:lnSpc>
               <a:buNone/>
+              <a:tabLst>
+                <a:tab algn="l" pos="0"/>
+              </a:tabLst>
               <a:defRPr b="0" lang="en-US" sz="1400" strike="noStrike" u="none">
                 <a:solidFill>
                   <a:srgbClr val="000000"/>
@@ -3972,7 +3999,13 @@
           </a:lstStyle>
           <a:p>
             <a:pPr indent="0" algn="ctr">
+              <a:lnSpc>
+                <a:spcPct val="100000"/>
+              </a:lnSpc>
               <a:buNone/>
+              <a:tabLst>
+                <a:tab algn="l" pos="0"/>
+              </a:tabLst>
             </a:pPr>
             <a:r>
               <a:rPr b="0" lang="en-US" sz="1400" strike="noStrike" u="none">
@@ -3998,7 +4031,7 @@
       </p:sp>
       <p:sp>
         <p:nvSpPr>
-          <p:cNvPr id="29" name="PlaceHolder 6"/>
+          <p:cNvPr id="28" name="PlaceHolder 5"/>
           <p:cNvSpPr>
             <a:spLocks noGrp="1"/>
           </p:cNvSpPr>
@@ -4009,7 +4042,7 @@
         <p:spPr>
           <a:xfrm>
             <a:off x="6553080" y="4767120"/>
-            <a:ext cx="2133360" cy="273600"/>
+            <a:ext cx="2133000" cy="273240"/>
           </a:xfrm>
           <a:prstGeom prst="rect">
             <a:avLst/>
@@ -4029,6 +4062,9 @@
                 <a:spcPct val="100000"/>
               </a:lnSpc>
               <a:buNone/>
+              <a:tabLst>
+                <a:tab algn="l" pos="0"/>
+              </a:tabLst>
               <a:defRPr b="0" lang="en-US" sz="900" strike="noStrike" u="none">
                 <a:solidFill>
                   <a:schemeClr val="dk1">
@@ -4047,8 +4083,11 @@
                 <a:spcPct val="100000"/>
               </a:lnSpc>
               <a:buNone/>
-            </a:pPr>
-            <a:fld id="{09CF89D4-305E-4892-9B1E-E45EBDB48997}" type="slidenum">
+              <a:tabLst>
+                <a:tab algn="l" pos="0"/>
+              </a:tabLst>
+            </a:pPr>
+            <a:fld id="{BA8B0658-D43B-417F-B238-31550A26DF13}" type="slidenum">
               <a:rPr b="0" lang="en-US" sz="900" strike="noStrike" u="none">
                 <a:solidFill>
                   <a:schemeClr val="dk1">
@@ -4078,8 +4117,8 @@
 </file>
 
 <file path=ppt/slideLayouts/slideLayout7.xml><?xml version="1.0" encoding="utf-8"?>
-<p:sldLayout xmlns:a="http://schemas.openxmlformats.org/drawingml/2006/main" xmlns:p="http://schemas.openxmlformats.org/presentationml/2006/main" xmlns:r="http://schemas.openxmlformats.org/officeDocument/2006/relationships" xmlns:p14="http://schemas.microsoft.com/office/powerpoint/2010/main" xmlns:p15="http://schemas.microsoft.com/office/powerpoint/2012/main" xmlns:mc="http://schemas.openxmlformats.org/markup-compatibility/2006" type="blank" preserve="1">
-  <p:cSld name="Comparison">
+<p:sldLayout xmlns:a="http://schemas.openxmlformats.org/drawingml/2006/main" xmlns:p="http://schemas.openxmlformats.org/presentationml/2006/main" xmlns:r="http://schemas.openxmlformats.org/officeDocument/2006/relationships" xmlns:p14="http://schemas.microsoft.com/office/powerpoint/2010/main" xmlns:p15="http://schemas.microsoft.com/office/powerpoint/2012/main" xmlns:mc="http://schemas.openxmlformats.org/markup-compatibility/2006" type="obj" preserve="1">
+  <p:cSld name="Title and Content">
     <p:bg>
       <p:bgPr>
         <a:solidFill>
@@ -4103,7 +4142,7 @@
       </p:grpSpPr>
       <p:sp>
         <p:nvSpPr>
-          <p:cNvPr id="30" name="PlaceHolder 1"/>
+          <p:cNvPr id="29" name="PlaceHolder 1"/>
           <p:cNvSpPr>
             <a:spLocks noGrp="1"/>
           </p:cNvSpPr>
@@ -4114,7 +4153,7 @@
         <p:spPr>
           <a:xfrm>
             <a:off x="457200" y="205920"/>
-            <a:ext cx="8229240" cy="856800"/>
+            <a:ext cx="8228880" cy="856440"/>
           </a:xfrm>
           <a:prstGeom prst="rect">
             <a:avLst/>
@@ -4134,6 +4173,9 @@
                 <a:spcPct val="100000"/>
               </a:lnSpc>
               <a:buNone/>
+              <a:tabLst>
+                <a:tab algn="l" pos="0"/>
+              </a:tabLst>
             </a:pPr>
             <a:r>
               <a:rPr b="0" lang="en-US" sz="3300" strike="noStrike" u="none">
@@ -4148,18 +4190,18 @@
             </a:r>
             <a:endParaRPr b="0" lang="en-US" sz="3300" strike="noStrike" u="none">
               <a:solidFill>
-                <a:schemeClr val="dk1"/>
-              </a:solidFill>
-              <a:effectLst/>
-              <a:uFillTx/>
-              <a:latin typeface="Calibri"/>
+                <a:srgbClr val="000000"/>
+              </a:solidFill>
+              <a:effectLst/>
+              <a:uFillTx/>
+              <a:latin typeface="Arial"/>
             </a:endParaRPr>
           </a:p>
         </p:txBody>
       </p:sp>
       <p:sp>
         <p:nvSpPr>
-          <p:cNvPr id="31" name="PlaceHolder 2"/>
+          <p:cNvPr id="30" name="PlaceHolder 2"/>
           <p:cNvSpPr>
             <a:spLocks noGrp="1"/>
           </p:cNvSpPr>
@@ -4169,70 +4211,8 @@
         </p:nvSpPr>
         <p:spPr>
           <a:xfrm>
-            <a:off x="457200" y="1151280"/>
-            <a:ext cx="4039920" cy="479520"/>
-          </a:xfrm>
-          <a:prstGeom prst="rect">
-            <a:avLst/>
-          </a:prstGeom>
-          <a:noFill/>
-          <a:ln w="0">
-            <a:noFill/>
-          </a:ln>
-        </p:spPr>
-        <p:txBody>
-          <a:bodyPr lIns="91440" rIns="91440" tIns="45720" bIns="45720" anchor="b">
-            <a:noAutofit/>
-          </a:bodyPr>
-          <a:p>
-            <a:pPr indent="0" defTabSz="343080">
-              <a:lnSpc>
-                <a:spcPct val="100000"/>
-              </a:lnSpc>
-              <a:spcBef>
-                <a:spcPts val="360"/>
-              </a:spcBef>
-              <a:buNone/>
-              <a:tabLst>
-                <a:tab algn="l" pos="0"/>
-              </a:tabLst>
-            </a:pPr>
-            <a:r>
-              <a:rPr b="1" lang="en-US" sz="1800" strike="noStrike" u="none">
-                <a:solidFill>
-                  <a:schemeClr val="dk1"/>
-                </a:solidFill>
-                <a:effectLst/>
-                <a:uFillTx/>
-                <a:latin typeface="Calibri"/>
-              </a:rPr>
-              <a:t>Click to edit Master text styles</a:t>
-            </a:r>
-            <a:endParaRPr b="0" lang="en-US" sz="1800" strike="noStrike" u="none">
-              <a:solidFill>
-                <a:schemeClr val="dk1"/>
-              </a:solidFill>
-              <a:effectLst/>
-              <a:uFillTx/>
-              <a:latin typeface="Calibri"/>
-            </a:endParaRPr>
-          </a:p>
-        </p:txBody>
-      </p:sp>
-      <p:sp>
-        <p:nvSpPr>
-          <p:cNvPr id="32" name="PlaceHolder 3"/>
-          <p:cNvSpPr>
-            <a:spLocks noGrp="1"/>
-          </p:cNvSpPr>
-          <p:nvPr>
-            <p:ph type="body"/>
-          </p:nvPr>
-        </p:nvSpPr>
-        <p:spPr>
-          <a:xfrm>
-            <a:off x="457200" y="1631160"/>
-            <a:ext cx="4039920" cy="2963160"/>
+            <a:off x="457200" y="1200240"/>
+            <a:ext cx="8228880" cy="3393720"/>
           </a:xfrm>
           <a:prstGeom prst="rect">
             <a:avLst/>
@@ -4252,7 +4232,7 @@
                 <a:spcPct val="100000"/>
               </a:lnSpc>
               <a:spcBef>
-                <a:spcPts val="360"/>
+                <a:spcPts val="479"/>
               </a:spcBef>
               <a:buClr>
                 <a:srgbClr val="000000"/>
@@ -4261,7 +4241,7 @@
               <a:buChar char="•"/>
             </a:pPr>
             <a:r>
-              <a:rPr b="0" lang="en-US" sz="1800" strike="noStrike" u="none">
+              <a:rPr b="0" lang="en-US" sz="2400" strike="noStrike" u="none">
                 <a:solidFill>
                   <a:schemeClr val="dk1"/>
                 </a:solidFill>
@@ -4271,13 +4251,13 @@
               </a:rPr>
               <a:t>Click to edit Master text styles</a:t>
             </a:r>
-            <a:endParaRPr b="0" lang="en-US" sz="1800" strike="noStrike" u="none">
-              <a:solidFill>
-                <a:schemeClr val="dk1"/>
-              </a:solidFill>
-              <a:effectLst/>
-              <a:uFillTx/>
-              <a:latin typeface="Calibri"/>
+            <a:endParaRPr b="0" lang="en-US" sz="2400" strike="noStrike" u="none">
+              <a:solidFill>
+                <a:srgbClr val="000000"/>
+              </a:solidFill>
+              <a:effectLst/>
+              <a:uFillTx/>
+              <a:latin typeface="Arial"/>
             </a:endParaRPr>
           </a:p>
           <a:p>
@@ -4286,7 +4266,7 @@
                 <a:spcPct val="100000"/>
               </a:lnSpc>
               <a:spcBef>
-                <a:spcPts val="300"/>
+                <a:spcPts val="420"/>
               </a:spcBef>
               <a:buClr>
                 <a:srgbClr val="000000"/>
@@ -4295,7 +4275,7 @@
               <a:buChar char="–"/>
             </a:pPr>
             <a:r>
-              <a:rPr b="0" lang="en-US" sz="1500" strike="noStrike" u="none">
+              <a:rPr b="0" lang="en-US" sz="2100" strike="noStrike" u="none">
                 <a:solidFill>
                   <a:schemeClr val="dk1"/>
                 </a:solidFill>
@@ -4305,13 +4285,13 @@
               </a:rPr>
               <a:t>Second level</a:t>
             </a:r>
-            <a:endParaRPr b="0" lang="en-US" sz="1500" strike="noStrike" u="none">
-              <a:solidFill>
-                <a:schemeClr val="dk1"/>
-              </a:solidFill>
-              <a:effectLst/>
-              <a:uFillTx/>
-              <a:latin typeface="Calibri"/>
+            <a:endParaRPr b="0" lang="en-US" sz="2100" strike="noStrike" u="none">
+              <a:solidFill>
+                <a:srgbClr val="000000"/>
+              </a:solidFill>
+              <a:effectLst/>
+              <a:uFillTx/>
+              <a:latin typeface="Arial"/>
             </a:endParaRPr>
           </a:p>
           <a:p>
@@ -4320,7 +4300,7 @@
                 <a:spcPct val="100000"/>
               </a:lnSpc>
               <a:spcBef>
-                <a:spcPts val="269"/>
+                <a:spcPts val="360"/>
               </a:spcBef>
               <a:buClr>
                 <a:srgbClr val="000000"/>
@@ -4329,7 +4309,7 @@
               <a:buChar char="•"/>
             </a:pPr>
             <a:r>
-              <a:rPr b="0" lang="en-US" sz="1350" strike="noStrike" u="none">
+              <a:rPr b="0" lang="en-US" sz="1800" strike="noStrike" u="none">
                 <a:solidFill>
                   <a:schemeClr val="dk1"/>
                 </a:solidFill>
@@ -4339,13 +4319,13 @@
               </a:rPr>
               <a:t>Third level</a:t>
             </a:r>
-            <a:endParaRPr b="0" lang="en-US" sz="1350" strike="noStrike" u="none">
-              <a:solidFill>
-                <a:schemeClr val="dk1"/>
-              </a:solidFill>
-              <a:effectLst/>
-              <a:uFillTx/>
-              <a:latin typeface="Calibri"/>
+            <a:endParaRPr b="0" lang="en-US" sz="1800" strike="noStrike" u="none">
+              <a:solidFill>
+                <a:srgbClr val="000000"/>
+              </a:solidFill>
+              <a:effectLst/>
+              <a:uFillTx/>
+              <a:latin typeface="Arial"/>
             </a:endParaRPr>
           </a:p>
           <a:p>
@@ -4354,7 +4334,7 @@
                 <a:spcPct val="100000"/>
               </a:lnSpc>
               <a:spcBef>
-                <a:spcPts val="241"/>
+                <a:spcPts val="300"/>
               </a:spcBef>
               <a:buClr>
                 <a:srgbClr val="000000"/>
@@ -4363,7 +4343,7 @@
               <a:buChar char="–"/>
             </a:pPr>
             <a:r>
-              <a:rPr b="0" lang="en-US" sz="1200" strike="noStrike" u="none">
+              <a:rPr b="0" lang="en-US" sz="1500" strike="noStrike" u="none">
                 <a:solidFill>
                   <a:schemeClr val="dk1"/>
                 </a:solidFill>
@@ -4373,13 +4353,13 @@
               </a:rPr>
               <a:t>Fourth level</a:t>
             </a:r>
-            <a:endParaRPr b="0" lang="en-US" sz="1200" strike="noStrike" u="none">
-              <a:solidFill>
-                <a:schemeClr val="dk1"/>
-              </a:solidFill>
-              <a:effectLst/>
-              <a:uFillTx/>
-              <a:latin typeface="Calibri"/>
+            <a:endParaRPr b="0" lang="en-US" sz="1500" strike="noStrike" u="none">
+              <a:solidFill>
+                <a:srgbClr val="000000"/>
+              </a:solidFill>
+              <a:effectLst/>
+              <a:uFillTx/>
+              <a:latin typeface="Arial"/>
             </a:endParaRPr>
           </a:p>
           <a:p>
@@ -4388,7 +4368,7 @@
                 <a:spcPct val="100000"/>
               </a:lnSpc>
               <a:spcBef>
-                <a:spcPts val="241"/>
+                <a:spcPts val="300"/>
               </a:spcBef>
               <a:buClr>
                 <a:srgbClr val="000000"/>
@@ -4397,7 +4377,7 @@
               <a:buChar char="»"/>
             </a:pPr>
             <a:r>
-              <a:rPr b="0" lang="en-US" sz="1200" strike="noStrike" u="none">
+              <a:rPr b="0" lang="en-US" sz="1500" strike="noStrike" u="none">
                 <a:solidFill>
                   <a:schemeClr val="dk1"/>
                 </a:solidFill>
@@ -4407,281 +4387,20 @@
               </a:rPr>
               <a:t>Fifth level</a:t>
             </a:r>
-            <a:endParaRPr b="0" lang="en-US" sz="1200" strike="noStrike" u="none">
-              <a:solidFill>
-                <a:schemeClr val="dk1"/>
-              </a:solidFill>
-              <a:effectLst/>
-              <a:uFillTx/>
-              <a:latin typeface="Calibri"/>
+            <a:endParaRPr b="0" lang="en-US" sz="1500" strike="noStrike" u="none">
+              <a:solidFill>
+                <a:srgbClr val="000000"/>
+              </a:solidFill>
+              <a:effectLst/>
+              <a:uFillTx/>
+              <a:latin typeface="Arial"/>
             </a:endParaRPr>
           </a:p>
         </p:txBody>
       </p:sp>
       <p:sp>
         <p:nvSpPr>
-          <p:cNvPr id="33" name="PlaceHolder 4"/>
-          <p:cNvSpPr>
-            <a:spLocks noGrp="1"/>
-          </p:cNvSpPr>
-          <p:nvPr>
-            <p:ph type="body"/>
-          </p:nvPr>
-        </p:nvSpPr>
-        <p:spPr>
-          <a:xfrm>
-            <a:off x="4645080" y="1151280"/>
-            <a:ext cx="4041360" cy="479520"/>
-          </a:xfrm>
-          <a:prstGeom prst="rect">
-            <a:avLst/>
-          </a:prstGeom>
-          <a:noFill/>
-          <a:ln w="0">
-            <a:noFill/>
-          </a:ln>
-        </p:spPr>
-        <p:txBody>
-          <a:bodyPr lIns="91440" rIns="91440" tIns="45720" bIns="45720" anchor="b">
-            <a:noAutofit/>
-          </a:bodyPr>
-          <a:p>
-            <a:pPr indent="0" defTabSz="343080">
-              <a:lnSpc>
-                <a:spcPct val="100000"/>
-              </a:lnSpc>
-              <a:spcBef>
-                <a:spcPts val="360"/>
-              </a:spcBef>
-              <a:buNone/>
-              <a:tabLst>
-                <a:tab algn="l" pos="0"/>
-              </a:tabLst>
-            </a:pPr>
-            <a:r>
-              <a:rPr b="1" lang="en-US" sz="1800" strike="noStrike" u="none">
-                <a:solidFill>
-                  <a:schemeClr val="dk1"/>
-                </a:solidFill>
-                <a:effectLst/>
-                <a:uFillTx/>
-                <a:latin typeface="Calibri"/>
-              </a:rPr>
-              <a:t>Click to edit Master text styles</a:t>
-            </a:r>
-            <a:endParaRPr b="0" lang="en-US" sz="1800" strike="noStrike" u="none">
-              <a:solidFill>
-                <a:schemeClr val="dk1"/>
-              </a:solidFill>
-              <a:effectLst/>
-              <a:uFillTx/>
-              <a:latin typeface="Calibri"/>
-            </a:endParaRPr>
-          </a:p>
-        </p:txBody>
-      </p:sp>
-      <p:sp>
-        <p:nvSpPr>
-          <p:cNvPr id="34" name="PlaceHolder 5"/>
-          <p:cNvSpPr>
-            <a:spLocks noGrp="1"/>
-          </p:cNvSpPr>
-          <p:nvPr>
-            <p:ph type="body"/>
-          </p:nvPr>
-        </p:nvSpPr>
-        <p:spPr>
-          <a:xfrm>
-            <a:off x="4645080" y="1631160"/>
-            <a:ext cx="4041360" cy="2963160"/>
-          </a:xfrm>
-          <a:prstGeom prst="rect">
-            <a:avLst/>
-          </a:prstGeom>
-          <a:noFill/>
-          <a:ln w="0">
-            <a:noFill/>
-          </a:ln>
-        </p:spPr>
-        <p:txBody>
-          <a:bodyPr lIns="91440" rIns="91440" tIns="45720" bIns="45720" anchor="t">
-            <a:noAutofit/>
-          </a:bodyPr>
-          <a:p>
-            <a:pPr marL="343080" indent="-343080" defTabSz="343080">
-              <a:lnSpc>
-                <a:spcPct val="100000"/>
-              </a:lnSpc>
-              <a:spcBef>
-                <a:spcPts val="360"/>
-              </a:spcBef>
-              <a:buClr>
-                <a:srgbClr val="000000"/>
-              </a:buClr>
-              <a:buFont typeface="Arial"/>
-              <a:buChar char="•"/>
-            </a:pPr>
-            <a:r>
-              <a:rPr b="0" lang="en-US" sz="1800" strike="noStrike" u="none">
-                <a:solidFill>
-                  <a:schemeClr val="dk1"/>
-                </a:solidFill>
-                <a:effectLst/>
-                <a:uFillTx/>
-                <a:latin typeface="Calibri"/>
-              </a:rPr>
-              <a:t>Click to edit Master text styles</a:t>
-            </a:r>
-            <a:endParaRPr b="0" lang="en-US" sz="1800" strike="noStrike" u="none">
-              <a:solidFill>
-                <a:schemeClr val="dk1"/>
-              </a:solidFill>
-              <a:effectLst/>
-              <a:uFillTx/>
-              <a:latin typeface="Calibri"/>
-            </a:endParaRPr>
-          </a:p>
-          <a:p>
-            <a:pPr lvl="1" marL="685800" indent="-343080" defTabSz="343080">
-              <a:lnSpc>
-                <a:spcPct val="100000"/>
-              </a:lnSpc>
-              <a:spcBef>
-                <a:spcPts val="300"/>
-              </a:spcBef>
-              <a:buClr>
-                <a:srgbClr val="000000"/>
-              </a:buClr>
-              <a:buFont typeface="Arial"/>
-              <a:buChar char="–"/>
-            </a:pPr>
-            <a:r>
-              <a:rPr b="0" lang="en-US" sz="1500" strike="noStrike" u="none">
-                <a:solidFill>
-                  <a:schemeClr val="dk1"/>
-                </a:solidFill>
-                <a:effectLst/>
-                <a:uFillTx/>
-                <a:latin typeface="Calibri"/>
-              </a:rPr>
-              <a:t>Second level</a:t>
-            </a:r>
-            <a:endParaRPr b="0" lang="en-US" sz="1500" strike="noStrike" u="none">
-              <a:solidFill>
-                <a:schemeClr val="dk1"/>
-              </a:solidFill>
-              <a:effectLst/>
-              <a:uFillTx/>
-              <a:latin typeface="Calibri"/>
-            </a:endParaRPr>
-          </a:p>
-          <a:p>
-            <a:pPr lvl="2" marL="1028880" indent="-343080" defTabSz="343080">
-              <a:lnSpc>
-                <a:spcPct val="100000"/>
-              </a:lnSpc>
-              <a:spcBef>
-                <a:spcPts val="269"/>
-              </a:spcBef>
-              <a:buClr>
-                <a:srgbClr val="000000"/>
-              </a:buClr>
-              <a:buFont typeface="Arial"/>
-              <a:buChar char="•"/>
-            </a:pPr>
-            <a:r>
-              <a:rPr b="0" lang="en-US" sz="1350" strike="noStrike" u="none">
-                <a:solidFill>
-                  <a:schemeClr val="dk1"/>
-                </a:solidFill>
-                <a:effectLst/>
-                <a:uFillTx/>
-                <a:latin typeface="Calibri"/>
-              </a:rPr>
-              <a:t>Third level</a:t>
-            </a:r>
-            <a:endParaRPr b="0" lang="en-US" sz="1350" strike="noStrike" u="none">
-              <a:solidFill>
-                <a:schemeClr val="dk1"/>
-              </a:solidFill>
-              <a:effectLst/>
-              <a:uFillTx/>
-              <a:latin typeface="Calibri"/>
-            </a:endParaRPr>
-          </a:p>
-          <a:p>
-            <a:pPr lvl="3" marL="1371600" indent="-343080" defTabSz="343080">
-              <a:lnSpc>
-                <a:spcPct val="100000"/>
-              </a:lnSpc>
-              <a:spcBef>
-                <a:spcPts val="241"/>
-              </a:spcBef>
-              <a:buClr>
-                <a:srgbClr val="000000"/>
-              </a:buClr>
-              <a:buFont typeface="Arial"/>
-              <a:buChar char="–"/>
-            </a:pPr>
-            <a:r>
-              <a:rPr b="0" lang="en-US" sz="1200" strike="noStrike" u="none">
-                <a:solidFill>
-                  <a:schemeClr val="dk1"/>
-                </a:solidFill>
-                <a:effectLst/>
-                <a:uFillTx/>
-                <a:latin typeface="Calibri"/>
-              </a:rPr>
-              <a:t>Fourth level</a:t>
-            </a:r>
-            <a:endParaRPr b="0" lang="en-US" sz="1200" strike="noStrike" u="none">
-              <a:solidFill>
-                <a:schemeClr val="dk1"/>
-              </a:solidFill>
-              <a:effectLst/>
-              <a:uFillTx/>
-              <a:latin typeface="Calibri"/>
-            </a:endParaRPr>
-          </a:p>
-          <a:p>
-            <a:pPr lvl="4" marL="1714680" indent="-343080" defTabSz="343080">
-              <a:lnSpc>
-                <a:spcPct val="100000"/>
-              </a:lnSpc>
-              <a:spcBef>
-                <a:spcPts val="241"/>
-              </a:spcBef>
-              <a:buClr>
-                <a:srgbClr val="000000"/>
-              </a:buClr>
-              <a:buFont typeface="Arial"/>
-              <a:buChar char="»"/>
-            </a:pPr>
-            <a:r>
-              <a:rPr b="0" lang="en-US" sz="1200" strike="noStrike" u="none">
-                <a:solidFill>
-                  <a:schemeClr val="dk1"/>
-                </a:solidFill>
-                <a:effectLst/>
-                <a:uFillTx/>
-                <a:latin typeface="Calibri"/>
-              </a:rPr>
-              <a:t>Fifth level</a:t>
-            </a:r>
-            <a:endParaRPr b="0" lang="en-US" sz="1200" strike="noStrike" u="none">
-              <a:solidFill>
-                <a:schemeClr val="dk1"/>
-              </a:solidFill>
-              <a:effectLst/>
-              <a:uFillTx/>
-              <a:latin typeface="Calibri"/>
-            </a:endParaRPr>
-          </a:p>
-        </p:txBody>
-      </p:sp>
-      <p:sp>
-        <p:nvSpPr>
-          <p:cNvPr id="35" name="PlaceHolder 6"/>
+          <p:cNvPr id="31" name="PlaceHolder 3"/>
           <p:cNvSpPr>
             <a:spLocks noGrp="1"/>
           </p:cNvSpPr>
@@ -4692,7 +4411,7 @@
         <p:spPr>
           <a:xfrm>
             <a:off x="457200" y="4767120"/>
-            <a:ext cx="2133360" cy="273600"/>
+            <a:ext cx="2133000" cy="273240"/>
           </a:xfrm>
           <a:prstGeom prst="rect">
             <a:avLst/>
@@ -4712,6 +4431,9 @@
                 <a:spcPct val="100000"/>
               </a:lnSpc>
               <a:buNone/>
+              <a:tabLst>
+                <a:tab algn="l" pos="0"/>
+              </a:tabLst>
               <a:defRPr b="0" lang="en-US" sz="900" strike="noStrike" u="none">
                 <a:solidFill>
                   <a:schemeClr val="dk1">
@@ -4730,6 +4452,9 @@
                 <a:spcPct val="100000"/>
               </a:lnSpc>
               <a:buNone/>
+              <a:tabLst>
+                <a:tab algn="l" pos="0"/>
+              </a:tabLst>
             </a:pPr>
             <a:r>
               <a:rPr b="0" lang="en-US" sz="900" strike="noStrike" u="none">
@@ -4757,7 +4482,7 @@
       </p:sp>
       <p:sp>
         <p:nvSpPr>
-          <p:cNvPr id="36" name="PlaceHolder 7"/>
+          <p:cNvPr id="32" name="PlaceHolder 4"/>
           <p:cNvSpPr>
             <a:spLocks noGrp="1"/>
           </p:cNvSpPr>
@@ -4768,7 +4493,7 @@
         <p:spPr>
           <a:xfrm>
             <a:off x="3124080" y="4767120"/>
-            <a:ext cx="2895120" cy="273600"/>
+            <a:ext cx="2894760" cy="273240"/>
           </a:xfrm>
           <a:prstGeom prst="rect">
             <a:avLst/>
@@ -4784,7 +4509,13 @@
           </a:bodyPr>
           <a:lstStyle>
             <a:lvl1pPr indent="0" algn="ctr">
+              <a:lnSpc>
+                <a:spcPct val="100000"/>
+              </a:lnSpc>
               <a:buNone/>
+              <a:tabLst>
+                <a:tab algn="l" pos="0"/>
+              </a:tabLst>
               <a:defRPr b="0" lang="en-US" sz="1400" strike="noStrike" u="none">
                 <a:solidFill>
                   <a:srgbClr val="000000"/>
@@ -4797,7 +4528,13 @@
           </a:lstStyle>
           <a:p>
             <a:pPr indent="0" algn="ctr">
+              <a:lnSpc>
+                <a:spcPct val="100000"/>
+              </a:lnSpc>
               <a:buNone/>
+              <a:tabLst>
+                <a:tab algn="l" pos="0"/>
+              </a:tabLst>
             </a:pPr>
             <a:r>
               <a:rPr b="0" lang="en-US" sz="1400" strike="noStrike" u="none">
@@ -4823,7 +4560,7 @@
       </p:sp>
       <p:sp>
         <p:nvSpPr>
-          <p:cNvPr id="37" name="PlaceHolder 8"/>
+          <p:cNvPr id="33" name="PlaceHolder 5"/>
           <p:cNvSpPr>
             <a:spLocks noGrp="1"/>
           </p:cNvSpPr>
@@ -4834,7 +4571,7 @@
         <p:spPr>
           <a:xfrm>
             <a:off x="6553080" y="4767120"/>
-            <a:ext cx="2133360" cy="273600"/>
+            <a:ext cx="2133000" cy="273240"/>
           </a:xfrm>
           <a:prstGeom prst="rect">
             <a:avLst/>
@@ -4854,6 +4591,9 @@
                 <a:spcPct val="100000"/>
               </a:lnSpc>
               <a:buNone/>
+              <a:tabLst>
+                <a:tab algn="l" pos="0"/>
+              </a:tabLst>
               <a:defRPr b="0" lang="en-US" sz="900" strike="noStrike" u="none">
                 <a:solidFill>
                   <a:schemeClr val="dk1">
@@ -4872,8 +4612,11 @@
                 <a:spcPct val="100000"/>
               </a:lnSpc>
               <a:buNone/>
-            </a:pPr>
-            <a:fld id="{FC0B983D-7568-4EFB-ACF0-1020B887E420}" type="slidenum">
+              <a:tabLst>
+                <a:tab algn="l" pos="0"/>
+              </a:tabLst>
+            </a:pPr>
+            <a:fld id="{E158F50B-BFDE-4910-9F20-46841655BFB9}" type="slidenum">
               <a:rPr b="0" lang="en-US" sz="900" strike="noStrike" u="none">
                 <a:solidFill>
                   <a:schemeClr val="dk1">
@@ -4903,8 +4646,8 @@
 </file>
 
 <file path=ppt/slideLayouts/slideLayout8.xml><?xml version="1.0" encoding="utf-8"?>
-<p:sldLayout xmlns:a="http://schemas.openxmlformats.org/drawingml/2006/main" xmlns:p="http://schemas.openxmlformats.org/presentationml/2006/main" xmlns:r="http://schemas.openxmlformats.org/officeDocument/2006/relationships" xmlns:p14="http://schemas.microsoft.com/office/powerpoint/2010/main" xmlns:p15="http://schemas.microsoft.com/office/powerpoint/2012/main" xmlns:mc="http://schemas.openxmlformats.org/markup-compatibility/2006" type="titleOnly" preserve="1">
-  <p:cSld name="Title Only">
+<p:sldLayout xmlns:a="http://schemas.openxmlformats.org/drawingml/2006/main" xmlns:p="http://schemas.openxmlformats.org/presentationml/2006/main" xmlns:r="http://schemas.openxmlformats.org/officeDocument/2006/relationships" xmlns:p14="http://schemas.microsoft.com/office/powerpoint/2010/main" xmlns:p15="http://schemas.microsoft.com/office/powerpoint/2012/main" xmlns:mc="http://schemas.openxmlformats.org/markup-compatibility/2006" type="blank" preserve="1">
+  <p:cSld name="Section Header">
     <p:bg>
       <p:bgPr>
         <a:solidFill>
@@ -4928,7 +4671,7 @@
       </p:grpSpPr>
       <p:sp>
         <p:nvSpPr>
-          <p:cNvPr id="38" name="PlaceHolder 1"/>
+          <p:cNvPr id="34" name="PlaceHolder 1"/>
           <p:cNvSpPr>
             <a:spLocks noGrp="1"/>
           </p:cNvSpPr>
@@ -4938,8 +4681,8 @@
         </p:nvSpPr>
         <p:spPr>
           <a:xfrm>
-            <a:off x="457200" y="205920"/>
-            <a:ext cx="8229240" cy="856800"/>
+            <a:off x="722160" y="3305160"/>
+            <a:ext cx="7771680" cy="1020960"/>
           </a:xfrm>
           <a:prstGeom prst="rect">
             <a:avLst/>
@@ -4950,18 +4693,21 @@
           </a:ln>
         </p:spPr>
         <p:txBody>
-          <a:bodyPr lIns="91440" rIns="91440" tIns="45720" bIns="45720" anchor="ctr">
+          <a:bodyPr lIns="91440" rIns="91440" tIns="45720" bIns="45720" anchor="t">
             <a:noAutofit/>
           </a:bodyPr>
           <a:p>
-            <a:pPr indent="0" algn="ctr" defTabSz="343080">
+            <a:pPr indent="0" defTabSz="343080">
               <a:lnSpc>
                 <a:spcPct val="100000"/>
               </a:lnSpc>
               <a:buNone/>
-            </a:pPr>
-            <a:r>
-              <a:rPr b="0" lang="en-US" sz="3300" strike="noStrike" u="none">
+              <a:tabLst>
+                <a:tab algn="l" pos="0"/>
+              </a:tabLst>
+            </a:pPr>
+            <a:r>
+              <a:rPr b="1" lang="en-US" sz="3000" strike="noStrike" u="none" cap="all">
                 <a:solidFill>
                   <a:schemeClr val="dk1"/>
                 </a:solidFill>
@@ -4971,20 +4717,84 @@
               </a:rPr>
               <a:t>Click to edit Master title style</a:t>
             </a:r>
-            <a:endParaRPr b="0" lang="en-US" sz="3300" strike="noStrike" u="none">
-              <a:solidFill>
-                <a:schemeClr val="dk1"/>
-              </a:solidFill>
-              <a:effectLst/>
-              <a:uFillTx/>
-              <a:latin typeface="Calibri"/>
+            <a:endParaRPr b="0" lang="en-US" sz="3000" strike="noStrike" u="none">
+              <a:solidFill>
+                <a:srgbClr val="000000"/>
+              </a:solidFill>
+              <a:effectLst/>
+              <a:uFillTx/>
+              <a:latin typeface="Arial"/>
             </a:endParaRPr>
           </a:p>
         </p:txBody>
       </p:sp>
       <p:sp>
         <p:nvSpPr>
-          <p:cNvPr id="39" name="PlaceHolder 2"/>
+          <p:cNvPr id="35" name="PlaceHolder 2"/>
+          <p:cNvSpPr>
+            <a:spLocks noGrp="1"/>
+          </p:cNvSpPr>
+          <p:nvPr>
+            <p:ph type="body"/>
+          </p:nvPr>
+        </p:nvSpPr>
+        <p:spPr>
+          <a:xfrm>
+            <a:off x="722160" y="2180160"/>
+            <a:ext cx="7771680" cy="1124280"/>
+          </a:xfrm>
+          <a:prstGeom prst="rect">
+            <a:avLst/>
+          </a:prstGeom>
+          <a:noFill/>
+          <a:ln w="0">
+            <a:noFill/>
+          </a:ln>
+        </p:spPr>
+        <p:txBody>
+          <a:bodyPr lIns="91440" rIns="91440" tIns="45720" bIns="45720" anchor="b">
+            <a:noAutofit/>
+          </a:bodyPr>
+          <a:p>
+            <a:pPr indent="0" defTabSz="343080">
+              <a:lnSpc>
+                <a:spcPct val="100000"/>
+              </a:lnSpc>
+              <a:spcBef>
+                <a:spcPts val="300"/>
+              </a:spcBef>
+              <a:buNone/>
+              <a:tabLst>
+                <a:tab algn="l" pos="0"/>
+              </a:tabLst>
+            </a:pPr>
+            <a:r>
+              <a:rPr b="0" lang="en-US" sz="1500" strike="noStrike" u="none">
+                <a:solidFill>
+                  <a:schemeClr val="dk1">
+                    <a:tint val="75000"/>
+                  </a:schemeClr>
+                </a:solidFill>
+                <a:effectLst/>
+                <a:uFillTx/>
+                <a:latin typeface="Calibri"/>
+              </a:rPr>
+              <a:t>Click to edit Master text styles</a:t>
+            </a:r>
+            <a:endParaRPr b="0" lang="en-US" sz="1500" strike="noStrike" u="none">
+              <a:solidFill>
+                <a:srgbClr val="000000"/>
+              </a:solidFill>
+              <a:effectLst/>
+              <a:uFillTx/>
+              <a:latin typeface="Arial"/>
+            </a:endParaRPr>
+          </a:p>
+        </p:txBody>
+      </p:sp>
+      <p:sp>
+        <p:nvSpPr>
+          <p:cNvPr id="36" name="PlaceHolder 3"/>
           <p:cNvSpPr>
             <a:spLocks noGrp="1"/>
           </p:cNvSpPr>
@@ -4995,7 +4805,7 @@
         <p:spPr>
           <a:xfrm>
             <a:off x="457200" y="4767120"/>
-            <a:ext cx="2133360" cy="273600"/>
+            <a:ext cx="2133000" cy="273240"/>
           </a:xfrm>
           <a:prstGeom prst="rect">
             <a:avLst/>
@@ -5015,6 +4825,9 @@
                 <a:spcPct val="100000"/>
               </a:lnSpc>
               <a:buNone/>
+              <a:tabLst>
+                <a:tab algn="l" pos="0"/>
+              </a:tabLst>
               <a:defRPr b="0" lang="en-US" sz="900" strike="noStrike" u="none">
                 <a:solidFill>
                   <a:schemeClr val="dk1">
@@ -5033,6 +4846,9 @@
                 <a:spcPct val="100000"/>
               </a:lnSpc>
               <a:buNone/>
+              <a:tabLst>
+                <a:tab algn="l" pos="0"/>
+              </a:tabLst>
             </a:pPr>
             <a:r>
               <a:rPr b="0" lang="en-US" sz="900" strike="noStrike" u="none">
@@ -5060,7 +4876,7 @@
       </p:sp>
       <p:sp>
         <p:nvSpPr>
-          <p:cNvPr id="40" name="PlaceHolder 3"/>
+          <p:cNvPr id="37" name="PlaceHolder 4"/>
           <p:cNvSpPr>
             <a:spLocks noGrp="1"/>
           </p:cNvSpPr>
@@ -5071,7 +4887,7 @@
         <p:spPr>
           <a:xfrm>
             <a:off x="3124080" y="4767120"/>
-            <a:ext cx="2895120" cy="273600"/>
+            <a:ext cx="2894760" cy="273240"/>
           </a:xfrm>
           <a:prstGeom prst="rect">
             <a:avLst/>
@@ -5087,7 +4903,13 @@
           </a:bodyPr>
           <a:lstStyle>
             <a:lvl1pPr indent="0" algn="ctr">
+              <a:lnSpc>
+                <a:spcPct val="100000"/>
+              </a:lnSpc>
               <a:buNone/>
+              <a:tabLst>
+                <a:tab algn="l" pos="0"/>
+              </a:tabLst>
               <a:defRPr b="0" lang="en-US" sz="1400" strike="noStrike" u="none">
                 <a:solidFill>
                   <a:srgbClr val="000000"/>
@@ -5100,7 +4922,13 @@
           </a:lstStyle>
           <a:p>
             <a:pPr indent="0" algn="ctr">
+              <a:lnSpc>
+                <a:spcPct val="100000"/>
+              </a:lnSpc>
               <a:buNone/>
+              <a:tabLst>
+                <a:tab algn="l" pos="0"/>
+              </a:tabLst>
             </a:pPr>
             <a:r>
               <a:rPr b="0" lang="en-US" sz="1400" strike="noStrike" u="none">
@@ -5126,7 +4954,7 @@
       </p:sp>
       <p:sp>
         <p:nvSpPr>
-          <p:cNvPr id="41" name="PlaceHolder 4"/>
+          <p:cNvPr id="38" name="PlaceHolder 5"/>
           <p:cNvSpPr>
             <a:spLocks noGrp="1"/>
           </p:cNvSpPr>
@@ -5137,7 +4965,7 @@
         <p:spPr>
           <a:xfrm>
             <a:off x="6553080" y="4767120"/>
-            <a:ext cx="2133360" cy="273600"/>
+            <a:ext cx="2133000" cy="273240"/>
           </a:xfrm>
           <a:prstGeom prst="rect">
             <a:avLst/>
@@ -5157,6 +4985,9 @@
                 <a:spcPct val="100000"/>
               </a:lnSpc>
               <a:buNone/>
+              <a:tabLst>
+                <a:tab algn="l" pos="0"/>
+              </a:tabLst>
               <a:defRPr b="0" lang="en-US" sz="900" strike="noStrike" u="none">
                 <a:solidFill>
                   <a:schemeClr val="dk1">
@@ -5175,8 +5006,11 @@
                 <a:spcPct val="100000"/>
               </a:lnSpc>
               <a:buNone/>
-            </a:pPr>
-            <a:fld id="{547ABCF0-98C0-4DEE-A47D-20C3D329D307}" type="slidenum">
+              <a:tabLst>
+                <a:tab algn="l" pos="0"/>
+              </a:tabLst>
+            </a:pPr>
+            <a:fld id="{2A458D97-BF08-4586-BD58-9570E5DF61C4}" type="slidenum">
               <a:rPr b="0" lang="en-US" sz="900" strike="noStrike" u="none">
                 <a:solidFill>
                   <a:schemeClr val="dk1">
@@ -5206,8 +5040,8 @@
 </file>
 
 <file path=ppt/slideLayouts/slideLayout9.xml><?xml version="1.0" encoding="utf-8"?>
-<p:sldLayout xmlns:a="http://schemas.openxmlformats.org/drawingml/2006/main" xmlns:p="http://schemas.openxmlformats.org/presentationml/2006/main" xmlns:r="http://schemas.openxmlformats.org/officeDocument/2006/relationships" xmlns:p14="http://schemas.microsoft.com/office/powerpoint/2010/main" xmlns:p15="http://schemas.microsoft.com/office/powerpoint/2012/main" xmlns:mc="http://schemas.openxmlformats.org/markup-compatibility/2006" type="blank" preserve="1">
-  <p:cSld name="Blank">
+<p:sldLayout xmlns:a="http://schemas.openxmlformats.org/drawingml/2006/main" xmlns:p="http://schemas.openxmlformats.org/presentationml/2006/main" xmlns:r="http://schemas.openxmlformats.org/officeDocument/2006/relationships" xmlns:p14="http://schemas.microsoft.com/office/powerpoint/2010/main" xmlns:p15="http://schemas.microsoft.com/office/powerpoint/2012/main" xmlns:mc="http://schemas.openxmlformats.org/markup-compatibility/2006" type="twoObj" preserve="1">
+  <p:cSld name="Two Content">
     <p:bg>
       <p:bgPr>
         <a:solidFill>
@@ -5231,7 +5065,464 @@
       </p:grpSpPr>
       <p:sp>
         <p:nvSpPr>
-          <p:cNvPr id="42" name="PlaceHolder 1"/>
+          <p:cNvPr id="39" name="PlaceHolder 1"/>
+          <p:cNvSpPr>
+            <a:spLocks noGrp="1"/>
+          </p:cNvSpPr>
+          <p:nvPr>
+            <p:ph type="title"/>
+          </p:nvPr>
+        </p:nvSpPr>
+        <p:spPr>
+          <a:xfrm>
+            <a:off x="457200" y="205920"/>
+            <a:ext cx="8228880" cy="856440"/>
+          </a:xfrm>
+          <a:prstGeom prst="rect">
+            <a:avLst/>
+          </a:prstGeom>
+          <a:noFill/>
+          <a:ln w="0">
+            <a:noFill/>
+          </a:ln>
+        </p:spPr>
+        <p:txBody>
+          <a:bodyPr lIns="91440" rIns="91440" tIns="45720" bIns="45720" anchor="ctr">
+            <a:noAutofit/>
+          </a:bodyPr>
+          <a:p>
+            <a:pPr indent="0" algn="ctr" defTabSz="343080">
+              <a:lnSpc>
+                <a:spcPct val="100000"/>
+              </a:lnSpc>
+              <a:buNone/>
+              <a:tabLst>
+                <a:tab algn="l" pos="0"/>
+              </a:tabLst>
+            </a:pPr>
+            <a:r>
+              <a:rPr b="0" lang="en-US" sz="3300" strike="noStrike" u="none">
+                <a:solidFill>
+                  <a:schemeClr val="dk1"/>
+                </a:solidFill>
+                <a:effectLst/>
+                <a:uFillTx/>
+                <a:latin typeface="Calibri"/>
+              </a:rPr>
+              <a:t>Click to edit Master title style</a:t>
+            </a:r>
+            <a:endParaRPr b="0" lang="en-US" sz="3300" strike="noStrike" u="none">
+              <a:solidFill>
+                <a:srgbClr val="000000"/>
+              </a:solidFill>
+              <a:effectLst/>
+              <a:uFillTx/>
+              <a:latin typeface="Arial"/>
+            </a:endParaRPr>
+          </a:p>
+        </p:txBody>
+      </p:sp>
+      <p:sp>
+        <p:nvSpPr>
+          <p:cNvPr id="40" name="PlaceHolder 2"/>
+          <p:cNvSpPr>
+            <a:spLocks noGrp="1"/>
+          </p:cNvSpPr>
+          <p:nvPr>
+            <p:ph type="body"/>
+          </p:nvPr>
+        </p:nvSpPr>
+        <p:spPr>
+          <a:xfrm>
+            <a:off x="457200" y="1200240"/>
+            <a:ext cx="4037760" cy="3393720"/>
+          </a:xfrm>
+          <a:prstGeom prst="rect">
+            <a:avLst/>
+          </a:prstGeom>
+          <a:noFill/>
+          <a:ln w="0">
+            <a:noFill/>
+          </a:ln>
+        </p:spPr>
+        <p:txBody>
+          <a:bodyPr lIns="91440" rIns="91440" tIns="45720" bIns="45720" anchor="t">
+            <a:noAutofit/>
+          </a:bodyPr>
+          <a:p>
+            <a:pPr marL="343080" indent="-343080" defTabSz="343080">
+              <a:lnSpc>
+                <a:spcPct val="100000"/>
+              </a:lnSpc>
+              <a:spcBef>
+                <a:spcPts val="420"/>
+              </a:spcBef>
+              <a:buClr>
+                <a:srgbClr val="000000"/>
+              </a:buClr>
+              <a:buFont typeface="Arial"/>
+              <a:buChar char="•"/>
+            </a:pPr>
+            <a:r>
+              <a:rPr b="0" lang="en-US" sz="2100" strike="noStrike" u="none">
+                <a:solidFill>
+                  <a:schemeClr val="dk1"/>
+                </a:solidFill>
+                <a:effectLst/>
+                <a:uFillTx/>
+                <a:latin typeface="Calibri"/>
+              </a:rPr>
+              <a:t>Click to edit Master text styles</a:t>
+            </a:r>
+            <a:endParaRPr b="0" lang="en-US" sz="2100" strike="noStrike" u="none">
+              <a:solidFill>
+                <a:srgbClr val="000000"/>
+              </a:solidFill>
+              <a:effectLst/>
+              <a:uFillTx/>
+              <a:latin typeface="Arial"/>
+            </a:endParaRPr>
+          </a:p>
+          <a:p>
+            <a:pPr lvl="1" marL="685800" indent="-343080" defTabSz="343080">
+              <a:lnSpc>
+                <a:spcPct val="100000"/>
+              </a:lnSpc>
+              <a:spcBef>
+                <a:spcPts val="360"/>
+              </a:spcBef>
+              <a:buClr>
+                <a:srgbClr val="000000"/>
+              </a:buClr>
+              <a:buFont typeface="Arial"/>
+              <a:buChar char="–"/>
+            </a:pPr>
+            <a:r>
+              <a:rPr b="0" lang="en-US" sz="1800" strike="noStrike" u="none">
+                <a:solidFill>
+                  <a:schemeClr val="dk1"/>
+                </a:solidFill>
+                <a:effectLst/>
+                <a:uFillTx/>
+                <a:latin typeface="Calibri"/>
+              </a:rPr>
+              <a:t>Second level</a:t>
+            </a:r>
+            <a:endParaRPr b="0" lang="en-US" sz="1800" strike="noStrike" u="none">
+              <a:solidFill>
+                <a:srgbClr val="000000"/>
+              </a:solidFill>
+              <a:effectLst/>
+              <a:uFillTx/>
+              <a:latin typeface="Arial"/>
+            </a:endParaRPr>
+          </a:p>
+          <a:p>
+            <a:pPr lvl="2" marL="1028880" indent="-343080" defTabSz="343080">
+              <a:lnSpc>
+                <a:spcPct val="100000"/>
+              </a:lnSpc>
+              <a:spcBef>
+                <a:spcPts val="300"/>
+              </a:spcBef>
+              <a:buClr>
+                <a:srgbClr val="000000"/>
+              </a:buClr>
+              <a:buFont typeface="Arial"/>
+              <a:buChar char="•"/>
+            </a:pPr>
+            <a:r>
+              <a:rPr b="0" lang="en-US" sz="1500" strike="noStrike" u="none">
+                <a:solidFill>
+                  <a:schemeClr val="dk1"/>
+                </a:solidFill>
+                <a:effectLst/>
+                <a:uFillTx/>
+                <a:latin typeface="Calibri"/>
+              </a:rPr>
+              <a:t>Third level</a:t>
+            </a:r>
+            <a:endParaRPr b="0" lang="en-US" sz="1500" strike="noStrike" u="none">
+              <a:solidFill>
+                <a:srgbClr val="000000"/>
+              </a:solidFill>
+              <a:effectLst/>
+              <a:uFillTx/>
+              <a:latin typeface="Arial"/>
+            </a:endParaRPr>
+          </a:p>
+          <a:p>
+            <a:pPr lvl="3" marL="1371600" indent="-343080" defTabSz="343080">
+              <a:lnSpc>
+                <a:spcPct val="100000"/>
+              </a:lnSpc>
+              <a:spcBef>
+                <a:spcPts val="269"/>
+              </a:spcBef>
+              <a:buClr>
+                <a:srgbClr val="000000"/>
+              </a:buClr>
+              <a:buFont typeface="Arial"/>
+              <a:buChar char="–"/>
+            </a:pPr>
+            <a:r>
+              <a:rPr b="0" lang="en-US" sz="1350" strike="noStrike" u="none">
+                <a:solidFill>
+                  <a:schemeClr val="dk1"/>
+                </a:solidFill>
+                <a:effectLst/>
+                <a:uFillTx/>
+                <a:latin typeface="Calibri"/>
+              </a:rPr>
+              <a:t>Fourth level</a:t>
+            </a:r>
+            <a:endParaRPr b="0" lang="en-US" sz="1350" strike="noStrike" u="none">
+              <a:solidFill>
+                <a:srgbClr val="000000"/>
+              </a:solidFill>
+              <a:effectLst/>
+              <a:uFillTx/>
+              <a:latin typeface="Arial"/>
+            </a:endParaRPr>
+          </a:p>
+          <a:p>
+            <a:pPr lvl="4" marL="1714680" indent="-343080" defTabSz="343080">
+              <a:lnSpc>
+                <a:spcPct val="100000"/>
+              </a:lnSpc>
+              <a:spcBef>
+                <a:spcPts val="269"/>
+              </a:spcBef>
+              <a:buClr>
+                <a:srgbClr val="000000"/>
+              </a:buClr>
+              <a:buFont typeface="Arial"/>
+              <a:buChar char="»"/>
+            </a:pPr>
+            <a:r>
+              <a:rPr b="0" lang="en-US" sz="1350" strike="noStrike" u="none">
+                <a:solidFill>
+                  <a:schemeClr val="dk1"/>
+                </a:solidFill>
+                <a:effectLst/>
+                <a:uFillTx/>
+                <a:latin typeface="Calibri"/>
+              </a:rPr>
+              <a:t>Fifth level</a:t>
+            </a:r>
+            <a:endParaRPr b="0" lang="en-US" sz="1350" strike="noStrike" u="none">
+              <a:solidFill>
+                <a:srgbClr val="000000"/>
+              </a:solidFill>
+              <a:effectLst/>
+              <a:uFillTx/>
+              <a:latin typeface="Arial"/>
+            </a:endParaRPr>
+          </a:p>
+        </p:txBody>
+      </p:sp>
+      <p:sp>
+        <p:nvSpPr>
+          <p:cNvPr id="41" name="PlaceHolder 3"/>
+          <p:cNvSpPr>
+            <a:spLocks noGrp="1"/>
+          </p:cNvSpPr>
+          <p:nvPr>
+            <p:ph type="body"/>
+          </p:nvPr>
+        </p:nvSpPr>
+        <p:spPr>
+          <a:xfrm>
+            <a:off x="4648320" y="1200240"/>
+            <a:ext cx="4037760" cy="3393720"/>
+          </a:xfrm>
+          <a:prstGeom prst="rect">
+            <a:avLst/>
+          </a:prstGeom>
+          <a:noFill/>
+          <a:ln w="0">
+            <a:noFill/>
+          </a:ln>
+        </p:spPr>
+        <p:txBody>
+          <a:bodyPr lIns="91440" rIns="91440" tIns="45720" bIns="45720" anchor="t">
+            <a:noAutofit/>
+          </a:bodyPr>
+          <a:p>
+            <a:pPr marL="343080" indent="-343080" defTabSz="343080">
+              <a:lnSpc>
+                <a:spcPct val="100000"/>
+              </a:lnSpc>
+              <a:spcBef>
+                <a:spcPts val="420"/>
+              </a:spcBef>
+              <a:buClr>
+                <a:srgbClr val="000000"/>
+              </a:buClr>
+              <a:buFont typeface="Arial"/>
+              <a:buChar char="•"/>
+            </a:pPr>
+            <a:r>
+              <a:rPr b="0" lang="en-US" sz="2100" strike="noStrike" u="none">
+                <a:solidFill>
+                  <a:schemeClr val="dk1"/>
+                </a:solidFill>
+                <a:effectLst/>
+                <a:uFillTx/>
+                <a:latin typeface="Calibri"/>
+              </a:rPr>
+              <a:t>Click to edit Master text styles</a:t>
+            </a:r>
+            <a:endParaRPr b="0" lang="en-US" sz="2100" strike="noStrike" u="none">
+              <a:solidFill>
+                <a:srgbClr val="000000"/>
+              </a:solidFill>
+              <a:effectLst/>
+              <a:uFillTx/>
+              <a:latin typeface="Arial"/>
+            </a:endParaRPr>
+          </a:p>
+          <a:p>
+            <a:pPr lvl="1" marL="685800" indent="-343080" defTabSz="343080">
+              <a:lnSpc>
+                <a:spcPct val="100000"/>
+              </a:lnSpc>
+              <a:spcBef>
+                <a:spcPts val="360"/>
+              </a:spcBef>
+              <a:buClr>
+                <a:srgbClr val="000000"/>
+              </a:buClr>
+              <a:buFont typeface="Arial"/>
+              <a:buChar char="–"/>
+            </a:pPr>
+            <a:r>
+              <a:rPr b="0" lang="en-US" sz="1800" strike="noStrike" u="none">
+                <a:solidFill>
+                  <a:schemeClr val="dk1"/>
+                </a:solidFill>
+                <a:effectLst/>
+                <a:uFillTx/>
+                <a:latin typeface="Calibri"/>
+              </a:rPr>
+              <a:t>Second level</a:t>
+            </a:r>
+            <a:endParaRPr b="0" lang="en-US" sz="1800" strike="noStrike" u="none">
+              <a:solidFill>
+                <a:srgbClr val="000000"/>
+              </a:solidFill>
+              <a:effectLst/>
+              <a:uFillTx/>
+              <a:latin typeface="Arial"/>
+            </a:endParaRPr>
+          </a:p>
+          <a:p>
+            <a:pPr lvl="2" marL="1028880" indent="-343080" defTabSz="343080">
+              <a:lnSpc>
+                <a:spcPct val="100000"/>
+              </a:lnSpc>
+              <a:spcBef>
+                <a:spcPts val="300"/>
+              </a:spcBef>
+              <a:buClr>
+                <a:srgbClr val="000000"/>
+              </a:buClr>
+              <a:buFont typeface="Arial"/>
+              <a:buChar char="•"/>
+            </a:pPr>
+            <a:r>
+              <a:rPr b="0" lang="en-US" sz="1500" strike="noStrike" u="none">
+                <a:solidFill>
+                  <a:schemeClr val="dk1"/>
+                </a:solidFill>
+                <a:effectLst/>
+                <a:uFillTx/>
+                <a:latin typeface="Calibri"/>
+              </a:rPr>
+              <a:t>Third level</a:t>
+            </a:r>
+            <a:endParaRPr b="0" lang="en-US" sz="1500" strike="noStrike" u="none">
+              <a:solidFill>
+                <a:srgbClr val="000000"/>
+              </a:solidFill>
+              <a:effectLst/>
+              <a:uFillTx/>
+              <a:latin typeface="Arial"/>
+            </a:endParaRPr>
+          </a:p>
+          <a:p>
+            <a:pPr lvl="3" marL="1371600" indent="-343080" defTabSz="343080">
+              <a:lnSpc>
+                <a:spcPct val="100000"/>
+              </a:lnSpc>
+              <a:spcBef>
+                <a:spcPts val="269"/>
+              </a:spcBef>
+              <a:buClr>
+                <a:srgbClr val="000000"/>
+              </a:buClr>
+              <a:buFont typeface="Arial"/>
+              <a:buChar char="–"/>
+            </a:pPr>
+            <a:r>
+              <a:rPr b="0" lang="en-US" sz="1350" strike="noStrike" u="none">
+                <a:solidFill>
+                  <a:schemeClr val="dk1"/>
+                </a:solidFill>
+                <a:effectLst/>
+                <a:uFillTx/>
+                <a:latin typeface="Calibri"/>
+              </a:rPr>
+              <a:t>Fourth level</a:t>
+            </a:r>
+            <a:endParaRPr b="0" lang="en-US" sz="1350" strike="noStrike" u="none">
+              <a:solidFill>
+                <a:srgbClr val="000000"/>
+              </a:solidFill>
+              <a:effectLst/>
+              <a:uFillTx/>
+              <a:latin typeface="Arial"/>
+            </a:endParaRPr>
+          </a:p>
+          <a:p>
+            <a:pPr lvl="4" marL="1714680" indent="-343080" defTabSz="343080">
+              <a:lnSpc>
+                <a:spcPct val="100000"/>
+              </a:lnSpc>
+              <a:spcBef>
+                <a:spcPts val="269"/>
+              </a:spcBef>
+              <a:buClr>
+                <a:srgbClr val="000000"/>
+              </a:buClr>
+              <a:buFont typeface="Arial"/>
+              <a:buChar char="»"/>
+            </a:pPr>
+            <a:r>
+              <a:rPr b="0" lang="en-US" sz="1350" strike="noStrike" u="none">
+                <a:solidFill>
+                  <a:schemeClr val="dk1"/>
+                </a:solidFill>
+                <a:effectLst/>
+                <a:uFillTx/>
+                <a:latin typeface="Calibri"/>
+              </a:rPr>
+              <a:t>Fifth level</a:t>
+            </a:r>
+            <a:endParaRPr b="0" lang="en-US" sz="1350" strike="noStrike" u="none">
+              <a:solidFill>
+                <a:srgbClr val="000000"/>
+              </a:solidFill>
+              <a:effectLst/>
+              <a:uFillTx/>
+              <a:latin typeface="Arial"/>
+            </a:endParaRPr>
+          </a:p>
+        </p:txBody>
+      </p:sp>
+      <p:sp>
+        <p:nvSpPr>
+          <p:cNvPr id="42" name="PlaceHolder 4"/>
           <p:cNvSpPr>
             <a:spLocks noGrp="1"/>
           </p:cNvSpPr>
@@ -5242,7 +5533,7 @@
         <p:spPr>
           <a:xfrm>
             <a:off x="457200" y="4767120"/>
-            <a:ext cx="2133360" cy="273600"/>
+            <a:ext cx="2133000" cy="273240"/>
           </a:xfrm>
           <a:prstGeom prst="rect">
             <a:avLst/>
@@ -5262,6 +5553,9 @@
                 <a:spcPct val="100000"/>
               </a:lnSpc>
               <a:buNone/>
+              <a:tabLst>
+                <a:tab algn="l" pos="0"/>
+              </a:tabLst>
               <a:defRPr b="0" lang="en-US" sz="900" strike="noStrike" u="none">
                 <a:solidFill>
                   <a:schemeClr val="dk1">
@@ -5280,6 +5574,9 @@
                 <a:spcPct val="100000"/>
               </a:lnSpc>
               <a:buNone/>
+              <a:tabLst>
+                <a:tab algn="l" pos="0"/>
+              </a:tabLst>
             </a:pPr>
             <a:r>
               <a:rPr b="0" lang="en-US" sz="900" strike="noStrike" u="none">
@@ -5307,7 +5604,7 @@
       </p:sp>
       <p:sp>
         <p:nvSpPr>
-          <p:cNvPr id="43" name="PlaceHolder 2"/>
+          <p:cNvPr id="43" name="PlaceHolder 5"/>
           <p:cNvSpPr>
             <a:spLocks noGrp="1"/>
           </p:cNvSpPr>
@@ -5318,7 +5615,7 @@
         <p:spPr>
           <a:xfrm>
             <a:off x="3124080" y="4767120"/>
-            <a:ext cx="2895120" cy="273600"/>
+            <a:ext cx="2894760" cy="273240"/>
           </a:xfrm>
           <a:prstGeom prst="rect">
             <a:avLst/>
@@ -5334,7 +5631,13 @@
           </a:bodyPr>
           <a:lstStyle>
             <a:lvl1pPr indent="0" algn="ctr">
+              <a:lnSpc>
+                <a:spcPct val="100000"/>
+              </a:lnSpc>
               <a:buNone/>
+              <a:tabLst>
+                <a:tab algn="l" pos="0"/>
+              </a:tabLst>
               <a:defRPr b="0" lang="en-US" sz="1400" strike="noStrike" u="none">
                 <a:solidFill>
                   <a:srgbClr val="000000"/>
@@ -5347,7 +5650,13 @@
           </a:lstStyle>
           <a:p>
             <a:pPr indent="0" algn="ctr">
+              <a:lnSpc>
+                <a:spcPct val="100000"/>
+              </a:lnSpc>
               <a:buNone/>
+              <a:tabLst>
+                <a:tab algn="l" pos="0"/>
+              </a:tabLst>
             </a:pPr>
             <a:r>
               <a:rPr b="0" lang="en-US" sz="1400" strike="noStrike" u="none">
@@ -5373,7 +5682,7 @@
       </p:sp>
       <p:sp>
         <p:nvSpPr>
-          <p:cNvPr id="44" name="PlaceHolder 3"/>
+          <p:cNvPr id="44" name="PlaceHolder 6"/>
           <p:cNvSpPr>
             <a:spLocks noGrp="1"/>
           </p:cNvSpPr>
@@ -5384,7 +5693,7 @@
         <p:spPr>
           <a:xfrm>
             <a:off x="6553080" y="4767120"/>
-            <a:ext cx="2133360" cy="273600"/>
+            <a:ext cx="2133000" cy="273240"/>
           </a:xfrm>
           <a:prstGeom prst="rect">
             <a:avLst/>
@@ -5404,6 +5713,9 @@
                 <a:spcPct val="100000"/>
               </a:lnSpc>
               <a:buNone/>
+              <a:tabLst>
+                <a:tab algn="l" pos="0"/>
+              </a:tabLst>
               <a:defRPr b="0" lang="en-US" sz="900" strike="noStrike" u="none">
                 <a:solidFill>
                   <a:schemeClr val="dk1">
@@ -5422,8 +5734,11 @@
                 <a:spcPct val="100000"/>
               </a:lnSpc>
               <a:buNone/>
-            </a:pPr>
-            <a:fld id="{0B70777F-777C-420D-B235-7163CDE1A9F0}" type="slidenum">
+              <a:tabLst>
+                <a:tab algn="l" pos="0"/>
+              </a:tabLst>
+            </a:pPr>
+            <a:fld id="{1D3FFECB-3183-43CD-A841-260AA9733615}" type="slidenum">
               <a:rPr b="0" lang="en-US" sz="900" strike="noStrike" u="none">
                 <a:solidFill>
                   <a:schemeClr val="dk1">
@@ -5518,7 +5833,7 @@
         <p:spPr>
           <a:xfrm>
             <a:off x="457200" y="205920"/>
-            <a:ext cx="8229240" cy="856800"/>
+            <a:ext cx="8228880" cy="856440"/>
           </a:xfrm>
           <a:prstGeom prst="rect">
             <a:avLst/>
@@ -5555,11 +5870,11 @@
             </a:r>
             <a:endParaRPr b="0" lang="en-US" sz="3300" strike="noStrike" u="none">
               <a:solidFill>
-                <a:schemeClr val="dk1"/>
-              </a:solidFill>
-              <a:effectLst/>
-              <a:uFillTx/>
-              <a:latin typeface="Calibri"/>
+                <a:srgbClr val="000000"/>
+              </a:solidFill>
+              <a:effectLst/>
+              <a:uFillTx/>
+              <a:latin typeface="Arial"/>
             </a:endParaRPr>
           </a:p>
         </p:txBody>
@@ -5577,7 +5892,7 @@
         <p:spPr>
           <a:xfrm>
             <a:off x="457200" y="1200240"/>
-            <a:ext cx="8229240" cy="3394080"/>
+            <a:ext cx="8228880" cy="3393720"/>
           </a:xfrm>
           <a:prstGeom prst="rect">
             <a:avLst/>
@@ -5617,11 +5932,11 @@
             </a:r>
             <a:endParaRPr b="0" lang="en-US" sz="2400" strike="noStrike" u="none">
               <a:solidFill>
-                <a:schemeClr val="dk1"/>
-              </a:solidFill>
-              <a:effectLst/>
-              <a:uFillTx/>
-              <a:latin typeface="Calibri"/>
+                <a:srgbClr val="000000"/>
+              </a:solidFill>
+              <a:effectLst/>
+              <a:uFillTx/>
+              <a:latin typeface="Arial"/>
             </a:endParaRPr>
           </a:p>
           <a:p>
@@ -5639,11 +5954,11 @@
             </a:pPr>
             <a:endParaRPr b="0" lang="en-US" sz="2400" strike="noStrike" u="none">
               <a:solidFill>
-                <a:schemeClr val="dk1"/>
-              </a:solidFill>
-              <a:effectLst/>
-              <a:uFillTx/>
-              <a:latin typeface="Calibri"/>
+                <a:srgbClr val="000000"/>
+              </a:solidFill>
+              <a:effectLst/>
+              <a:uFillTx/>
+              <a:latin typeface="Arial"/>
             </a:endParaRPr>
           </a:p>
           <a:p>
@@ -5672,11 +5987,11 @@
             </a:r>
             <a:endParaRPr b="0" lang="en-US" sz="2400" strike="noStrike" u="none">
               <a:solidFill>
-                <a:schemeClr val="dk1"/>
-              </a:solidFill>
-              <a:effectLst/>
-              <a:uFillTx/>
-              <a:latin typeface="Calibri"/>
+                <a:srgbClr val="000000"/>
+              </a:solidFill>
+              <a:effectLst/>
+              <a:uFillTx/>
+              <a:latin typeface="Arial"/>
             </a:endParaRPr>
           </a:p>
           <a:p>
@@ -5705,11 +6020,11 @@
             </a:r>
             <a:endParaRPr b="0" lang="en-US" sz="2400" strike="noStrike" u="none">
               <a:solidFill>
-                <a:schemeClr val="dk1"/>
-              </a:solidFill>
-              <a:effectLst/>
-              <a:uFillTx/>
-              <a:latin typeface="Calibri"/>
+                <a:srgbClr val="000000"/>
+              </a:solidFill>
+              <a:effectLst/>
+              <a:uFillTx/>
+              <a:latin typeface="Arial"/>
             </a:endParaRPr>
           </a:p>
         </p:txBody>
@@ -5757,7 +6072,7 @@
         <p:spPr>
           <a:xfrm>
             <a:off x="536040" y="464760"/>
-            <a:ext cx="8229240" cy="4501440"/>
+            <a:ext cx="8228880" cy="4501080"/>
           </a:xfrm>
           <a:prstGeom prst="rect">
             <a:avLst/>
@@ -5797,11 +6112,11 @@
             </a:r>
             <a:endParaRPr b="0" lang="en-US" sz="2000" strike="noStrike" u="none">
               <a:solidFill>
-                <a:schemeClr val="dk1"/>
-              </a:solidFill>
-              <a:effectLst/>
-              <a:uFillTx/>
-              <a:latin typeface="Calibri"/>
+                <a:srgbClr val="000000"/>
+              </a:solidFill>
+              <a:effectLst/>
+              <a:uFillTx/>
+              <a:latin typeface="Arial"/>
             </a:endParaRPr>
           </a:p>
           <a:p>
@@ -5829,6 +6144,7 @@
                 <a:effectLst/>
                 <a:uFillTx/>
                 <a:latin typeface="Calibri"/>
+                <a:ea typeface="Microsoft YaHei"/>
               </a:rPr>
               <a:t>Achievement</a:t>
             </a:r>
@@ -5840,8 +6156,9 @@
                 <a:effectLst/>
                 <a:uFillTx/>
                 <a:latin typeface="Calibri"/>
-              </a:rPr>
-              <a:t>: Successfully implemented a pipelined MIPS processor with </a:t>
+                <a:ea typeface="Microsoft YaHei"/>
+              </a:rPr>
+              <a:t>: Successfully implemented a single cycle processor (Fig. 1), and a pipelined MIPS processor (Fig. 2), with the exception to a data memory error. We attempted the Bonus Pipeline processor with Forwarding and Hazard Units </a:t>
             </a:r>
             <a:r>
               <a:rPr b="0" lang="en-US" sz="2000" strike="noStrike" u="none">
@@ -5851,16 +6168,17 @@
                 <a:effectLst/>
                 <a:uFillTx/>
                 <a:latin typeface="Calibri"/>
-              </a:rPr>
-              <a:t>forwarding and hazard units (Fig. 3).</a:t>
+                <a:ea typeface="Microsoft YaHei"/>
+              </a:rPr>
+              <a:t> (Fig. 3); When tested, there were errors present.</a:t>
             </a:r>
             <a:endParaRPr b="0" lang="en-US" sz="2000" strike="noStrike" u="none">
               <a:solidFill>
-                <a:schemeClr val="dk1"/>
-              </a:solidFill>
-              <a:effectLst/>
-              <a:uFillTx/>
-              <a:latin typeface="Calibri"/>
+                <a:srgbClr val="000000"/>
+              </a:solidFill>
+              <a:effectLst/>
+              <a:uFillTx/>
+              <a:latin typeface="Arial"/>
             </a:endParaRPr>
           </a:p>
           <a:p>
@@ -5888,6 +6206,7 @@
                 <a:effectLst/>
                 <a:uFillTx/>
                 <a:latin typeface="Calibri"/>
+                <a:ea typeface="Microsoft YaHei"/>
               </a:rPr>
               <a:t>Details</a:t>
             </a:r>
@@ -5899,16 +6218,17 @@
                 <a:effectLst/>
                 <a:uFillTx/>
                 <a:latin typeface="Calibri"/>
+                <a:ea typeface="Microsoft YaHei"/>
               </a:rPr>
               <a:t>:</a:t>
             </a:r>
             <a:endParaRPr b="0" lang="en-US" sz="2000" strike="noStrike" u="none">
               <a:solidFill>
-                <a:schemeClr val="dk1"/>
-              </a:solidFill>
-              <a:effectLst/>
-              <a:uFillTx/>
-              <a:latin typeface="Calibri"/>
+                <a:srgbClr val="000000"/>
+              </a:solidFill>
+              <a:effectLst/>
+              <a:uFillTx/>
+              <a:latin typeface="Arial"/>
             </a:endParaRPr>
           </a:p>
           <a:p>
@@ -5936,27 +6256,17 @@
                 <a:effectLst/>
                 <a:uFillTx/>
                 <a:latin typeface="Calibri"/>
-              </a:rPr>
-              <a:t>Integrated all three phases for a complete single-cycle implementation </a:t>
-            </a:r>
-            <a:r>
-              <a:rPr b="0" lang="en-US" sz="2000" strike="noStrike" u="none">
-                <a:solidFill>
-                  <a:schemeClr val="dk1"/>
-                </a:solidFill>
-                <a:effectLst/>
-                <a:uFillTx/>
-                <a:latin typeface="Calibri"/>
-              </a:rPr>
-              <a:t>(Fig. 1).</a:t>
+                <a:ea typeface="Microsoft YaHei"/>
+              </a:rPr>
+              <a:t>Integrated all three phases for a complete single-cycle implementation (Fig. 1).</a:t>
             </a:r>
             <a:endParaRPr b="0" lang="en-US" sz="2000" strike="noStrike" u="none">
               <a:solidFill>
-                <a:schemeClr val="dk1"/>
-              </a:solidFill>
-              <a:effectLst/>
-              <a:uFillTx/>
-              <a:latin typeface="Calibri"/>
+                <a:srgbClr val="000000"/>
+              </a:solidFill>
+              <a:effectLst/>
+              <a:uFillTx/>
+              <a:latin typeface="Arial"/>
             </a:endParaRPr>
           </a:p>
           <a:p>
@@ -5984,16 +6294,17 @@
                 <a:effectLst/>
                 <a:uFillTx/>
                 <a:latin typeface="Calibri"/>
+                <a:ea typeface="Microsoft YaHei"/>
               </a:rPr>
               <a:t>Extended to a simple pipelined architecture (Fig. 2).</a:t>
             </a:r>
             <a:endParaRPr b="0" lang="en-US" sz="2000" strike="noStrike" u="none">
               <a:solidFill>
-                <a:schemeClr val="dk1"/>
-              </a:solidFill>
-              <a:effectLst/>
-              <a:uFillTx/>
-              <a:latin typeface="Calibri"/>
+                <a:srgbClr val="000000"/>
+              </a:solidFill>
+              <a:effectLst/>
+              <a:uFillTx/>
+              <a:latin typeface="Arial"/>
             </a:endParaRPr>
           </a:p>
           <a:p>
@@ -6021,27 +6332,17 @@
                 <a:effectLst/>
                 <a:uFillTx/>
                 <a:latin typeface="Calibri"/>
-              </a:rPr>
-              <a:t>Added bonus features: forwarding unit for data hazards and hazard unit </a:t>
-            </a:r>
-            <a:r>
-              <a:rPr b="0" lang="en-US" sz="2000" strike="noStrike" u="none">
-                <a:solidFill>
-                  <a:schemeClr val="dk1"/>
-                </a:solidFill>
-                <a:effectLst/>
-                <a:uFillTx/>
-                <a:latin typeface="Calibri"/>
-              </a:rPr>
-              <a:t>for load-use hazards (Fig. 3).</a:t>
+                <a:ea typeface="Microsoft YaHei"/>
+              </a:rPr>
+              <a:t>Added bonus features: forwarding unit for data hazards and hazard unit for load-use hazards (Fig. 3).</a:t>
             </a:r>
             <a:endParaRPr b="0" lang="en-US" sz="2000" strike="noStrike" u="none">
               <a:solidFill>
-                <a:schemeClr val="dk1"/>
-              </a:solidFill>
-              <a:effectLst/>
-              <a:uFillTx/>
-              <a:latin typeface="Calibri"/>
+                <a:srgbClr val="000000"/>
+              </a:solidFill>
+              <a:effectLst/>
+              <a:uFillTx/>
+              <a:latin typeface="Arial"/>
             </a:endParaRPr>
           </a:p>
           <a:p>
@@ -6069,6 +6370,7 @@
                 <a:effectLst/>
                 <a:uFillTx/>
                 <a:latin typeface="Calibri"/>
+                <a:ea typeface="Microsoft YaHei"/>
               </a:rPr>
               <a:t>Outcome</a:t>
             </a:r>
@@ -6080,27 +6382,17 @@
                 <a:effectLst/>
                 <a:uFillTx/>
                 <a:latin typeface="Calibri"/>
-              </a:rPr>
-              <a:t>: Demonstrated correct execution of MIPS instructions, including </a:t>
-            </a:r>
-            <a:r>
-              <a:rPr b="0" lang="en-US" sz="2000" strike="noStrike" u="none">
-                <a:solidFill>
-                  <a:schemeClr val="dk1"/>
-                </a:solidFill>
-                <a:effectLst/>
-                <a:uFillTx/>
-                <a:latin typeface="Calibri"/>
-              </a:rPr>
-              <a:t>branching, data hazards resolution, and pipelining efficiency.</a:t>
+                <a:ea typeface="Microsoft YaHei"/>
+              </a:rPr>
+              <a:t>: Demonstrated correct execution of MIPS instructions, including branching, data hazards resolution, and pipelining efficiency.</a:t>
             </a:r>
             <a:endParaRPr b="0" lang="en-US" sz="2000" strike="noStrike" u="none">
               <a:solidFill>
-                <a:schemeClr val="dk1"/>
-              </a:solidFill>
-              <a:effectLst/>
-              <a:uFillTx/>
-              <a:latin typeface="Calibri"/>
+                <a:srgbClr val="000000"/>
+              </a:solidFill>
+              <a:effectLst/>
+              <a:uFillTx/>
+              <a:latin typeface="Arial"/>
             </a:endParaRPr>
           </a:p>
         </p:txBody>
@@ -6148,7 +6440,7 @@
         <p:spPr>
           <a:xfrm>
             <a:off x="457200" y="123120"/>
-            <a:ext cx="8229240" cy="4860360"/>
+            <a:ext cx="8228880" cy="4860000"/>
           </a:xfrm>
           <a:prstGeom prst="rect">
             <a:avLst/>
@@ -6188,11 +6480,11 @@
             </a:r>
             <a:endParaRPr b="0" lang="en-US" sz="1300" strike="noStrike" u="none">
               <a:solidFill>
-                <a:schemeClr val="dk1"/>
-              </a:solidFill>
-              <a:effectLst/>
-              <a:uFillTx/>
-              <a:latin typeface="Calibri"/>
+                <a:srgbClr val="000000"/>
+              </a:solidFill>
+              <a:effectLst/>
+              <a:uFillTx/>
+              <a:latin typeface="Arial"/>
             </a:endParaRPr>
           </a:p>
           <a:p>
@@ -6236,11 +6528,11 @@
             </a:r>
             <a:endParaRPr b="0" lang="en-US" sz="1300" strike="noStrike" u="none">
               <a:solidFill>
-                <a:schemeClr val="dk1"/>
-              </a:solidFill>
-              <a:effectLst/>
-              <a:uFillTx/>
-              <a:latin typeface="Calibri"/>
+                <a:srgbClr val="000000"/>
+              </a:solidFill>
+              <a:effectLst/>
+              <a:uFillTx/>
+              <a:latin typeface="Arial"/>
             </a:endParaRPr>
           </a:p>
           <a:p>
@@ -6306,11 +6598,11 @@
             </a:r>
             <a:endParaRPr b="0" lang="en-US" sz="1300" strike="noStrike" u="none">
               <a:solidFill>
-                <a:schemeClr val="dk1"/>
-              </a:solidFill>
-              <a:effectLst/>
-              <a:uFillTx/>
-              <a:latin typeface="Calibri"/>
+                <a:srgbClr val="000000"/>
+              </a:solidFill>
+              <a:effectLst/>
+              <a:uFillTx/>
+              <a:latin typeface="Arial"/>
             </a:endParaRPr>
           </a:p>
           <a:p>
@@ -6361,7 +6653,7 @@
                 <a:uFillTx/>
                 <a:latin typeface="Courier New"/>
               </a:rPr>
-              <a:t>$t1 = 5</a:t>
+              <a:t>$t1 = 1</a:t>
             </a:r>
             <a:r>
               <a:rPr b="0" lang="en-US" sz="1300" strike="noStrike" u="none">
@@ -6383,7 +6675,7 @@
                 <a:uFillTx/>
                 <a:latin typeface="Courier New"/>
               </a:rPr>
-              <a:t>$t2 = 10</a:t>
+              <a:t>$t2 = 2</a:t>
             </a:r>
             <a:r>
               <a:rPr b="0" lang="en-US" sz="1300" strike="noStrike" u="none">
@@ -6405,7 +6697,7 @@
                 <a:uFillTx/>
                 <a:latin typeface="Courier New"/>
               </a:rPr>
-              <a:t>$t3 = 15</a:t>
+              <a:t>$t3 = 3</a:t>
             </a:r>
             <a:r>
               <a:rPr b="0" lang="en-US" sz="1300" strike="noStrike" u="none">
@@ -6427,7 +6719,7 @@
                 <a:uFillTx/>
                 <a:latin typeface="Courier New"/>
               </a:rPr>
-              <a:t>$t4 = 0</a:t>
+              <a:t>$t4 = 4</a:t>
             </a:r>
             <a:r>
               <a:rPr b="0" lang="en-US" sz="1300" strike="noStrike" u="none">
@@ -6442,11 +6734,11 @@
             </a:r>
             <a:endParaRPr b="0" lang="en-US" sz="1300" strike="noStrike" u="none">
               <a:solidFill>
-                <a:schemeClr val="dk1"/>
-              </a:solidFill>
-              <a:effectLst/>
-              <a:uFillTx/>
-              <a:latin typeface="Calibri"/>
+                <a:srgbClr val="000000"/>
+              </a:solidFill>
+              <a:effectLst/>
+              <a:uFillTx/>
+              <a:latin typeface="Arial"/>
             </a:endParaRPr>
           </a:p>
           <a:p>
@@ -6512,11 +6804,11 @@
             </a:r>
             <a:endParaRPr b="0" lang="en-US" sz="1300" strike="noStrike" u="none">
               <a:solidFill>
-                <a:schemeClr val="dk1"/>
-              </a:solidFill>
-              <a:effectLst/>
-              <a:uFillTx/>
-              <a:latin typeface="Calibri"/>
+                <a:srgbClr val="000000"/>
+              </a:solidFill>
+              <a:effectLst/>
+              <a:uFillTx/>
+              <a:latin typeface="Arial"/>
             </a:endParaRPr>
           </a:p>
           <a:p>
@@ -6560,11 +6852,11 @@
             </a:r>
             <a:endParaRPr b="0" lang="en-US" sz="1300" strike="noStrike" u="none">
               <a:solidFill>
-                <a:schemeClr val="dk1"/>
-              </a:solidFill>
-              <a:effectLst/>
-              <a:uFillTx/>
-              <a:latin typeface="Calibri"/>
+                <a:srgbClr val="000000"/>
+              </a:solidFill>
+              <a:effectLst/>
+              <a:uFillTx/>
+              <a:latin typeface="Arial"/>
             </a:endParaRPr>
           </a:p>
           <a:p>
@@ -6630,11 +6922,11 @@
             </a:r>
             <a:endParaRPr b="0" lang="en-US" sz="1300" strike="noStrike" u="none">
               <a:solidFill>
-                <a:schemeClr val="dk1"/>
-              </a:solidFill>
-              <a:effectLst/>
-              <a:uFillTx/>
-              <a:latin typeface="Calibri"/>
+                <a:srgbClr val="000000"/>
+              </a:solidFill>
+              <a:effectLst/>
+              <a:uFillTx/>
+              <a:latin typeface="Arial"/>
             </a:endParaRPr>
           </a:p>
           <a:p>
@@ -6722,11 +7014,11 @@
             </a:r>
             <a:endParaRPr b="0" lang="en-US" sz="1300" strike="noStrike" u="none">
               <a:solidFill>
-                <a:schemeClr val="dk1"/>
-              </a:solidFill>
-              <a:effectLst/>
-              <a:uFillTx/>
-              <a:latin typeface="Calibri"/>
+                <a:srgbClr val="000000"/>
+              </a:solidFill>
+              <a:effectLst/>
+              <a:uFillTx/>
+              <a:latin typeface="Arial"/>
             </a:endParaRPr>
           </a:p>
           <a:p>
@@ -6858,11 +7150,11 @@
             </a:r>
             <a:endParaRPr b="0" lang="en-US" sz="1300" strike="noStrike" u="none">
               <a:solidFill>
-                <a:schemeClr val="dk1"/>
-              </a:solidFill>
-              <a:effectLst/>
-              <a:uFillTx/>
-              <a:latin typeface="Calibri"/>
+                <a:srgbClr val="000000"/>
+              </a:solidFill>
+              <a:effectLst/>
+              <a:uFillTx/>
+              <a:latin typeface="Arial"/>
             </a:endParaRPr>
           </a:p>
           <a:p>
@@ -6906,11 +7198,11 @@
             </a:r>
             <a:endParaRPr b="0" lang="en-US" sz="1300" strike="noStrike" u="none">
               <a:solidFill>
-                <a:schemeClr val="dk1"/>
-              </a:solidFill>
-              <a:effectLst/>
-              <a:uFillTx/>
-              <a:latin typeface="Calibri"/>
+                <a:srgbClr val="000000"/>
+              </a:solidFill>
+              <a:effectLst/>
+              <a:uFillTx/>
+              <a:latin typeface="Arial"/>
             </a:endParaRPr>
           </a:p>
           <a:p>
@@ -6954,11 +7246,11 @@
             </a:r>
             <a:endParaRPr b="0" lang="en-US" sz="1300" strike="noStrike" u="none">
               <a:solidFill>
-                <a:schemeClr val="dk1"/>
-              </a:solidFill>
-              <a:effectLst/>
-              <a:uFillTx/>
-              <a:latin typeface="Calibri"/>
+                <a:srgbClr val="000000"/>
+              </a:solidFill>
+              <a:effectLst/>
+              <a:uFillTx/>
+              <a:latin typeface="Arial"/>
             </a:endParaRPr>
           </a:p>
           <a:p>
@@ -7002,11 +7294,11 @@
             </a:r>
             <a:endParaRPr b="0" lang="en-US" sz="1300" strike="noStrike" u="none">
               <a:solidFill>
-                <a:schemeClr val="dk1"/>
-              </a:solidFill>
-              <a:effectLst/>
-              <a:uFillTx/>
-              <a:latin typeface="Calibri"/>
+                <a:srgbClr val="000000"/>
+              </a:solidFill>
+              <a:effectLst/>
+              <a:uFillTx/>
+              <a:latin typeface="Arial"/>
             </a:endParaRPr>
           </a:p>
           <a:p>
@@ -7050,11 +7342,11 @@
             </a:r>
             <a:endParaRPr b="0" lang="en-US" sz="1300" strike="noStrike" u="none">
               <a:solidFill>
-                <a:schemeClr val="dk1"/>
-              </a:solidFill>
-              <a:effectLst/>
-              <a:uFillTx/>
-              <a:latin typeface="Calibri"/>
+                <a:srgbClr val="000000"/>
+              </a:solidFill>
+              <a:effectLst/>
+              <a:uFillTx/>
+              <a:latin typeface="Arial"/>
             </a:endParaRPr>
           </a:p>
           <a:p>
@@ -7098,11 +7390,11 @@
             </a:r>
             <a:endParaRPr b="0" lang="en-US" sz="1300" strike="noStrike" u="none">
               <a:solidFill>
-                <a:schemeClr val="dk1"/>
-              </a:solidFill>
-              <a:effectLst/>
-              <a:uFillTx/>
-              <a:latin typeface="Calibri"/>
+                <a:srgbClr val="000000"/>
+              </a:solidFill>
+              <a:effectLst/>
+              <a:uFillTx/>
+              <a:latin typeface="Arial"/>
             </a:endParaRPr>
           </a:p>
           <a:p>
@@ -7146,11 +7438,11 @@
             </a:r>
             <a:endParaRPr b="0" lang="en-US" sz="1300" strike="noStrike" u="none">
               <a:solidFill>
-                <a:schemeClr val="dk1"/>
-              </a:solidFill>
-              <a:effectLst/>
-              <a:uFillTx/>
-              <a:latin typeface="Calibri"/>
+                <a:srgbClr val="000000"/>
+              </a:solidFill>
+              <a:effectLst/>
+              <a:uFillTx/>
+              <a:latin typeface="Arial"/>
             </a:endParaRPr>
           </a:p>
           <a:p>
@@ -7194,11 +7486,11 @@
             </a:r>
             <a:endParaRPr b="0" lang="en-US" sz="1300" strike="noStrike" u="none">
               <a:solidFill>
-                <a:schemeClr val="dk1"/>
-              </a:solidFill>
-              <a:effectLst/>
-              <a:uFillTx/>
-              <a:latin typeface="Calibri"/>
+                <a:srgbClr val="000000"/>
+              </a:solidFill>
+              <a:effectLst/>
+              <a:uFillTx/>
+              <a:latin typeface="Arial"/>
             </a:endParaRPr>
           </a:p>
           <a:p>
@@ -7242,11 +7534,11 @@
             </a:r>
             <a:endParaRPr b="0" lang="en-US" sz="1300" strike="noStrike" u="none">
               <a:solidFill>
-                <a:schemeClr val="dk1"/>
-              </a:solidFill>
-              <a:effectLst/>
-              <a:uFillTx/>
-              <a:latin typeface="Calibri"/>
+                <a:srgbClr val="000000"/>
+              </a:solidFill>
+              <a:effectLst/>
+              <a:uFillTx/>
+              <a:latin typeface="Arial"/>
             </a:endParaRPr>
           </a:p>
           <a:p>
@@ -7290,11 +7582,11 @@
             </a:r>
             <a:endParaRPr b="0" lang="en-US" sz="1300" strike="noStrike" u="none">
               <a:solidFill>
-                <a:schemeClr val="dk1"/>
-              </a:solidFill>
-              <a:effectLst/>
-              <a:uFillTx/>
-              <a:latin typeface="Calibri"/>
+                <a:srgbClr val="000000"/>
+              </a:solidFill>
+              <a:effectLst/>
+              <a:uFillTx/>
+              <a:latin typeface="Arial"/>
             </a:endParaRPr>
           </a:p>
         </p:txBody>
@@ -7342,7 +7634,7 @@
         <p:spPr>
           <a:xfrm>
             <a:off x="447480" y="210240"/>
-            <a:ext cx="8229240" cy="4709880"/>
+            <a:ext cx="8228880" cy="4709520"/>
           </a:xfrm>
           <a:prstGeom prst="rect">
             <a:avLst/>
@@ -7382,11 +7674,11 @@
             </a:r>
             <a:endParaRPr b="0" lang="en-US" sz="2400" strike="noStrike" u="none">
               <a:solidFill>
-                <a:schemeClr val="dk1"/>
-              </a:solidFill>
-              <a:effectLst/>
-              <a:uFillTx/>
-              <a:latin typeface="Calibri"/>
+                <a:srgbClr val="000000"/>
+              </a:solidFill>
+              <a:effectLst/>
+              <a:uFillTx/>
+              <a:latin typeface="Arial"/>
             </a:endParaRPr>
           </a:p>
           <a:p>
@@ -7430,11 +7722,11 @@
             </a:r>
             <a:endParaRPr b="0" lang="en-US" sz="2400" strike="noStrike" u="none">
               <a:solidFill>
-                <a:schemeClr val="dk1"/>
-              </a:solidFill>
-              <a:effectLst/>
-              <a:uFillTx/>
-              <a:latin typeface="Calibri"/>
+                <a:srgbClr val="000000"/>
+              </a:solidFill>
+              <a:effectLst/>
+              <a:uFillTx/>
+              <a:latin typeface="Arial"/>
             </a:endParaRPr>
           </a:p>
           <a:p>
@@ -7522,11 +7814,11 @@
             </a:r>
             <a:endParaRPr b="0" lang="en-US" sz="2100" strike="noStrike" u="none">
               <a:solidFill>
-                <a:schemeClr val="dk1"/>
-              </a:solidFill>
-              <a:effectLst/>
-              <a:uFillTx/>
-              <a:latin typeface="Calibri"/>
+                <a:srgbClr val="000000"/>
+              </a:solidFill>
+              <a:effectLst/>
+              <a:uFillTx/>
+              <a:latin typeface="Arial"/>
             </a:endParaRPr>
           </a:p>
           <a:p>
@@ -7614,11 +7906,11 @@
             </a:r>
             <a:endParaRPr b="0" lang="en-US" sz="2100" strike="noStrike" u="none">
               <a:solidFill>
-                <a:schemeClr val="dk1"/>
-              </a:solidFill>
-              <a:effectLst/>
-              <a:uFillTx/>
-              <a:latin typeface="Calibri"/>
+                <a:srgbClr val="000000"/>
+              </a:solidFill>
+              <a:effectLst/>
+              <a:uFillTx/>
+              <a:latin typeface="Arial"/>
             </a:endParaRPr>
           </a:p>
           <a:p>
@@ -7662,11 +7954,11 @@
             </a:r>
             <a:endParaRPr b="0" lang="en-US" sz="2400" strike="noStrike" u="none">
               <a:solidFill>
-                <a:schemeClr val="dk1"/>
-              </a:solidFill>
-              <a:effectLst/>
-              <a:uFillTx/>
-              <a:latin typeface="Calibri"/>
+                <a:srgbClr val="000000"/>
+              </a:solidFill>
+              <a:effectLst/>
+              <a:uFillTx/>
+              <a:latin typeface="Arial"/>
             </a:endParaRPr>
           </a:p>
           <a:p>
@@ -7721,11 +8013,11 @@
             </a:r>
             <a:endParaRPr b="0" lang="en-US" sz="2100" strike="noStrike" u="none">
               <a:solidFill>
-                <a:schemeClr val="dk1"/>
-              </a:solidFill>
-              <a:effectLst/>
-              <a:uFillTx/>
-              <a:latin typeface="Calibri"/>
+                <a:srgbClr val="000000"/>
+              </a:solidFill>
+              <a:effectLst/>
+              <a:uFillTx/>
+              <a:latin typeface="Arial"/>
             </a:endParaRPr>
           </a:p>
           <a:p>
@@ -7780,11 +8072,11 @@
             </a:r>
             <a:endParaRPr b="0" lang="en-US" sz="2100" strike="noStrike" u="none">
               <a:solidFill>
-                <a:schemeClr val="dk1"/>
-              </a:solidFill>
-              <a:effectLst/>
-              <a:uFillTx/>
-              <a:latin typeface="Calibri"/>
+                <a:srgbClr val="000000"/>
+              </a:solidFill>
+              <a:effectLst/>
+              <a:uFillTx/>
+              <a:latin typeface="Arial"/>
             </a:endParaRPr>
           </a:p>
           <a:p>
@@ -7872,11 +8164,11 @@
             </a:r>
             <a:endParaRPr b="0" lang="en-US" sz="2400" strike="noStrike" u="none">
               <a:solidFill>
-                <a:schemeClr val="dk1"/>
-              </a:solidFill>
-              <a:effectLst/>
-              <a:uFillTx/>
-              <a:latin typeface="Calibri"/>
+                <a:srgbClr val="000000"/>
+              </a:solidFill>
+              <a:effectLst/>
+              <a:uFillTx/>
+              <a:latin typeface="Arial"/>
             </a:endParaRPr>
           </a:p>
         </p:txBody>
@@ -7924,7 +8216,7 @@
         <p:spPr>
           <a:xfrm>
             <a:off x="457200" y="682200"/>
-            <a:ext cx="8229240" cy="3656160"/>
+            <a:ext cx="8228880" cy="3655800"/>
           </a:xfrm>
           <a:prstGeom prst="rect">
             <a:avLst/>
@@ -7964,11 +8256,11 @@
             </a:r>
             <a:endParaRPr b="0" lang="en-US" sz="1800" strike="noStrike" u="none">
               <a:solidFill>
-                <a:schemeClr val="dk1"/>
-              </a:solidFill>
-              <a:effectLst/>
-              <a:uFillTx/>
-              <a:latin typeface="Calibri"/>
+                <a:srgbClr val="000000"/>
+              </a:solidFill>
+              <a:effectLst/>
+              <a:uFillTx/>
+              <a:latin typeface="Arial"/>
             </a:endParaRPr>
           </a:p>
           <a:p>
@@ -8012,11 +8304,11 @@
             </a:r>
             <a:endParaRPr b="0" lang="en-US" sz="1800" strike="noStrike" u="none">
               <a:solidFill>
-                <a:schemeClr val="dk1"/>
-              </a:solidFill>
-              <a:effectLst/>
-              <a:uFillTx/>
-              <a:latin typeface="Calibri"/>
+                <a:srgbClr val="000000"/>
+              </a:solidFill>
+              <a:effectLst/>
+              <a:uFillTx/>
+              <a:latin typeface="Arial"/>
             </a:endParaRPr>
           </a:p>
           <a:p>
@@ -8045,37 +8337,15 @@
                 <a:uFillTx/>
                 <a:latin typeface="Calibri"/>
               </a:rPr>
-              <a:t>Demonstrated pipelining </a:t>
-            </a:r>
-            <a:r>
-              <a:rPr b="0" lang="en-US" sz="1800" strike="noStrike" u="none">
-                <a:solidFill>
-                  <a:schemeClr val="dk1"/>
-                </a:solidFill>
-                <a:effectLst/>
-                <a:uFillTx/>
-                <a:latin typeface="Calibri"/>
-              </a:rPr>
-              <a:t>across fourth, fifth, and sixth </a:t>
-            </a:r>
-            <a:r>
-              <a:rPr b="0" lang="en-US" sz="1800" strike="noStrike" u="none">
-                <a:solidFill>
-                  <a:schemeClr val="dk1"/>
-                </a:solidFill>
-                <a:effectLst/>
-                <a:uFillTx/>
-                <a:latin typeface="Calibri"/>
-              </a:rPr>
-              <a:t>clock cycles.</a:t>
+              <a:t>Demonstrated pipelining across fourth, fifth, and sixth clock cycles.</a:t>
             </a:r>
             <a:endParaRPr b="0" lang="en-US" sz="1800" strike="noStrike" u="none">
               <a:solidFill>
-                <a:schemeClr val="dk1"/>
-              </a:solidFill>
-              <a:effectLst/>
-              <a:uFillTx/>
-              <a:latin typeface="Calibri"/>
+                <a:srgbClr val="000000"/>
+              </a:solidFill>
+              <a:effectLst/>
+              <a:uFillTx/>
+              <a:latin typeface="Arial"/>
             </a:endParaRPr>
           </a:p>
           <a:p>
@@ -8137,7 +8407,7 @@
                 <a:uFillTx/>
                 <a:latin typeface="Calibri"/>
               </a:rPr>
-              <a:t> </a:t>
+              <a:t> completes, </a:t>
             </a:r>
             <a:r>
               <a:rPr b="0" lang="en-US" sz="1800" strike="noStrike" u="none">
@@ -8146,9 +8416,9 @@
                 </a:solidFill>
                 <a:effectLst/>
                 <a:uFillTx/>
-                <a:latin typeface="Calibri"/>
-              </a:rPr>
-              <a:t>completes, </a:t>
+                <a:latin typeface="Courier New"/>
+              </a:rPr>
+              <a:t>$t1 = 20</a:t>
             </a:r>
             <a:r>
               <a:rPr b="0" lang="en-US" sz="1800" strike="noStrike" u="none">
@@ -8157,28 +8427,17 @@
                 </a:solidFill>
                 <a:effectLst/>
                 <a:uFillTx/>
-                <a:latin typeface="Courier New"/>
-              </a:rPr>
-              <a:t>$t1 = 20</a:t>
-            </a:r>
-            <a:r>
-              <a:rPr b="0" lang="en-US" sz="1800" strike="noStrike" u="none">
-                <a:solidFill>
-                  <a:schemeClr val="dk1"/>
-                </a:solidFill>
-                <a:effectLst/>
-                <a:uFillTx/>
                 <a:latin typeface="Calibri"/>
               </a:rPr>
               <a:t>.</a:t>
             </a:r>
             <a:endParaRPr b="0" lang="en-US" sz="1800" strike="noStrike" u="none">
               <a:solidFill>
-                <a:schemeClr val="dk1"/>
-              </a:solidFill>
-              <a:effectLst/>
-              <a:uFillTx/>
-              <a:latin typeface="Calibri"/>
+                <a:srgbClr val="000000"/>
+              </a:solidFill>
+              <a:effectLst/>
+              <a:uFillTx/>
+              <a:latin typeface="Arial"/>
             </a:endParaRPr>
           </a:p>
           <a:p>
@@ -8229,7 +8488,7 @@
                 <a:uFillTx/>
                 <a:latin typeface="Courier New"/>
               </a:rPr>
-              <a:t>add $t2, $t1, </a:t>
+              <a:t>add $t2, $t1, $t2</a:t>
             </a:r>
             <a:r>
               <a:rPr b="0" lang="en-US" sz="1800" strike="noStrike" u="none">
@@ -8238,9 +8497,20 @@
                 </a:solidFill>
                 <a:effectLst/>
                 <a:uFillTx/>
+                <a:latin typeface="Calibri"/>
+              </a:rPr>
+              <a:t>, </a:t>
+            </a:r>
+            <a:r>
+              <a:rPr b="0" lang="en-US" sz="1800" strike="noStrike" u="none">
+                <a:solidFill>
+                  <a:schemeClr val="dk1"/>
+                </a:solidFill>
+                <a:effectLst/>
+                <a:uFillTx/>
                 <a:latin typeface="Courier New"/>
               </a:rPr>
-              <a:t>$t2</a:t>
+              <a:t>$t2 = 20 + 10 = 30</a:t>
             </a:r>
             <a:r>
               <a:rPr b="0" lang="en-US" sz="1800" strike="noStrike" u="none">
@@ -8251,48 +8521,15 @@
                 <a:uFillTx/>
                 <a:latin typeface="Calibri"/>
               </a:rPr>
-              <a:t>, </a:t>
-            </a:r>
-            <a:r>
-              <a:rPr b="0" lang="en-US" sz="1800" strike="noStrike" u="none">
-                <a:solidFill>
-                  <a:schemeClr val="dk1"/>
-                </a:solidFill>
-                <a:effectLst/>
-                <a:uFillTx/>
-                <a:latin typeface="Courier New"/>
-              </a:rPr>
-              <a:t>$t2 = 20 + 10 = </a:t>
-            </a:r>
-            <a:r>
-              <a:rPr b="0" lang="en-US" sz="1800" strike="noStrike" u="none">
-                <a:solidFill>
-                  <a:schemeClr val="dk1"/>
-                </a:solidFill>
-                <a:effectLst/>
-                <a:uFillTx/>
-                <a:latin typeface="Courier New"/>
-              </a:rPr>
-              <a:t>30</a:t>
-            </a:r>
-            <a:r>
-              <a:rPr b="0" lang="en-US" sz="1800" strike="noStrike" u="none">
-                <a:solidFill>
-                  <a:schemeClr val="dk1"/>
-                </a:solidFill>
-                <a:effectLst/>
-                <a:uFillTx/>
-                <a:latin typeface="Calibri"/>
-              </a:rPr>
               <a:t>.</a:t>
             </a:r>
             <a:endParaRPr b="0" lang="en-US" sz="1800" strike="noStrike" u="none">
               <a:solidFill>
-                <a:schemeClr val="dk1"/>
-              </a:solidFill>
-              <a:effectLst/>
-              <a:uFillTx/>
-              <a:latin typeface="Calibri"/>
+                <a:srgbClr val="000000"/>
+              </a:solidFill>
+              <a:effectLst/>
+              <a:uFillTx/>
+              <a:latin typeface="Arial"/>
             </a:endParaRPr>
           </a:p>
           <a:p>
@@ -8343,7 +8580,7 @@
                 <a:uFillTx/>
                 <a:latin typeface="Courier New"/>
               </a:rPr>
-              <a:t>sw $t3, </a:t>
+              <a:t>sw $t3, 100($t2)</a:t>
             </a:r>
             <a:r>
               <a:rPr b="0" lang="en-US" sz="1800" strike="noStrike" u="none">
@@ -8352,9 +8589,20 @@
                 </a:solidFill>
                 <a:effectLst/>
                 <a:uFillTx/>
+                <a:latin typeface="Calibri"/>
+              </a:rPr>
+              <a:t> stores </a:t>
+            </a:r>
+            <a:r>
+              <a:rPr b="0" lang="en-US" sz="1800" strike="noStrike" u="none">
+                <a:solidFill>
+                  <a:schemeClr val="dk1"/>
+                </a:solidFill>
+                <a:effectLst/>
+                <a:uFillTx/>
                 <a:latin typeface="Courier New"/>
               </a:rPr>
-              <a:t>100($t2)</a:t>
+              <a:t>15</a:t>
             </a:r>
             <a:r>
               <a:rPr b="0" lang="en-US" sz="1800" strike="noStrike" u="none">
@@ -8365,48 +8613,15 @@
                 <a:uFillTx/>
                 <a:latin typeface="Calibri"/>
               </a:rPr>
-              <a:t> stores </a:t>
-            </a:r>
-            <a:r>
-              <a:rPr b="0" lang="en-US" sz="1800" strike="noStrike" u="none">
-                <a:solidFill>
-                  <a:schemeClr val="dk1"/>
-                </a:solidFill>
-                <a:effectLst/>
-                <a:uFillTx/>
-                <a:latin typeface="Courier New"/>
-              </a:rPr>
-              <a:t>15</a:t>
-            </a:r>
-            <a:r>
-              <a:rPr b="0" lang="en-US" sz="1800" strike="noStrike" u="none">
-                <a:solidFill>
-                  <a:schemeClr val="dk1"/>
-                </a:solidFill>
-                <a:effectLst/>
-                <a:uFillTx/>
-                <a:latin typeface="Calibri"/>
-              </a:rPr>
-              <a:t> at </a:t>
-            </a:r>
-            <a:r>
-              <a:rPr b="0" lang="en-US" sz="1800" strike="noStrike" u="none">
-                <a:solidFill>
-                  <a:schemeClr val="dk1"/>
-                </a:solidFill>
-                <a:effectLst/>
-                <a:uFillTx/>
-                <a:latin typeface="Calibri"/>
-              </a:rPr>
-              <a:t>updated address.</a:t>
+              <a:t> at updated address.</a:t>
             </a:r>
             <a:endParaRPr b="0" lang="en-US" sz="1800" strike="noStrike" u="none">
               <a:solidFill>
-                <a:schemeClr val="dk1"/>
-              </a:solidFill>
-              <a:effectLst/>
-              <a:uFillTx/>
-              <a:latin typeface="Calibri"/>
+                <a:srgbClr val="000000"/>
+              </a:solidFill>
+              <a:effectLst/>
+              <a:uFillTx/>
+              <a:latin typeface="Arial"/>
             </a:endParaRPr>
           </a:p>
           <a:p>
@@ -8450,11 +8665,11 @@
             </a:r>
             <a:endParaRPr b="0" lang="en-US" sz="1800" strike="noStrike" u="none">
               <a:solidFill>
-                <a:schemeClr val="dk1"/>
-              </a:solidFill>
-              <a:effectLst/>
-              <a:uFillTx/>
-              <a:latin typeface="Calibri"/>
+                <a:srgbClr val="000000"/>
+              </a:solidFill>
+              <a:effectLst/>
+              <a:uFillTx/>
+              <a:latin typeface="Arial"/>
             </a:endParaRPr>
           </a:p>
           <a:p>
@@ -8483,26 +8698,15 @@
                 <a:uFillTx/>
                 <a:latin typeface="Calibri"/>
               </a:rPr>
-              <a:t>ALU outputs and data memory </a:t>
-            </a:r>
-            <a:r>
-              <a:rPr b="0" lang="en-US" sz="1800" strike="noStrike" u="none">
-                <a:solidFill>
-                  <a:schemeClr val="dk1"/>
-                </a:solidFill>
-                <a:effectLst/>
-                <a:uFillTx/>
-                <a:latin typeface="Calibri"/>
-              </a:rPr>
-              <a:t>values match expected results.</a:t>
+              <a:t>ALU outputs and data memory values match expected results.</a:t>
             </a:r>
             <a:endParaRPr b="0" lang="en-US" sz="1800" strike="noStrike" u="none">
               <a:solidFill>
-                <a:schemeClr val="dk1"/>
-              </a:solidFill>
-              <a:effectLst/>
-              <a:uFillTx/>
-              <a:latin typeface="Calibri"/>
+                <a:srgbClr val="000000"/>
+              </a:solidFill>
+              <a:effectLst/>
+              <a:uFillTx/>
+              <a:latin typeface="Arial"/>
             </a:endParaRPr>
           </a:p>
           <a:p>
@@ -8531,26 +8735,15 @@
                 <a:uFillTx/>
                 <a:latin typeface="Calibri"/>
               </a:rPr>
-              <a:t>Improved throughput vs. single </a:t>
-            </a:r>
-            <a:r>
-              <a:rPr b="0" lang="en-US" sz="1800" strike="noStrike" u="none">
-                <a:solidFill>
-                  <a:schemeClr val="dk1"/>
-                </a:solidFill>
-                <a:effectLst/>
-                <a:uFillTx/>
-                <a:latin typeface="Calibri"/>
-              </a:rPr>
-              <a:t>cycle.</a:t>
+              <a:t>Improved throughput vs. single cycle.</a:t>
             </a:r>
             <a:endParaRPr b="0" lang="en-US" sz="1800" strike="noStrike" u="none">
               <a:solidFill>
-                <a:schemeClr val="dk1"/>
-              </a:solidFill>
-              <a:effectLst/>
-              <a:uFillTx/>
-              <a:latin typeface="Calibri"/>
+                <a:srgbClr val="000000"/>
+              </a:solidFill>
+              <a:effectLst/>
+              <a:uFillTx/>
+              <a:latin typeface="Arial"/>
             </a:endParaRPr>
           </a:p>
           <a:p>
@@ -8590,7 +8783,7 @@
                 <a:uFillTx/>
                 <a:latin typeface="Calibri"/>
               </a:rPr>
-              <a:t>: Waveform </a:t>
+              <a:t>: Waveform showing cycles 4-6, with ALU outputs (</a:t>
             </a:r>
             <a:r>
               <a:rPr b="0" lang="en-US" sz="1800" strike="noStrike" u="none">
@@ -8599,9 +8792,9 @@
                 </a:solidFill>
                 <a:effectLst/>
                 <a:uFillTx/>
-                <a:latin typeface="Calibri"/>
-              </a:rPr>
-              <a:t>showing cycles 4-6, with ALU </a:t>
+                <a:latin typeface="Courier New"/>
+              </a:rPr>
+              <a:t>$t2 = 30</a:t>
             </a:r>
             <a:r>
               <a:rPr b="0" lang="en-US" sz="1800" strike="noStrike" u="none">
@@ -8612,7 +8805,7 @@
                 <a:uFillTx/>
                 <a:latin typeface="Calibri"/>
               </a:rPr>
-              <a:t>outputs (</a:t>
+              <a:t>) and data memory (</a:t>
             </a:r>
             <a:r>
               <a:rPr b="0" lang="en-US" sz="1800" strike="noStrike" u="none">
@@ -8623,7 +8816,7 @@
                 <a:uFillTx/>
                 <a:latin typeface="Courier New"/>
               </a:rPr>
-              <a:t>$t2 = 30</a:t>
+              <a:t>memory[100] = 15</a:t>
             </a:r>
             <a:r>
               <a:rPr b="0" lang="en-US" sz="1800" strike="noStrike" u="none">
@@ -8634,48 +8827,15 @@
                 <a:uFillTx/>
                 <a:latin typeface="Calibri"/>
               </a:rPr>
-              <a:t>) and data </a:t>
-            </a:r>
-            <a:r>
-              <a:rPr b="0" lang="en-US" sz="1800" strike="noStrike" u="none">
-                <a:solidFill>
-                  <a:schemeClr val="dk1"/>
-                </a:solidFill>
-                <a:effectLst/>
-                <a:uFillTx/>
-                <a:latin typeface="Calibri"/>
-              </a:rPr>
-              <a:t>memory (</a:t>
-            </a:r>
-            <a:r>
-              <a:rPr b="0" lang="en-US" sz="1800" strike="noStrike" u="none">
-                <a:solidFill>
-                  <a:schemeClr val="dk1"/>
-                </a:solidFill>
-                <a:effectLst/>
-                <a:uFillTx/>
-                <a:latin typeface="Courier New"/>
-              </a:rPr>
-              <a:t>memory[100] = 15</a:t>
-            </a:r>
-            <a:r>
-              <a:rPr b="0" lang="en-US" sz="1800" strike="noStrike" u="none">
-                <a:solidFill>
-                  <a:schemeClr val="dk1"/>
-                </a:solidFill>
-                <a:effectLst/>
-                <a:uFillTx/>
-                <a:latin typeface="Calibri"/>
-              </a:rPr>
               <a:t>).</a:t>
             </a:r>
             <a:endParaRPr b="0" lang="en-US" sz="1800" strike="noStrike" u="none">
               <a:solidFill>
-                <a:schemeClr val="dk1"/>
-              </a:solidFill>
-              <a:effectLst/>
-              <a:uFillTx/>
-              <a:latin typeface="Calibri"/>
+                <a:srgbClr val="000000"/>
+              </a:solidFill>
+              <a:effectLst/>
+              <a:uFillTx/>
+              <a:latin typeface="Arial"/>
             </a:endParaRPr>
           </a:p>
         </p:txBody>
@@ -8723,7 +8883,7 @@
         <p:spPr>
           <a:xfrm>
             <a:off x="457200" y="266760"/>
-            <a:ext cx="8229240" cy="4314600"/>
+            <a:ext cx="8228880" cy="4314240"/>
           </a:xfrm>
           <a:prstGeom prst="rect">
             <a:avLst/>
@@ -8763,11 +8923,11 @@
             </a:r>
             <a:endParaRPr b="0" lang="en-US" sz="2400" strike="noStrike" u="none">
               <a:solidFill>
-                <a:schemeClr val="dk1"/>
-              </a:solidFill>
-              <a:effectLst/>
-              <a:uFillTx/>
-              <a:latin typeface="Calibri"/>
+                <a:srgbClr val="000000"/>
+              </a:solidFill>
+              <a:effectLst/>
+              <a:uFillTx/>
+              <a:latin typeface="Arial"/>
             </a:endParaRPr>
           </a:p>
           <a:p>
@@ -8811,11 +8971,11 @@
             </a:r>
             <a:endParaRPr b="0" lang="en-US" sz="2400" strike="noStrike" u="none">
               <a:solidFill>
-                <a:schemeClr val="dk1"/>
-              </a:solidFill>
-              <a:effectLst/>
-              <a:uFillTx/>
-              <a:latin typeface="Calibri"/>
+                <a:srgbClr val="000000"/>
+              </a:solidFill>
+              <a:effectLst/>
+              <a:uFillTx/>
+              <a:latin typeface="Arial"/>
             </a:endParaRPr>
           </a:p>
           <a:p>
@@ -8936,11 +9096,11 @@
             </a:r>
             <a:endParaRPr b="0" lang="en-US" sz="2100" strike="noStrike" u="none">
               <a:solidFill>
-                <a:schemeClr val="dk1"/>
-              </a:solidFill>
-              <a:effectLst/>
-              <a:uFillTx/>
-              <a:latin typeface="Calibri"/>
+                <a:srgbClr val="000000"/>
+              </a:solidFill>
+              <a:effectLst/>
+              <a:uFillTx/>
+              <a:latin typeface="Arial"/>
             </a:endParaRPr>
           </a:p>
           <a:p>
@@ -9039,11 +9199,11 @@
             </a:r>
             <a:endParaRPr b="0" lang="en-US" sz="2100" strike="noStrike" u="none">
               <a:solidFill>
-                <a:schemeClr val="dk1"/>
-              </a:solidFill>
-              <a:effectLst/>
-              <a:uFillTx/>
-              <a:latin typeface="Calibri"/>
+                <a:srgbClr val="000000"/>
+              </a:solidFill>
+              <a:effectLst/>
+              <a:uFillTx/>
+              <a:latin typeface="Arial"/>
             </a:endParaRPr>
           </a:p>
           <a:p>
@@ -9087,11 +9247,11 @@
             </a:r>
             <a:endParaRPr b="0" lang="en-US" sz="2400" strike="noStrike" u="none">
               <a:solidFill>
-                <a:schemeClr val="dk1"/>
-              </a:solidFill>
-              <a:effectLst/>
-              <a:uFillTx/>
-              <a:latin typeface="Calibri"/>
+                <a:srgbClr val="000000"/>
+              </a:solidFill>
+              <a:effectLst/>
+              <a:uFillTx/>
+              <a:latin typeface="Arial"/>
             </a:endParaRPr>
           </a:p>
           <a:p>
@@ -9190,11 +9350,11 @@
             </a:r>
             <a:endParaRPr b="0" lang="en-US" sz="2100" strike="noStrike" u="none">
               <a:solidFill>
-                <a:schemeClr val="dk1"/>
-              </a:solidFill>
-              <a:effectLst/>
-              <a:uFillTx/>
-              <a:latin typeface="Calibri"/>
+                <a:srgbClr val="000000"/>
+              </a:solidFill>
+              <a:effectLst/>
+              <a:uFillTx/>
+              <a:latin typeface="Arial"/>
             </a:endParaRPr>
           </a:p>
           <a:p>
@@ -9304,11 +9464,11 @@
             </a:r>
             <a:endParaRPr b="0" lang="en-US" sz="2400" strike="noStrike" u="none">
               <a:solidFill>
-                <a:schemeClr val="dk1"/>
-              </a:solidFill>
-              <a:effectLst/>
-              <a:uFillTx/>
-              <a:latin typeface="Calibri"/>
+                <a:srgbClr val="000000"/>
+              </a:solidFill>
+              <a:effectLst/>
+              <a:uFillTx/>
+              <a:latin typeface="Arial"/>
             </a:endParaRPr>
           </a:p>
         </p:txBody>
@@ -9356,7 +9516,7 @@
         <p:spPr>
           <a:xfrm>
             <a:off x="457200" y="428400"/>
-            <a:ext cx="8229240" cy="4165920"/>
+            <a:ext cx="8228880" cy="4165560"/>
           </a:xfrm>
           <a:prstGeom prst="rect">
             <a:avLst/>
@@ -9396,11 +9556,11 @@
             </a:r>
             <a:endParaRPr b="0" lang="en-US" sz="2400" strike="noStrike" u="none">
               <a:solidFill>
-                <a:schemeClr val="dk1"/>
-              </a:solidFill>
-              <a:effectLst/>
-              <a:uFillTx/>
-              <a:latin typeface="Calibri"/>
+                <a:srgbClr val="000000"/>
+              </a:solidFill>
+              <a:effectLst/>
+              <a:uFillTx/>
+              <a:latin typeface="Arial"/>
             </a:endParaRPr>
           </a:p>
           <a:p>
@@ -9444,11 +9604,11 @@
             </a:r>
             <a:endParaRPr b="0" lang="en-US" sz="2400" strike="noStrike" u="none">
               <a:solidFill>
-                <a:schemeClr val="dk1"/>
-              </a:solidFill>
-              <a:effectLst/>
-              <a:uFillTx/>
-              <a:latin typeface="Calibri"/>
+                <a:srgbClr val="000000"/>
+              </a:solidFill>
+              <a:effectLst/>
+              <a:uFillTx/>
+              <a:latin typeface="Arial"/>
             </a:endParaRPr>
           </a:p>
           <a:p>
@@ -9492,11 +9652,11 @@
             </a:r>
             <a:endParaRPr b="0" lang="en-US" sz="2400" strike="noStrike" u="none">
               <a:solidFill>
-                <a:schemeClr val="dk1"/>
-              </a:solidFill>
-              <a:effectLst/>
-              <a:uFillTx/>
-              <a:latin typeface="Calibri"/>
+                <a:srgbClr val="000000"/>
+              </a:solidFill>
+              <a:effectLst/>
+              <a:uFillTx/>
+              <a:latin typeface="Arial"/>
             </a:endParaRPr>
           </a:p>
           <a:p>
@@ -9573,11 +9733,11 @@
             </a:r>
             <a:endParaRPr b="0" lang="en-US" sz="2100" strike="noStrike" u="none">
               <a:solidFill>
-                <a:schemeClr val="dk1"/>
-              </a:solidFill>
-              <a:effectLst/>
-              <a:uFillTx/>
-              <a:latin typeface="Calibri"/>
+                <a:srgbClr val="000000"/>
+              </a:solidFill>
+              <a:effectLst/>
+              <a:uFillTx/>
+              <a:latin typeface="Arial"/>
             </a:endParaRPr>
           </a:p>
           <a:p>
@@ -9610,11 +9770,11 @@
             </a:r>
             <a:endParaRPr b="0" lang="en-US" sz="2100" strike="noStrike" u="none">
               <a:solidFill>
-                <a:schemeClr val="dk1"/>
-              </a:solidFill>
-              <a:effectLst/>
-              <a:uFillTx/>
-              <a:latin typeface="Calibri"/>
+                <a:srgbClr val="000000"/>
+              </a:solidFill>
+              <a:effectLst/>
+              <a:uFillTx/>
+              <a:latin typeface="Arial"/>
             </a:endParaRPr>
           </a:p>
           <a:p>
@@ -9647,11 +9807,11 @@
             </a:r>
             <a:endParaRPr b="0" lang="en-US" sz="2100" strike="noStrike" u="none">
               <a:solidFill>
-                <a:schemeClr val="dk1"/>
-              </a:solidFill>
-              <a:effectLst/>
-              <a:uFillTx/>
-              <a:latin typeface="Calibri"/>
+                <a:srgbClr val="000000"/>
+              </a:solidFill>
+              <a:effectLst/>
+              <a:uFillTx/>
+              <a:latin typeface="Arial"/>
             </a:endParaRPr>
           </a:p>
           <a:p>
@@ -9695,11 +9855,11 @@
             </a:r>
             <a:endParaRPr b="0" lang="en-US" sz="2400" strike="noStrike" u="none">
               <a:solidFill>
-                <a:schemeClr val="dk1"/>
-              </a:solidFill>
-              <a:effectLst/>
-              <a:uFillTx/>
-              <a:latin typeface="Calibri"/>
+                <a:srgbClr val="000000"/>
+              </a:solidFill>
+              <a:effectLst/>
+              <a:uFillTx/>
+              <a:latin typeface="Arial"/>
             </a:endParaRPr>
           </a:p>
         </p:txBody>
